--- a/Slide/Slide Sparta.pptx
+++ b/Slide/Slide Sparta.pptx
@@ -2,28 +2,28 @@
 <file path=ppt/presentation.xml><?xml version="1.0" encoding="utf-8"?>
 <p:presentation xmlns:a="http://schemas.openxmlformats.org/drawingml/2006/main" xmlns:r="http://schemas.openxmlformats.org/officeDocument/2006/relationships" xmlns:p="http://schemas.openxmlformats.org/presentationml/2006/main" autoCompressPictures="0">
   <p:sldMasterIdLst>
-    <p:sldMasterId id="2147483728" r:id="rId1"/>
+    <p:sldMasterId id="2147483745" r:id="rId1"/>
   </p:sldMasterIdLst>
   <p:sldIdLst>
     <p:sldId id="275" r:id="rId2"/>
     <p:sldId id="256" r:id="rId3"/>
     <p:sldId id="257" r:id="rId4"/>
-    <p:sldId id="258" r:id="rId5"/>
-    <p:sldId id="259" r:id="rId6"/>
-    <p:sldId id="276" r:id="rId7"/>
-    <p:sldId id="262" r:id="rId8"/>
-    <p:sldId id="273" r:id="rId9"/>
-    <p:sldId id="274" r:id="rId10"/>
-    <p:sldId id="263" r:id="rId11"/>
-    <p:sldId id="266" r:id="rId12"/>
-    <p:sldId id="264" r:id="rId13"/>
-    <p:sldId id="265" r:id="rId14"/>
-    <p:sldId id="268" r:id="rId15"/>
-    <p:sldId id="267" r:id="rId16"/>
-    <p:sldId id="269" r:id="rId17"/>
-    <p:sldId id="270" r:id="rId18"/>
-    <p:sldId id="272" r:id="rId19"/>
-    <p:sldId id="271" r:id="rId20"/>
+    <p:sldId id="282" r:id="rId5"/>
+    <p:sldId id="280" r:id="rId6"/>
+    <p:sldId id="279" r:id="rId7"/>
+    <p:sldId id="281" r:id="rId8"/>
+    <p:sldId id="262" r:id="rId9"/>
+    <p:sldId id="273" r:id="rId10"/>
+    <p:sldId id="274" r:id="rId11"/>
+    <p:sldId id="263" r:id="rId12"/>
+    <p:sldId id="266" r:id="rId13"/>
+    <p:sldId id="264" r:id="rId14"/>
+    <p:sldId id="265" r:id="rId15"/>
+    <p:sldId id="268" r:id="rId16"/>
+    <p:sldId id="267" r:id="rId17"/>
+    <p:sldId id="269" r:id="rId18"/>
+    <p:sldId id="277" r:id="rId19"/>
+    <p:sldId id="278" r:id="rId20"/>
   </p:sldIdLst>
   <p:sldSz cx="12192000" cy="6858000"/>
   <p:notesSz cx="6858000" cy="9144000"/>
@@ -122,6 +122,11 @@
       </a:defRPr>
     </a:lvl9pPr>
   </p:defaultTextStyle>
+  <p:extLst>
+    <p:ext uri="{EFAFB233-063F-42B5-8137-9DF3F51BA10A}">
+      <p15:sldGuideLst xmlns:p15="http://schemas.microsoft.com/office/powerpoint/2012/main"/>
+    </p:ext>
+  </p:extLst>
 </p:presentation>
 </file>
 
@@ -453,7 +458,7 @@
     </p:spTree>
     <p:extLst>
       <p:ext uri="{BB962C8B-B14F-4D97-AF65-F5344CB8AC3E}">
-        <p14:creationId xmlns:p14="http://schemas.microsoft.com/office/powerpoint/2010/main" val="2596639982"/>
+        <p14:creationId xmlns:p14="http://schemas.microsoft.com/office/powerpoint/2010/main" val="1438426903"/>
       </p:ext>
     </p:extLst>
   </p:cSld>
@@ -793,7 +798,7 @@
     </p:spTree>
     <p:extLst>
       <p:ext uri="{BB962C8B-B14F-4D97-AF65-F5344CB8AC3E}">
-        <p14:creationId xmlns:p14="http://schemas.microsoft.com/office/powerpoint/2010/main" val="2426783651"/>
+        <p14:creationId xmlns:p14="http://schemas.microsoft.com/office/powerpoint/2010/main" val="1680891022"/>
       </p:ext>
     </p:extLst>
   </p:cSld>
@@ -1272,7 +1277,7 @@
     </p:spTree>
     <p:extLst>
       <p:ext uri="{BB962C8B-B14F-4D97-AF65-F5344CB8AC3E}">
-        <p14:creationId xmlns:p14="http://schemas.microsoft.com/office/powerpoint/2010/main" val="3942453183"/>
+        <p14:creationId xmlns:p14="http://schemas.microsoft.com/office/powerpoint/2010/main" val="2080983830"/>
       </p:ext>
     </p:extLst>
   </p:cSld>
@@ -1534,7 +1539,7 @@
     </p:spTree>
     <p:extLst>
       <p:ext uri="{BB962C8B-B14F-4D97-AF65-F5344CB8AC3E}">
-        <p14:creationId xmlns:p14="http://schemas.microsoft.com/office/powerpoint/2010/main" val="598718833"/>
+        <p14:creationId xmlns:p14="http://schemas.microsoft.com/office/powerpoint/2010/main" val="2196312887"/>
       </p:ext>
     </p:extLst>
   </p:cSld>
@@ -1932,7 +1937,7 @@
     </p:spTree>
     <p:extLst>
       <p:ext uri="{BB962C8B-B14F-4D97-AF65-F5344CB8AC3E}">
-        <p14:creationId xmlns:p14="http://schemas.microsoft.com/office/powerpoint/2010/main" val="1263847084"/>
+        <p14:creationId xmlns:p14="http://schemas.microsoft.com/office/powerpoint/2010/main" val="2778005745"/>
       </p:ext>
     </p:extLst>
   </p:cSld>
@@ -2254,7 +2259,7 @@
     </p:spTree>
     <p:extLst>
       <p:ext uri="{BB962C8B-B14F-4D97-AF65-F5344CB8AC3E}">
-        <p14:creationId xmlns:p14="http://schemas.microsoft.com/office/powerpoint/2010/main" val="3274424234"/>
+        <p14:creationId xmlns:p14="http://schemas.microsoft.com/office/powerpoint/2010/main" val="1559724447"/>
       </p:ext>
     </p:extLst>
   </p:cSld>
@@ -2508,7 +2513,7 @@
     </p:spTree>
     <p:extLst>
       <p:ext uri="{BB962C8B-B14F-4D97-AF65-F5344CB8AC3E}">
-        <p14:creationId xmlns:p14="http://schemas.microsoft.com/office/powerpoint/2010/main" val="1430347138"/>
+        <p14:creationId xmlns:p14="http://schemas.microsoft.com/office/powerpoint/2010/main" val="1391070469"/>
       </p:ext>
     </p:extLst>
   </p:cSld>
@@ -2772,7 +2777,7 @@
     </p:spTree>
     <p:extLst>
       <p:ext uri="{BB962C8B-B14F-4D97-AF65-F5344CB8AC3E}">
-        <p14:creationId xmlns:p14="http://schemas.microsoft.com/office/powerpoint/2010/main" val="3327961545"/>
+        <p14:creationId xmlns:p14="http://schemas.microsoft.com/office/powerpoint/2010/main" val="4007698652"/>
       </p:ext>
     </p:extLst>
   </p:cSld>
@@ -3036,7 +3041,7 @@
     </p:spTree>
     <p:extLst>
       <p:ext uri="{BB962C8B-B14F-4D97-AF65-F5344CB8AC3E}">
-        <p14:creationId xmlns:p14="http://schemas.microsoft.com/office/powerpoint/2010/main" val="2008986907"/>
+        <p14:creationId xmlns:p14="http://schemas.microsoft.com/office/powerpoint/2010/main" val="3749773265"/>
       </p:ext>
     </p:extLst>
   </p:cSld>
@@ -3372,7 +3377,7 @@
     </p:spTree>
     <p:extLst>
       <p:ext uri="{BB962C8B-B14F-4D97-AF65-F5344CB8AC3E}">
-        <p14:creationId xmlns:p14="http://schemas.microsoft.com/office/powerpoint/2010/main" val="2927225711"/>
+        <p14:creationId xmlns:p14="http://schemas.microsoft.com/office/powerpoint/2010/main" val="2751710947"/>
       </p:ext>
     </p:extLst>
   </p:cSld>
@@ -3585,7 +3590,7 @@
       </p:sp>
       <p:sp>
         <p:nvSpPr>
-          <p:cNvPr id="12" name="Freeform 11"/>
+          <p:cNvPr id="10" name="Freeform 11"/>
           <p:cNvSpPr/>
           <p:nvPr/>
         </p:nvSpPr>
@@ -3667,7 +3672,7 @@
       </p:sp>
       <p:sp>
         <p:nvSpPr>
-          <p:cNvPr id="13" name="Slide Number Placeholder 5"/>
+          <p:cNvPr id="11" name="Slide Number Placeholder 5"/>
           <p:cNvSpPr>
             <a:spLocks noGrp="1"/>
           </p:cNvSpPr>
@@ -3697,7 +3702,7 @@
     </p:spTree>
     <p:extLst>
       <p:ext uri="{BB962C8B-B14F-4D97-AF65-F5344CB8AC3E}">
-        <p14:creationId xmlns:p14="http://schemas.microsoft.com/office/powerpoint/2010/main" val="3343138653"/>
+        <p14:creationId xmlns:p14="http://schemas.microsoft.com/office/powerpoint/2010/main" val="1816601599"/>
       </p:ext>
     </p:extLst>
   </p:cSld>
@@ -4156,7 +4161,7 @@
     </p:spTree>
     <p:extLst>
       <p:ext uri="{BB962C8B-B14F-4D97-AF65-F5344CB8AC3E}">
-        <p14:creationId xmlns:p14="http://schemas.microsoft.com/office/powerpoint/2010/main" val="582684276"/>
+        <p14:creationId xmlns:p14="http://schemas.microsoft.com/office/powerpoint/2010/main" val="3109182290"/>
       </p:ext>
     </p:extLst>
   </p:cSld>
@@ -4358,7 +4363,7 @@
     </p:spTree>
     <p:extLst>
       <p:ext uri="{BB962C8B-B14F-4D97-AF65-F5344CB8AC3E}">
-        <p14:creationId xmlns:p14="http://schemas.microsoft.com/office/powerpoint/2010/main" val="1286956495"/>
+        <p14:creationId xmlns:p14="http://schemas.microsoft.com/office/powerpoint/2010/main" val="1778577808"/>
       </p:ext>
     </p:extLst>
   </p:cSld>
@@ -4537,7 +4542,7 @@
     </p:spTree>
     <p:extLst>
       <p:ext uri="{BB962C8B-B14F-4D97-AF65-F5344CB8AC3E}">
-        <p14:creationId xmlns:p14="http://schemas.microsoft.com/office/powerpoint/2010/main" val="2488078204"/>
+        <p14:creationId xmlns:p14="http://schemas.microsoft.com/office/powerpoint/2010/main" val="2323456192"/>
       </p:ext>
     </p:extLst>
   </p:cSld>
@@ -4872,7 +4877,7 @@
     </p:spTree>
     <p:extLst>
       <p:ext uri="{BB962C8B-B14F-4D97-AF65-F5344CB8AC3E}">
-        <p14:creationId xmlns:p14="http://schemas.microsoft.com/office/powerpoint/2010/main" val="2639540197"/>
+        <p14:creationId xmlns:p14="http://schemas.microsoft.com/office/powerpoint/2010/main" val="4100806505"/>
       </p:ext>
     </p:extLst>
   </p:cSld>
@@ -5224,7 +5229,7 @@
     </p:spTree>
     <p:extLst>
       <p:ext uri="{BB962C8B-B14F-4D97-AF65-F5344CB8AC3E}">
-        <p14:creationId xmlns:p14="http://schemas.microsoft.com/office/powerpoint/2010/main" val="2514001951"/>
+        <p14:creationId xmlns:p14="http://schemas.microsoft.com/office/powerpoint/2010/main" val="832889180"/>
       </p:ext>
     </p:extLst>
   </p:cSld>
@@ -5238,7 +5243,7 @@
 <p:sldMaster xmlns:a="http://schemas.openxmlformats.org/drawingml/2006/main" xmlns:r="http://schemas.openxmlformats.org/officeDocument/2006/relationships" xmlns:p="http://schemas.openxmlformats.org/presentationml/2006/main">
   <p:cSld>
     <p:bg>
-      <p:bgRef idx="1002">
+      <p:bgRef idx="1003">
         <a:schemeClr val="bg2"/>
       </p:bgRef>
     </p:bg>
@@ -6136,10 +6141,10 @@
         </p:nvGrpSpPr>
         <p:grpSpPr>
           <a:xfrm>
-            <a:off x="27221" y="157"/>
-            <a:ext cx="2356674" cy="6853096"/>
-            <a:chOff x="6627813" y="195610"/>
-            <a:chExt cx="1952625" cy="5678141"/>
+            <a:off x="27221" y="-786"/>
+            <a:ext cx="2356674" cy="6854039"/>
+            <a:chOff x="6627813" y="194833"/>
+            <a:chExt cx="1952625" cy="5678918"/>
           </a:xfrm>
         </p:grpSpPr>
         <p:sp>
@@ -6150,7 +6155,7 @@
           </p:nvSpPr>
           <p:spPr bwMode="auto">
             <a:xfrm>
-              <a:off x="6627813" y="195610"/>
+              <a:off x="6627813" y="194833"/>
               <a:ext cx="409575" cy="3646488"/>
             </a:xfrm>
             <a:custGeom>
@@ -7290,28 +7295,28 @@
     </p:spTree>
     <p:extLst>
       <p:ext uri="{BB962C8B-B14F-4D97-AF65-F5344CB8AC3E}">
-        <p14:creationId xmlns:p14="http://schemas.microsoft.com/office/powerpoint/2010/main" val="593922234"/>
+        <p14:creationId xmlns:p14="http://schemas.microsoft.com/office/powerpoint/2010/main" val="3278148104"/>
       </p:ext>
     </p:extLst>
   </p:cSld>
   <p:clrMap bg1="lt1" tx1="dk1" bg2="lt2" tx2="dk2" accent1="accent1" accent2="accent2" accent3="accent3" accent4="accent4" accent5="accent5" accent6="accent6" hlink="hlink" folHlink="folHlink"/>
   <p:sldLayoutIdLst>
-    <p:sldLayoutId id="2147483729" r:id="rId1"/>
-    <p:sldLayoutId id="2147483730" r:id="rId2"/>
-    <p:sldLayoutId id="2147483731" r:id="rId3"/>
-    <p:sldLayoutId id="2147483732" r:id="rId4"/>
-    <p:sldLayoutId id="2147483733" r:id="rId5"/>
-    <p:sldLayoutId id="2147483734" r:id="rId6"/>
-    <p:sldLayoutId id="2147483735" r:id="rId7"/>
-    <p:sldLayoutId id="2147483736" r:id="rId8"/>
-    <p:sldLayoutId id="2147483737" r:id="rId9"/>
-    <p:sldLayoutId id="2147483738" r:id="rId10"/>
-    <p:sldLayoutId id="2147483739" r:id="rId11"/>
-    <p:sldLayoutId id="2147483740" r:id="rId12"/>
-    <p:sldLayoutId id="2147483741" r:id="rId13"/>
-    <p:sldLayoutId id="2147483742" r:id="rId14"/>
-    <p:sldLayoutId id="2147483743" r:id="rId15"/>
-    <p:sldLayoutId id="2147483744" r:id="rId16"/>
+    <p:sldLayoutId id="2147483746" r:id="rId1"/>
+    <p:sldLayoutId id="2147483747" r:id="rId2"/>
+    <p:sldLayoutId id="2147483748" r:id="rId3"/>
+    <p:sldLayoutId id="2147483749" r:id="rId4"/>
+    <p:sldLayoutId id="2147483750" r:id="rId5"/>
+    <p:sldLayoutId id="2147483751" r:id="rId6"/>
+    <p:sldLayoutId id="2147483752" r:id="rId7"/>
+    <p:sldLayoutId id="2147483753" r:id="rId8"/>
+    <p:sldLayoutId id="2147483754" r:id="rId9"/>
+    <p:sldLayoutId id="2147483755" r:id="rId10"/>
+    <p:sldLayoutId id="2147483756" r:id="rId11"/>
+    <p:sldLayoutId id="2147483757" r:id="rId12"/>
+    <p:sldLayoutId id="2147483758" r:id="rId13"/>
+    <p:sldLayoutId id="2147483759" r:id="rId14"/>
+    <p:sldLayoutId id="2147483760" r:id="rId15"/>
+    <p:sldLayoutId id="2147483761" r:id="rId16"/>
   </p:sldLayoutIdLst>
   <p:txStyles>
     <p:titleStyle>
@@ -7322,8 +7327,9 @@
         <a:buNone/>
         <a:defRPr sz="3600" kern="1200">
           <a:solidFill>
-            <a:schemeClr val="accent2">
-              <a:lumMod val="75000"/>
+            <a:schemeClr val="tx1">
+              <a:lumMod val="85000"/>
+              <a:lumOff val="15000"/>
             </a:schemeClr>
           </a:solidFill>
           <a:latin typeface="+mj-lt"/>
@@ -7867,7 +7873,7 @@
       </p:grpSpPr>
       <p:sp>
         <p:nvSpPr>
-          <p:cNvPr id="2" name="Titolo 1"/>
+          <p:cNvPr id="4" name="Titolo 3"/>
           <p:cNvSpPr>
             <a:spLocks noGrp="1"/>
           </p:cNvSpPr>
@@ -7877,23 +7883,41 @@
         </p:nvSpPr>
         <p:spPr>
           <a:xfrm>
-            <a:off x="2550576" y="2303448"/>
-            <a:ext cx="8915399" cy="1468800"/>
+            <a:off x="2592925" y="675625"/>
+            <a:ext cx="9860945" cy="1280890"/>
           </a:xfrm>
         </p:spPr>
         <p:txBody>
-          <a:bodyPr/>
+          <a:bodyPr>
+            <a:normAutofit/>
+          </a:bodyPr>
           <a:lstStyle/>
           <a:p>
             <a:r>
-              <a:rPr lang="it-IT" dirty="0" smtClean="0">
+              <a:rPr lang="it-IT" sz="3200" dirty="0" smtClean="0">
                 <a:solidFill>
                   <a:srgbClr val="2E5369"/>
                 </a:solidFill>
               </a:rPr>
-              <a:t>Principi SOLID</a:t>
-            </a:r>
-            <a:endParaRPr lang="it-IT" dirty="0">
+              <a:t>Diagramma delle sequenze: </a:t>
+            </a:r>
+            <a:r>
+              <a:rPr lang="it-IT" sz="3200" dirty="0" err="1" smtClean="0">
+                <a:solidFill>
+                  <a:srgbClr val="2E5369"/>
+                </a:solidFill>
+              </a:rPr>
+              <a:t>Neptune</a:t>
+            </a:r>
+            <a:r>
+              <a:rPr lang="it-IT" sz="3200" dirty="0" smtClean="0">
+                <a:solidFill>
+                  <a:srgbClr val="2E5369"/>
+                </a:solidFill>
+              </a:rPr>
+              <a:t> Rescue</a:t>
+            </a:r>
+            <a:endParaRPr lang="it-IT" sz="3200" dirty="0">
               <a:solidFill>
                 <a:srgbClr val="2E5369"/>
               </a:solidFill>
@@ -7901,10 +7925,39 @@
           </a:p>
         </p:txBody>
       </p:sp>
+      <p:pic>
+        <p:nvPicPr>
+          <p:cNvPr id="6" name="Segnaposto contenuto 5"/>
+          <p:cNvPicPr>
+            <a:picLocks noGrp="1" noChangeAspect="1"/>
+          </p:cNvPicPr>
+          <p:nvPr>
+            <p:ph idx="1"/>
+          </p:nvPr>
+        </p:nvPicPr>
+        <p:blipFill>
+          <a:blip r:embed="rId2">
+            <a:extLst>
+              <a:ext uri="{28A0092B-C50C-407E-A947-70E740481C1C}">
+                <a14:useLocalDpi xmlns:a14="http://schemas.microsoft.com/office/drawing/2010/main" val="0"/>
+              </a:ext>
+            </a:extLst>
+          </a:blip>
+          <a:stretch>
+            <a:fillRect/>
+          </a:stretch>
+        </p:blipFill>
+        <p:spPr>
+          <a:xfrm>
+            <a:off x="4375015" y="2133600"/>
+            <a:ext cx="5343796" cy="3778250"/>
+          </a:xfrm>
+        </p:spPr>
+      </p:pic>
     </p:spTree>
     <p:extLst>
       <p:ext uri="{BB962C8B-B14F-4D97-AF65-F5344CB8AC3E}">
-        <p14:creationId xmlns:p14="http://schemas.microsoft.com/office/powerpoint/2010/main" val="2651722085"/>
+        <p14:creationId xmlns:p14="http://schemas.microsoft.com/office/powerpoint/2010/main" val="1968787704"/>
       </p:ext>
     </p:extLst>
   </p:cSld>
@@ -7940,7 +7993,7 @@
       </p:grpSpPr>
       <p:sp>
         <p:nvSpPr>
-          <p:cNvPr id="10" name="Titolo 9"/>
+          <p:cNvPr id="2" name="Titolo 1"/>
           <p:cNvSpPr>
             <a:spLocks noGrp="1"/>
           </p:cNvSpPr>
@@ -7948,7 +8001,12 @@
             <p:ph type="title"/>
           </p:nvPr>
         </p:nvSpPr>
-        <p:spPr/>
+        <p:spPr>
+          <a:xfrm>
+            <a:off x="2550576" y="2303448"/>
+            <a:ext cx="8915399" cy="1468800"/>
+          </a:xfrm>
+        </p:spPr>
         <p:txBody>
           <a:bodyPr/>
           <a:lstStyle/>
@@ -7959,7 +8017,7 @@
                   <a:srgbClr val="2E5369"/>
                 </a:solidFill>
               </a:rPr>
-              <a:t>Legenda dei principi SOLID</a:t>
+              <a:t>Principi SOLID</a:t>
             </a:r>
             <a:endParaRPr lang="it-IT" dirty="0">
               <a:solidFill>
@@ -7969,211 +8027,10 @@
           </a:p>
         </p:txBody>
       </p:sp>
-      <p:sp>
-        <p:nvSpPr>
-          <p:cNvPr id="11" name="Segnaposto contenuto 10"/>
-          <p:cNvSpPr>
-            <a:spLocks noGrp="1"/>
-          </p:cNvSpPr>
-          <p:nvPr>
-            <p:ph idx="1"/>
-          </p:nvPr>
-        </p:nvSpPr>
-        <p:spPr/>
-        <p:txBody>
-          <a:bodyPr>
-            <a:normAutofit lnSpcReduction="10000"/>
-          </a:bodyPr>
-          <a:lstStyle/>
-          <a:p>
-            <a:r>
-              <a:rPr lang="it-IT" b="1" dirty="0"/>
-              <a:t>Single </a:t>
-            </a:r>
-            <a:r>
-              <a:rPr lang="it-IT" b="1" dirty="0" err="1" smtClean="0"/>
-              <a:t>responsibility</a:t>
-            </a:r>
-            <a:r>
-              <a:rPr lang="it-IT" b="1" dirty="0" smtClean="0"/>
-              <a:t>: </a:t>
-            </a:r>
-            <a:r>
-              <a:rPr lang="it-IT" dirty="0"/>
-              <a:t>Una classe dovrebbe avere una sola ragione per cambiare</a:t>
-            </a:r>
-            <a:endParaRPr lang="it-IT" b="1" dirty="0" smtClean="0"/>
-          </a:p>
-          <a:p>
-            <a:r>
-              <a:rPr lang="it-IT" b="1" dirty="0"/>
-              <a:t>Open </a:t>
-            </a:r>
-            <a:r>
-              <a:rPr lang="it-IT" b="1" dirty="0" err="1" smtClean="0"/>
-              <a:t>close</a:t>
-            </a:r>
-            <a:r>
-              <a:rPr lang="it-IT" b="1" dirty="0" smtClean="0"/>
-              <a:t>: </a:t>
-            </a:r>
-            <a:r>
-              <a:rPr lang="it-IT" dirty="0"/>
-              <a:t>Le </a:t>
-            </a:r>
-            <a:r>
-              <a:rPr lang="it-IT" dirty="0" err="1"/>
-              <a:t>entita</a:t>
-            </a:r>
-            <a:r>
-              <a:rPr lang="it-IT" dirty="0"/>
-              <a:t> </a:t>
-            </a:r>
-            <a:r>
-              <a:rPr lang="it-IT" dirty="0" smtClean="0"/>
-              <a:t>dovrebbe </a:t>
-            </a:r>
-            <a:r>
-              <a:rPr lang="it-IT" dirty="0"/>
-              <a:t>essere </a:t>
-            </a:r>
-            <a:r>
-              <a:rPr lang="it-IT" dirty="0" smtClean="0"/>
-              <a:t>aperte </a:t>
-            </a:r>
-            <a:r>
-              <a:rPr lang="it-IT" dirty="0"/>
-              <a:t>per </a:t>
-            </a:r>
-            <a:r>
-              <a:rPr lang="it-IT" dirty="0" smtClean="0"/>
-              <a:t>le estensioni</a:t>
-            </a:r>
-            <a:r>
-              <a:rPr lang="it-IT" dirty="0"/>
-              <a:t>, ma </a:t>
-            </a:r>
-            <a:r>
-              <a:rPr lang="it-IT" dirty="0" smtClean="0"/>
-              <a:t>chiuse </a:t>
-            </a:r>
-            <a:r>
-              <a:rPr lang="it-IT" dirty="0"/>
-              <a:t>alle </a:t>
-            </a:r>
-            <a:r>
-              <a:rPr lang="it-IT" dirty="0" err="1"/>
-              <a:t>modificaioni</a:t>
-            </a:r>
-            <a:r>
-              <a:rPr lang="it-IT" dirty="0"/>
-              <a:t>.</a:t>
-            </a:r>
-            <a:endParaRPr lang="it-IT" b="1" dirty="0" smtClean="0"/>
-          </a:p>
-          <a:p>
-            <a:r>
-              <a:rPr lang="it-IT" b="1" dirty="0" err="1" smtClean="0"/>
-              <a:t>Liskov</a:t>
-            </a:r>
-            <a:r>
-              <a:rPr lang="it-IT" b="1" dirty="0" smtClean="0"/>
-              <a:t>: </a:t>
-            </a:r>
-            <a:r>
-              <a:rPr lang="it-IT" dirty="0" smtClean="0"/>
-              <a:t>I sottotipi </a:t>
-            </a:r>
-            <a:r>
-              <a:rPr lang="it-IT" dirty="0"/>
-              <a:t>dovrebbero essere sostituibili per i </a:t>
-            </a:r>
-            <a:r>
-              <a:rPr lang="it-IT" dirty="0" err="1" smtClean="0"/>
-              <a:t>supertipi</a:t>
-            </a:r>
-            <a:r>
-              <a:rPr lang="it-IT" dirty="0" smtClean="0"/>
-              <a:t>; </a:t>
-            </a:r>
-            <a:r>
-              <a:rPr lang="it-IT" dirty="0"/>
-              <a:t>le classi figlie non devono mai rompere la definizione delle classi genitrici</a:t>
-            </a:r>
-            <a:endParaRPr lang="it-IT" b="1" dirty="0" smtClean="0"/>
-          </a:p>
-          <a:p>
-            <a:r>
-              <a:rPr lang="it-IT" b="1" dirty="0" smtClean="0"/>
-              <a:t>Interface </a:t>
-            </a:r>
-            <a:r>
-              <a:rPr lang="it-IT" b="1" dirty="0" err="1" smtClean="0"/>
-              <a:t>segregation</a:t>
-            </a:r>
-            <a:r>
-              <a:rPr lang="it-IT" b="1" dirty="0" smtClean="0"/>
-              <a:t>: </a:t>
-            </a:r>
-            <a:r>
-              <a:rPr lang="it-IT" dirty="0" smtClean="0"/>
-              <a:t>I Client non dovrebbero essere costretti ad usare interfacce che non possono usare</a:t>
-            </a:r>
-            <a:endParaRPr lang="it-IT" b="1" dirty="0" smtClean="0"/>
-          </a:p>
-          <a:p>
-            <a:r>
-              <a:rPr lang="it-IT" b="1" dirty="0" err="1" smtClean="0"/>
-              <a:t>Dependency</a:t>
-            </a:r>
-            <a:r>
-              <a:rPr lang="it-IT" b="1" dirty="0" smtClean="0"/>
-              <a:t> </a:t>
-            </a:r>
-            <a:r>
-              <a:rPr lang="it-IT" b="1" dirty="0" err="1" smtClean="0"/>
-              <a:t>inversion</a:t>
-            </a:r>
-            <a:r>
-              <a:rPr lang="it-IT" b="1" dirty="0" smtClean="0"/>
-              <a:t>: </a:t>
-            </a:r>
-            <a:r>
-              <a:rPr lang="it-IT" dirty="0"/>
-              <a:t>Un modulo ad alto livello non dovrebbe dipendere </a:t>
-            </a:r>
-            <a:r>
-              <a:rPr lang="it-IT" dirty="0" smtClean="0"/>
-              <a:t>dai moduli </a:t>
-            </a:r>
-            <a:r>
-              <a:rPr lang="it-IT" dirty="0"/>
-              <a:t>a basso </a:t>
-            </a:r>
-            <a:r>
-              <a:rPr lang="it-IT" dirty="0" smtClean="0"/>
-              <a:t>livello; entrambi </a:t>
-            </a:r>
-            <a:r>
-              <a:rPr lang="it-IT" dirty="0"/>
-              <a:t>dovrebbero dipendere dalle </a:t>
-            </a:r>
-            <a:r>
-              <a:rPr lang="it-IT" dirty="0" smtClean="0"/>
-              <a:t>astrazioni. Le </a:t>
-            </a:r>
-            <a:r>
-              <a:rPr lang="it-IT" dirty="0"/>
-              <a:t>astrazioni non dovrebbe dipendere dai dettagli, sono i dettagli che devono dipendere dalle astrazioni.</a:t>
-            </a:r>
-            <a:endParaRPr lang="it-IT" dirty="0"/>
-          </a:p>
-        </p:txBody>
-      </p:sp>
     </p:spTree>
     <p:extLst>
       <p:ext uri="{BB962C8B-B14F-4D97-AF65-F5344CB8AC3E}">
-        <p14:creationId xmlns:p14="http://schemas.microsoft.com/office/powerpoint/2010/main" val="3966660912"/>
+        <p14:creationId xmlns:p14="http://schemas.microsoft.com/office/powerpoint/2010/main" val="2651722085"/>
       </p:ext>
     </p:extLst>
   </p:cSld>
@@ -8209,7 +8066,7 @@
       </p:grpSpPr>
       <p:sp>
         <p:nvSpPr>
-          <p:cNvPr id="2" name="Titolo 1"/>
+          <p:cNvPr id="10" name="Titolo 9"/>
           <p:cNvSpPr>
             <a:spLocks noGrp="1"/>
           </p:cNvSpPr>
@@ -8217,27 +8074,20 @@
             <p:ph type="title"/>
           </p:nvPr>
         </p:nvSpPr>
-        <p:spPr>
-          <a:xfrm>
-            <a:off x="2565138" y="624190"/>
-            <a:ext cx="8732909" cy="1280890"/>
-          </a:xfrm>
-        </p:spPr>
-        <p:txBody>
-          <a:bodyPr>
-            <a:normAutofit/>
-          </a:bodyPr>
+        <p:spPr/>
+        <p:txBody>
+          <a:bodyPr/>
           <a:lstStyle/>
           <a:p>
             <a:r>
-              <a:rPr lang="it-IT" sz="2800" dirty="0" smtClean="0">
+              <a:rPr lang="it-IT" dirty="0" smtClean="0">
                 <a:solidFill>
                   <a:srgbClr val="2E5369"/>
                 </a:solidFill>
               </a:rPr>
-              <a:t>Utilizzo dei principi SOLID nelle applicazioni:</a:t>
-            </a:r>
-            <a:endParaRPr lang="it-IT" sz="2800" dirty="0">
+              <a:t>Legenda dei principi SOLID</a:t>
+            </a:r>
+            <a:endParaRPr lang="it-IT" dirty="0">
               <a:solidFill>
                 <a:srgbClr val="2E5369"/>
               </a:solidFill>
@@ -8247,195 +8097,208 @@
       </p:sp>
       <p:sp>
         <p:nvSpPr>
-          <p:cNvPr id="4" name="Segnaposto testo 3"/>
-          <p:cNvSpPr>
-            <a:spLocks noGrp="1"/>
-          </p:cNvSpPr>
-          <p:nvPr>
-            <p:ph type="body" idx="1"/>
-          </p:nvPr>
-        </p:nvSpPr>
-        <p:spPr>
-          <a:xfrm>
-            <a:off x="2740218" y="1270733"/>
-            <a:ext cx="3992732" cy="576262"/>
-          </a:xfrm>
-        </p:spPr>
-        <p:txBody>
-          <a:bodyPr/>
-          <a:lstStyle/>
-          <a:p>
-            <a:pPr algn="ctr"/>
-            <a:r>
-              <a:rPr lang="it-IT" u="sng" dirty="0" err="1" smtClean="0"/>
-              <a:t>NeptuneRescue</a:t>
-            </a:r>
-            <a:endParaRPr lang="it-IT" u="sng" dirty="0"/>
-          </a:p>
-        </p:txBody>
-      </p:sp>
-      <p:sp>
-        <p:nvSpPr>
-          <p:cNvPr id="5" name="Segnaposto contenuto 4"/>
-          <p:cNvSpPr>
-            <a:spLocks noGrp="1"/>
-          </p:cNvSpPr>
-          <p:nvPr>
-            <p:ph sz="half" idx="2"/>
-          </p:nvPr>
-        </p:nvSpPr>
-        <p:spPr>
-          <a:xfrm>
-            <a:off x="2565138" y="1905080"/>
-            <a:ext cx="4342893" cy="4598751"/>
-          </a:xfrm>
-        </p:spPr>
+          <p:cNvPr id="11" name="Segnaposto contenuto 10"/>
+          <p:cNvSpPr>
+            <a:spLocks noGrp="1"/>
+          </p:cNvSpPr>
+          <p:nvPr>
+            <p:ph idx="1"/>
+          </p:nvPr>
+        </p:nvSpPr>
+        <p:spPr/>
         <p:txBody>
           <a:bodyPr>
-            <a:normAutofit/>
+            <a:normAutofit lnSpcReduction="10000"/>
           </a:bodyPr>
           <a:lstStyle/>
           <a:p>
             <a:r>
+              <a:rPr lang="it-IT" b="1" dirty="0"/>
+              <a:t>Single </a:t>
+            </a:r>
+            <a:r>
+              <a:rPr lang="it-IT" b="1" dirty="0" err="1" smtClean="0"/>
+              <a:t>responsibility</a:t>
+            </a:r>
+            <a:r>
+              <a:rPr lang="it-IT" b="1" dirty="0" smtClean="0"/>
+              <a:t>: </a:t>
+            </a:r>
+            <a:r>
+              <a:rPr lang="it-IT" dirty="0"/>
+              <a:t>Una classe dovrebbe avere una sola ragione per cambiare</a:t>
+            </a:r>
+            <a:endParaRPr lang="it-IT" b="1" dirty="0" smtClean="0"/>
+          </a:p>
+          <a:p>
+            <a:r>
+              <a:rPr lang="it-IT" b="1" dirty="0"/>
+              <a:t>Open </a:t>
+            </a:r>
+            <a:r>
+              <a:rPr lang="it-IT" b="1" dirty="0" err="1" smtClean="0"/>
+              <a:t>close</a:t>
+            </a:r>
+            <a:r>
+              <a:rPr lang="it-IT" b="1" dirty="0" smtClean="0"/>
+              <a:t>: </a:t>
+            </a:r>
+            <a:r>
+              <a:rPr lang="it-IT" dirty="0"/>
+              <a:t>Le </a:t>
+            </a:r>
+            <a:r>
+              <a:rPr lang="it-IT" dirty="0" err="1"/>
+              <a:t>entita</a:t>
+            </a:r>
+            <a:r>
+              <a:rPr lang="it-IT" dirty="0"/>
+              <a:t> </a:t>
+            </a:r>
+            <a:r>
               <a:rPr lang="it-IT" dirty="0" smtClean="0"/>
-              <a:t>Nell’applicazione </a:t>
+              <a:t>dovrebbe </a:t>
+            </a:r>
+            <a:r>
+              <a:rPr lang="it-IT" dirty="0"/>
+              <a:t>essere </a:t>
+            </a:r>
+            <a:r>
+              <a:rPr lang="it-IT" dirty="0" smtClean="0"/>
+              <a:t>aperte </a:t>
+            </a:r>
+            <a:r>
+              <a:rPr lang="it-IT" dirty="0"/>
+              <a:t>per </a:t>
+            </a:r>
+            <a:r>
+              <a:rPr lang="it-IT" dirty="0" smtClean="0"/>
+              <a:t>le estensioni</a:t>
+            </a:r>
+            <a:r>
+              <a:rPr lang="it-IT" dirty="0"/>
+              <a:t>, ma </a:t>
+            </a:r>
+            <a:r>
+              <a:rPr lang="it-IT" dirty="0" smtClean="0"/>
+              <a:t>chiuse </a:t>
+            </a:r>
+            <a:r>
+              <a:rPr lang="it-IT" dirty="0"/>
+              <a:t>alle </a:t>
+            </a:r>
+            <a:r>
+              <a:rPr lang="it-IT" dirty="0" err="1"/>
+              <a:t>modificaioni</a:t>
+            </a:r>
+            <a:r>
+              <a:rPr lang="it-IT" dirty="0"/>
+              <a:t>.</a:t>
+            </a:r>
+            <a:endParaRPr lang="it-IT" b="1" dirty="0" smtClean="0"/>
+          </a:p>
+          <a:p>
+            <a:r>
+              <a:rPr lang="it-IT" b="1" dirty="0" err="1" smtClean="0"/>
+              <a:t>Liskov</a:t>
+            </a:r>
+            <a:r>
+              <a:rPr lang="it-IT" b="1" dirty="0" smtClean="0"/>
+              <a:t>: </a:t>
+            </a:r>
+            <a:r>
+              <a:rPr lang="it-IT" dirty="0" smtClean="0"/>
+              <a:t>I sottotipi </a:t>
+            </a:r>
+            <a:r>
+              <a:rPr lang="it-IT" dirty="0"/>
+              <a:t>dovrebbero essere sostituibili per i </a:t>
             </a:r>
             <a:r>
               <a:rPr lang="it-IT" dirty="0" err="1" smtClean="0"/>
-              <a:t>NeptuneRecue</a:t>
+              <a:t>supertipi</a:t>
             </a:r>
             <a:r>
               <a:rPr lang="it-IT" dirty="0" smtClean="0"/>
-              <a:t> è stato applicato il principio di singola responsabilità, in quanto è composta da un numero esiguo di classi tra di loro non connesse.</a:t>
-            </a:r>
-          </a:p>
-          <a:p>
+              <a:t>; </a:t>
+            </a:r>
+            <a:r>
+              <a:rPr lang="it-IT" dirty="0"/>
+              <a:t>le classi figlie non devono mai rompere la definizione delle classi genitrici</a:t>
+            </a:r>
+            <a:endParaRPr lang="it-IT" b="1" dirty="0" smtClean="0"/>
+          </a:p>
+          <a:p>
+            <a:r>
+              <a:rPr lang="it-IT" b="1" dirty="0" smtClean="0"/>
+              <a:t>Interface </a:t>
+            </a:r>
+            <a:r>
+              <a:rPr lang="it-IT" b="1" dirty="0" err="1" smtClean="0"/>
+              <a:t>segregation</a:t>
+            </a:r>
+            <a:r>
+              <a:rPr lang="it-IT" b="1" dirty="0" smtClean="0"/>
+              <a:t>: </a:t>
+            </a:r>
             <a:r>
               <a:rPr lang="it-IT" dirty="0" smtClean="0"/>
-              <a:t>Il principio di apertura/chiusura non è stato applicato</a:t>
-            </a:r>
-          </a:p>
-          <a:p>
+              <a:t>I Client non dovrebbero essere costretti ad usare interfacce che non possono usare</a:t>
+            </a:r>
+            <a:endParaRPr lang="it-IT" b="1" dirty="0" smtClean="0"/>
+          </a:p>
+          <a:p>
+            <a:r>
+              <a:rPr lang="it-IT" b="1" dirty="0" err="1" smtClean="0"/>
+              <a:t>Dependency</a:t>
+            </a:r>
+            <a:r>
+              <a:rPr lang="it-IT" b="1" dirty="0" smtClean="0"/>
+              <a:t> </a:t>
+            </a:r>
+            <a:r>
+              <a:rPr lang="it-IT" b="1" dirty="0" err="1" smtClean="0"/>
+              <a:t>inversion</a:t>
+            </a:r>
+            <a:r>
+              <a:rPr lang="it-IT" b="1" dirty="0" smtClean="0"/>
+              <a:t>: </a:t>
+            </a:r>
+            <a:r>
+              <a:rPr lang="it-IT" dirty="0"/>
+              <a:t>Un modulo ad alto livello non dovrebbe dipendere </a:t>
+            </a:r>
             <a:r>
               <a:rPr lang="it-IT" dirty="0" smtClean="0"/>
-              <a:t>Il principio di </a:t>
-            </a:r>
-            <a:r>
-              <a:rPr lang="it-IT" dirty="0" err="1" smtClean="0"/>
-              <a:t>Liskov</a:t>
+              <a:t>dai moduli </a:t>
+            </a:r>
+            <a:r>
+              <a:rPr lang="it-IT" dirty="0"/>
+              <a:t>a basso </a:t>
             </a:r>
             <a:r>
               <a:rPr lang="it-IT" dirty="0" smtClean="0"/>
-              <a:t> non è applicato in </a:t>
-            </a:r>
-            <a:r>
-              <a:rPr lang="it-IT" dirty="0" err="1" smtClean="0"/>
-              <a:t>quantoIl</a:t>
+              <a:t>livello; entrambi </a:t>
+            </a:r>
+            <a:r>
+              <a:rPr lang="it-IT" dirty="0"/>
+              <a:t>dovrebbero dipendere dalle </a:t>
             </a:r>
             <a:r>
               <a:rPr lang="it-IT" dirty="0" smtClean="0"/>
-              <a:t> principio di segregazione delle interfacce non è stato applicato</a:t>
-            </a:r>
-          </a:p>
-          <a:p>
-            <a:r>
-              <a:rPr lang="it-IT" dirty="0" smtClean="0"/>
-              <a:t>Il principio di inversione delle dipendenze non è stato applicato</a:t>
-            </a:r>
-            <a:endParaRPr lang="it-IT" dirty="0"/>
-          </a:p>
-        </p:txBody>
-      </p:sp>
-      <p:sp>
-        <p:nvSpPr>
-          <p:cNvPr id="6" name="Segnaposto testo 5"/>
-          <p:cNvSpPr>
-            <a:spLocks noGrp="1"/>
-          </p:cNvSpPr>
-          <p:nvPr>
-            <p:ph type="body" sz="quarter" idx="3"/>
-          </p:nvPr>
-        </p:nvSpPr>
-        <p:spPr>
-          <a:xfrm>
-            <a:off x="7129209" y="1270733"/>
-            <a:ext cx="3999001" cy="576262"/>
-          </a:xfrm>
-        </p:spPr>
-        <p:txBody>
-          <a:bodyPr/>
-          <a:lstStyle/>
-          <a:p>
-            <a:pPr algn="ctr"/>
-            <a:r>
-              <a:rPr lang="it-IT" u="sng" dirty="0" err="1" smtClean="0"/>
-              <a:t>TitanicAssistance</a:t>
-            </a:r>
-            <a:endParaRPr lang="it-IT" u="sng" dirty="0"/>
-          </a:p>
-        </p:txBody>
-      </p:sp>
-      <p:sp>
-        <p:nvSpPr>
-          <p:cNvPr id="7" name="Segnaposto contenuto 6"/>
-          <p:cNvSpPr>
-            <a:spLocks noGrp="1"/>
-          </p:cNvSpPr>
-          <p:nvPr>
-            <p:ph sz="quarter" idx="4"/>
-          </p:nvPr>
-        </p:nvSpPr>
-        <p:spPr>
-          <a:xfrm>
-            <a:off x="6959373" y="1905080"/>
-            <a:ext cx="4338674" cy="4598751"/>
-          </a:xfrm>
-        </p:spPr>
-        <p:txBody>
-          <a:bodyPr/>
-          <a:lstStyle/>
-          <a:p>
-            <a:r>
-              <a:rPr lang="it-IT" dirty="0" smtClean="0"/>
-              <a:t>S</a:t>
-            </a:r>
-          </a:p>
-          <a:p>
-            <a:r>
-              <a:rPr lang="it-IT" dirty="0" smtClean="0"/>
-              <a:t>O</a:t>
-            </a:r>
-          </a:p>
-          <a:p>
-            <a:r>
-              <a:rPr lang="it-IT" dirty="0" smtClean="0"/>
-              <a:t>L</a:t>
-            </a:r>
-          </a:p>
-          <a:p>
-            <a:r>
-              <a:rPr lang="it-IT" dirty="0" smtClean="0"/>
-              <a:t>I</a:t>
-            </a:r>
-          </a:p>
-          <a:p>
-            <a:r>
-              <a:rPr lang="it-IT" dirty="0" smtClean="0"/>
-              <a:t>D</a:t>
-            </a:r>
-          </a:p>
-          <a:p>
-            <a:pPr marL="0" indent="0">
-              <a:buNone/>
-            </a:pPr>
-            <a:endParaRPr lang="it-IT" dirty="0"/>
+              <a:t>astrazioni. Le </a:t>
+            </a:r>
+            <a:r>
+              <a:rPr lang="it-IT" dirty="0"/>
+              <a:t>astrazioni non dovrebbe dipendere dai dettagli, sono i dettagli che devono dipendere dalle astrazioni.</a:t>
+            </a:r>
           </a:p>
         </p:txBody>
       </p:sp>
     </p:spTree>
     <p:extLst>
       <p:ext uri="{BB962C8B-B14F-4D97-AF65-F5344CB8AC3E}">
-        <p14:creationId xmlns:p14="http://schemas.microsoft.com/office/powerpoint/2010/main" val="2545974804"/>
+        <p14:creationId xmlns:p14="http://schemas.microsoft.com/office/powerpoint/2010/main" val="3966660912"/>
       </p:ext>
     </p:extLst>
   </p:cSld>
@@ -8471,7 +8334,7 @@
       </p:grpSpPr>
       <p:sp>
         <p:nvSpPr>
-          <p:cNvPr id="4" name="Titolo 3"/>
+          <p:cNvPr id="2" name="Titolo 1"/>
           <p:cNvSpPr>
             <a:spLocks noGrp="1"/>
           </p:cNvSpPr>
@@ -8481,23 +8344,25 @@
         </p:nvSpPr>
         <p:spPr>
           <a:xfrm>
-            <a:off x="2589212" y="2303448"/>
-            <a:ext cx="8915399" cy="1468800"/>
+            <a:off x="2565138" y="624190"/>
+            <a:ext cx="8732909" cy="1280890"/>
           </a:xfrm>
         </p:spPr>
         <p:txBody>
-          <a:bodyPr/>
+          <a:bodyPr>
+            <a:normAutofit/>
+          </a:bodyPr>
           <a:lstStyle/>
           <a:p>
             <a:r>
-              <a:rPr lang="it-IT" dirty="0" smtClean="0">
+              <a:rPr lang="it-IT" sz="2800" dirty="0" smtClean="0">
                 <a:solidFill>
                   <a:srgbClr val="2E5369"/>
                 </a:solidFill>
               </a:rPr>
-              <a:t>Pianificazione dei Test</a:t>
-            </a:r>
-            <a:endParaRPr lang="it-IT" dirty="0">
+              <a:t>Utilizzo dei principi SOLID nelle applicazioni:</a:t>
+            </a:r>
+            <a:endParaRPr lang="it-IT" sz="2800" dirty="0">
               <a:solidFill>
                 <a:srgbClr val="2E5369"/>
               </a:solidFill>
@@ -8505,10 +8370,253 @@
           </a:p>
         </p:txBody>
       </p:sp>
+      <p:sp>
+        <p:nvSpPr>
+          <p:cNvPr id="4" name="Segnaposto testo 3"/>
+          <p:cNvSpPr>
+            <a:spLocks noGrp="1"/>
+          </p:cNvSpPr>
+          <p:nvPr>
+            <p:ph type="body" idx="1"/>
+          </p:nvPr>
+        </p:nvSpPr>
+        <p:spPr>
+          <a:xfrm>
+            <a:off x="1151738" y="1295056"/>
+            <a:ext cx="3992732" cy="576262"/>
+          </a:xfrm>
+        </p:spPr>
+        <p:txBody>
+          <a:bodyPr/>
+          <a:lstStyle/>
+          <a:p>
+            <a:pPr algn="ctr"/>
+            <a:r>
+              <a:rPr lang="it-IT" u="sng" dirty="0" err="1" smtClean="0"/>
+              <a:t>NeptuneRescue</a:t>
+            </a:r>
+            <a:endParaRPr lang="it-IT" u="sng" dirty="0"/>
+          </a:p>
+        </p:txBody>
+      </p:sp>
+      <p:sp>
+        <p:nvSpPr>
+          <p:cNvPr id="5" name="Segnaposto contenuto 4"/>
+          <p:cNvSpPr>
+            <a:spLocks noGrp="1"/>
+          </p:cNvSpPr>
+          <p:nvPr>
+            <p:ph sz="half" idx="2"/>
+          </p:nvPr>
+        </p:nvSpPr>
+        <p:spPr>
+          <a:xfrm>
+            <a:off x="2086377" y="1905080"/>
+            <a:ext cx="9916733" cy="2299375"/>
+          </a:xfrm>
+        </p:spPr>
+        <p:txBody>
+          <a:bodyPr>
+            <a:normAutofit/>
+          </a:bodyPr>
+          <a:lstStyle/>
+          <a:p>
+            <a:pPr marL="0" indent="0" algn="just">
+              <a:buNone/>
+            </a:pPr>
+            <a:r>
+              <a:rPr lang="it-IT" dirty="0" smtClean="0"/>
+              <a:t>Nell’applicazione </a:t>
+            </a:r>
+            <a:r>
+              <a:rPr lang="it-IT" dirty="0" err="1" smtClean="0"/>
+              <a:t>NeptuneRecue</a:t>
+            </a:r>
+            <a:r>
+              <a:rPr lang="it-IT" dirty="0" smtClean="0"/>
+              <a:t> </a:t>
+            </a:r>
+            <a:r>
+              <a:rPr lang="it-IT" dirty="0" smtClean="0"/>
+              <a:t>sono stati applicati (o non violati) i seguenti principi:</a:t>
+            </a:r>
+          </a:p>
+          <a:p>
+            <a:r>
+              <a:rPr lang="it-IT" dirty="0"/>
+              <a:t>Singola </a:t>
+            </a:r>
+            <a:r>
+              <a:rPr lang="it-IT" dirty="0" err="1"/>
+              <a:t>responsablità</a:t>
+            </a:r>
+            <a:endParaRPr lang="it-IT" dirty="0"/>
+          </a:p>
+          <a:p>
+            <a:r>
+              <a:rPr lang="it-IT" dirty="0"/>
+              <a:t>Apertura – Chiusura </a:t>
+            </a:r>
+          </a:p>
+          <a:p>
+            <a:r>
+              <a:rPr lang="it-IT" dirty="0"/>
+              <a:t>Sostituzione di </a:t>
+            </a:r>
+            <a:r>
+              <a:rPr lang="it-IT" dirty="0" err="1"/>
+              <a:t>Lisikov</a:t>
+            </a:r>
+            <a:r>
+              <a:rPr lang="it-IT" dirty="0"/>
+              <a:t> </a:t>
+            </a:r>
+          </a:p>
+          <a:p>
+            <a:r>
+              <a:rPr lang="it-IT" dirty="0"/>
+              <a:t>Inversione delle dipendenze (non violato)</a:t>
+            </a:r>
+          </a:p>
+          <a:p>
+            <a:pPr marL="0" indent="0" algn="just">
+              <a:buNone/>
+            </a:pPr>
+            <a:endParaRPr lang="it-IT" dirty="0" smtClean="0"/>
+          </a:p>
+          <a:p>
+            <a:pPr marL="0" indent="0" algn="just">
+              <a:buNone/>
+            </a:pPr>
+            <a:endParaRPr lang="it-IT" dirty="0" smtClean="0"/>
+          </a:p>
+          <a:p>
+            <a:pPr marL="0" indent="0">
+              <a:buNone/>
+            </a:pPr>
+            <a:endParaRPr lang="it-IT" dirty="0"/>
+          </a:p>
+        </p:txBody>
+      </p:sp>
+      <p:sp>
+        <p:nvSpPr>
+          <p:cNvPr id="6" name="Segnaposto testo 5"/>
+          <p:cNvSpPr>
+            <a:spLocks noGrp="1"/>
+          </p:cNvSpPr>
+          <p:nvPr>
+            <p:ph type="body" sz="quarter" idx="3"/>
+          </p:nvPr>
+        </p:nvSpPr>
+        <p:spPr>
+          <a:xfrm>
+            <a:off x="1151738" y="3788397"/>
+            <a:ext cx="3999001" cy="576262"/>
+          </a:xfrm>
+        </p:spPr>
+        <p:txBody>
+          <a:bodyPr/>
+          <a:lstStyle/>
+          <a:p>
+            <a:pPr algn="ctr"/>
+            <a:r>
+              <a:rPr lang="it-IT" u="sng" dirty="0" err="1" smtClean="0"/>
+              <a:t>TitanicAssistance</a:t>
+            </a:r>
+            <a:endParaRPr lang="it-IT" u="sng" dirty="0"/>
+          </a:p>
+        </p:txBody>
+      </p:sp>
+      <p:sp>
+        <p:nvSpPr>
+          <p:cNvPr id="7" name="Segnaposto contenuto 6"/>
+          <p:cNvSpPr>
+            <a:spLocks noGrp="1"/>
+          </p:cNvSpPr>
+          <p:nvPr>
+            <p:ph sz="quarter" idx="4"/>
+          </p:nvPr>
+        </p:nvSpPr>
+        <p:spPr>
+          <a:xfrm>
+            <a:off x="2086377" y="4364659"/>
+            <a:ext cx="8203843" cy="2493341"/>
+          </a:xfrm>
+        </p:spPr>
+        <p:txBody>
+          <a:bodyPr>
+            <a:normAutofit/>
+          </a:bodyPr>
+          <a:lstStyle/>
+          <a:p>
+            <a:pPr marL="0" indent="0">
+              <a:buNone/>
+            </a:pPr>
+            <a:r>
+              <a:rPr lang="it-IT" dirty="0" smtClean="0"/>
+              <a:t>Nell’applicazione </a:t>
+            </a:r>
+            <a:r>
+              <a:rPr lang="it-IT" dirty="0" err="1" smtClean="0"/>
+              <a:t>TitanicAssistance</a:t>
+            </a:r>
+            <a:r>
+              <a:rPr lang="it-IT" dirty="0" smtClean="0"/>
+              <a:t> sono stati applicati (o non violati) i seguenti principi:</a:t>
+            </a:r>
+          </a:p>
+          <a:p>
+            <a:r>
+              <a:rPr lang="it-IT" dirty="0" smtClean="0"/>
+              <a:t>Singola </a:t>
+            </a:r>
+            <a:r>
+              <a:rPr lang="it-IT" dirty="0" err="1" smtClean="0"/>
+              <a:t>responsablità</a:t>
+            </a:r>
+            <a:endParaRPr lang="it-IT" dirty="0" smtClean="0"/>
+          </a:p>
+          <a:p>
+            <a:r>
+              <a:rPr lang="it-IT" dirty="0" smtClean="0"/>
+              <a:t>Apertura – Chiusura </a:t>
+            </a:r>
+            <a:endParaRPr lang="it-IT" dirty="0" smtClean="0"/>
+          </a:p>
+          <a:p>
+            <a:r>
+              <a:rPr lang="it-IT" dirty="0" smtClean="0"/>
+              <a:t>Sostituzione di </a:t>
+            </a:r>
+            <a:r>
+              <a:rPr lang="it-IT" dirty="0" err="1" smtClean="0"/>
+              <a:t>Lisikov</a:t>
+            </a:r>
+            <a:r>
+              <a:rPr lang="it-IT" dirty="0" smtClean="0"/>
+              <a:t> </a:t>
+            </a:r>
+            <a:endParaRPr lang="it-IT" dirty="0" smtClean="0"/>
+          </a:p>
+          <a:p>
+            <a:r>
+              <a:rPr lang="it-IT" dirty="0" smtClean="0"/>
+              <a:t>Inversione delle dipendenze (non violato)</a:t>
+            </a:r>
+            <a:endParaRPr lang="it-IT" dirty="0" smtClean="0"/>
+          </a:p>
+          <a:p>
+            <a:pPr marL="0" indent="0">
+              <a:buNone/>
+            </a:pPr>
+            <a:endParaRPr lang="it-IT" dirty="0"/>
+          </a:p>
+        </p:txBody>
+      </p:sp>
     </p:spTree>
     <p:extLst>
       <p:ext uri="{BB962C8B-B14F-4D97-AF65-F5344CB8AC3E}">
-        <p14:creationId xmlns:p14="http://schemas.microsoft.com/office/powerpoint/2010/main" val="1394529009"/>
+        <p14:creationId xmlns:p14="http://schemas.microsoft.com/office/powerpoint/2010/main" val="2545974804"/>
       </p:ext>
     </p:extLst>
   </p:cSld>
@@ -8554,14 +8662,12 @@
         </p:nvSpPr>
         <p:spPr>
           <a:xfrm>
-            <a:off x="2592924" y="624109"/>
-            <a:ext cx="8911687" cy="1655451"/>
+            <a:off x="2589212" y="2303448"/>
+            <a:ext cx="8915399" cy="1468800"/>
           </a:xfrm>
         </p:spPr>
         <p:txBody>
-          <a:bodyPr>
-            <a:normAutofit fontScale="90000"/>
-          </a:bodyPr>
+          <a:bodyPr/>
           <a:lstStyle/>
           <a:p>
             <a:r>
@@ -8570,77 +8676,7 @@
                   <a:srgbClr val="2E5369"/>
                 </a:solidFill>
               </a:rPr>
-              <a:t>Utilizzo del White Box </a:t>
-            </a:r>
-            <a:r>
-              <a:rPr lang="it-IT" dirty="0" err="1" smtClean="0">
-                <a:solidFill>
-                  <a:srgbClr val="2E5369"/>
-                </a:solidFill>
-              </a:rPr>
-              <a:t>Testing</a:t>
-            </a:r>
-            <a:r>
-              <a:rPr lang="it-IT" dirty="0" smtClean="0">
-                <a:solidFill>
-                  <a:srgbClr val="2E5369"/>
-                </a:solidFill>
-              </a:rPr>
-              <a:t/>
-            </a:r>
-            <a:br>
-              <a:rPr lang="it-IT" dirty="0" smtClean="0">
-                <a:solidFill>
-                  <a:srgbClr val="2E5369"/>
-                </a:solidFill>
-              </a:rPr>
-            </a:br>
-            <a:r>
-              <a:rPr lang="it-IT" sz="1800" dirty="0" smtClean="0">
-                <a:solidFill>
-                  <a:srgbClr val="2E5369"/>
-                </a:solidFill>
-              </a:rPr>
-              <a:t/>
-            </a:r>
-            <a:br>
-              <a:rPr lang="it-IT" sz="1800" dirty="0" smtClean="0">
-                <a:solidFill>
-                  <a:srgbClr val="2E5369"/>
-                </a:solidFill>
-              </a:rPr>
-            </a:br>
-            <a:r>
-              <a:rPr lang="it-IT" sz="1800" dirty="0" smtClean="0">
-                <a:solidFill>
-                  <a:srgbClr val="2E5369"/>
-                </a:solidFill>
-              </a:rPr>
-              <a:t>Solitamente viene usato per la sola fase di Unit Test, ma in questo progetto è stato utilizzato anche per la fase di System test; i test verranno eseguiti sia per </a:t>
-            </a:r>
-            <a:r>
-              <a:rPr lang="it-IT" sz="1800" dirty="0" err="1" smtClean="0">
-                <a:solidFill>
-                  <a:srgbClr val="2E5369"/>
-                </a:solidFill>
-              </a:rPr>
-              <a:t>NeptuneRescue</a:t>
-            </a:r>
-            <a:r>
-              <a:rPr lang="it-IT" sz="1800" dirty="0" smtClean="0">
-                <a:solidFill>
-                  <a:srgbClr val="2E5369"/>
-                </a:solidFill>
-              </a:rPr>
-              <a:t> sia per </a:t>
-            </a:r>
-            <a:r>
-              <a:rPr lang="it-IT" sz="1800" dirty="0" err="1" smtClean="0">
-                <a:solidFill>
-                  <a:srgbClr val="2E5369"/>
-                </a:solidFill>
-              </a:rPr>
-              <a:t>TitanicAssistance</a:t>
+              <a:t>Test</a:t>
             </a:r>
             <a:endParaRPr lang="it-IT" dirty="0">
               <a:solidFill>
@@ -8650,143 +8686,10 @@
           </a:p>
         </p:txBody>
       </p:sp>
-      <p:sp>
-        <p:nvSpPr>
-          <p:cNvPr id="6" name="Segnaposto contenuto 5"/>
-          <p:cNvSpPr>
-            <a:spLocks noGrp="1"/>
-          </p:cNvSpPr>
-          <p:nvPr>
-            <p:ph sz="half" idx="1"/>
-          </p:nvPr>
-        </p:nvSpPr>
-        <p:spPr>
-          <a:xfrm>
-            <a:off x="2592924" y="2661634"/>
-            <a:ext cx="3691966" cy="3777622"/>
-          </a:xfrm>
-        </p:spPr>
-        <p:txBody>
-          <a:bodyPr/>
-          <a:lstStyle/>
-          <a:p>
-            <a:r>
-              <a:rPr lang="it-IT" dirty="0" smtClean="0"/>
-              <a:t>Pianificando lo Unit Test, gli sviluppatori delle applicazioni sono tenuti ad eseguire </a:t>
-            </a:r>
-            <a:r>
-              <a:rPr lang="it-IT" dirty="0"/>
-              <a:t>test di unità per assicurarsi che </a:t>
-            </a:r>
-            <a:r>
-              <a:rPr lang="it-IT" dirty="0" smtClean="0"/>
-              <a:t>le singole </a:t>
-            </a:r>
-            <a:r>
-              <a:rPr lang="it-IT" dirty="0"/>
-              <a:t>unità di sviluppo </a:t>
-            </a:r>
-            <a:r>
-              <a:rPr lang="it-IT" dirty="0" smtClean="0"/>
-              <a:t>assolvano </a:t>
-            </a:r>
-            <a:r>
-              <a:rPr lang="it-IT" dirty="0"/>
-              <a:t>le </a:t>
-            </a:r>
-            <a:r>
-              <a:rPr lang="it-IT" dirty="0" smtClean="0"/>
-              <a:t>loro </a:t>
-            </a:r>
-            <a:r>
-              <a:rPr lang="it-IT" dirty="0"/>
-              <a:t>funzioni seguendo i </a:t>
-            </a:r>
-            <a:r>
-              <a:rPr lang="it-IT" dirty="0" smtClean="0"/>
-              <a:t>requisiti.</a:t>
-            </a:r>
-          </a:p>
-          <a:p>
-            <a:endParaRPr lang="it-IT" dirty="0" smtClean="0"/>
-          </a:p>
-        </p:txBody>
-      </p:sp>
-      <p:sp>
-        <p:nvSpPr>
-          <p:cNvPr id="7" name="Segnaposto contenuto 6"/>
-          <p:cNvSpPr>
-            <a:spLocks noGrp="1"/>
-          </p:cNvSpPr>
-          <p:nvPr>
-            <p:ph sz="half" idx="2"/>
-          </p:nvPr>
-        </p:nvSpPr>
-        <p:spPr>
-          <a:xfrm>
-            <a:off x="6284890" y="2661634"/>
-            <a:ext cx="5103811" cy="3777622"/>
-          </a:xfrm>
-        </p:spPr>
-        <p:txBody>
-          <a:bodyPr/>
-          <a:lstStyle/>
-          <a:p>
-            <a:r>
-              <a:rPr lang="it-IT" dirty="0" smtClean="0"/>
-              <a:t>Pianificando il System Test verranno controllati:</a:t>
-            </a:r>
-          </a:p>
-          <a:p>
-            <a:pPr lvl="1">
-              <a:buFont typeface="+mj-lt"/>
-              <a:buAutoNum type="arabicPeriod"/>
-            </a:pPr>
-            <a:r>
-              <a:rPr lang="it-IT" u="sng" dirty="0" smtClean="0"/>
-              <a:t>Prestazioni</a:t>
-            </a:r>
-            <a:r>
-              <a:rPr lang="it-IT" dirty="0" smtClean="0"/>
-              <a:t>, tramite gli stress test</a:t>
-            </a:r>
-          </a:p>
-          <a:p>
-            <a:pPr lvl="1">
-              <a:buFont typeface="+mj-lt"/>
-              <a:buAutoNum type="arabicPeriod"/>
-            </a:pPr>
-            <a:r>
-              <a:rPr lang="it-IT" u="sng" dirty="0" smtClean="0"/>
-              <a:t>Robustezza</a:t>
-            </a:r>
-            <a:r>
-              <a:rPr lang="it-IT" dirty="0" smtClean="0"/>
-              <a:t>, tramite inserimento di dati incorretti</a:t>
-            </a:r>
-            <a:endParaRPr lang="it-IT" u="sng" dirty="0" smtClean="0"/>
-          </a:p>
-          <a:p>
-            <a:pPr lvl="1">
-              <a:buFont typeface="+mj-lt"/>
-              <a:buAutoNum type="arabicPeriod"/>
-            </a:pPr>
-            <a:r>
-              <a:rPr lang="it-IT" u="sng" dirty="0" smtClean="0"/>
-              <a:t>Sicurezza</a:t>
-            </a:r>
-            <a:r>
-              <a:rPr lang="it-IT" dirty="0" smtClean="0"/>
-              <a:t>, tramite l’individuazione delle vulnerabilità del sistema</a:t>
-            </a:r>
-            <a:endParaRPr lang="it-IT" dirty="0"/>
-          </a:p>
-        </p:txBody>
-      </p:sp>
     </p:spTree>
     <p:extLst>
       <p:ext uri="{BB962C8B-B14F-4D97-AF65-F5344CB8AC3E}">
-        <p14:creationId xmlns:p14="http://schemas.microsoft.com/office/powerpoint/2010/main" val="1040553838"/>
+        <p14:creationId xmlns:p14="http://schemas.microsoft.com/office/powerpoint/2010/main" val="1394529009"/>
       </p:ext>
     </p:extLst>
   </p:cSld>
@@ -8832,21 +8735,93 @@
         </p:nvSpPr>
         <p:spPr>
           <a:xfrm>
-            <a:off x="2589212" y="2303448"/>
-            <a:ext cx="8915399" cy="1468800"/>
+            <a:off x="2592924" y="624109"/>
+            <a:ext cx="8911687" cy="1655451"/>
           </a:xfrm>
         </p:spPr>
         <p:txBody>
-          <a:bodyPr/>
+          <a:bodyPr>
+            <a:normAutofit fontScale="90000"/>
+          </a:bodyPr>
           <a:lstStyle/>
           <a:p>
             <a:r>
+              <a:rPr lang="it-IT" sz="3100" dirty="0" smtClean="0">
+                <a:solidFill>
+                  <a:srgbClr val="2E5369"/>
+                </a:solidFill>
+              </a:rPr>
+              <a:t>Utilizzo del White Box </a:t>
+            </a:r>
+            <a:r>
+              <a:rPr lang="it-IT" sz="3100" dirty="0" err="1" smtClean="0">
+                <a:solidFill>
+                  <a:srgbClr val="2E5369"/>
+                </a:solidFill>
+              </a:rPr>
+              <a:t>Testing</a:t>
+            </a:r>
+            <a:r>
               <a:rPr lang="it-IT" dirty="0" smtClean="0">
                 <a:solidFill>
                   <a:srgbClr val="2E5369"/>
                 </a:solidFill>
               </a:rPr>
-              <a:t>Esecuzione dei Test</a:t>
+              <a:t/>
+            </a:r>
+            <a:br>
+              <a:rPr lang="it-IT" dirty="0" smtClean="0">
+                <a:solidFill>
+                  <a:srgbClr val="2E5369"/>
+                </a:solidFill>
+              </a:rPr>
+            </a:br>
+            <a:r>
+              <a:rPr lang="it-IT" sz="1800" dirty="0" smtClean="0">
+                <a:solidFill>
+                  <a:srgbClr val="2E5369"/>
+                </a:solidFill>
+              </a:rPr>
+              <a:t/>
+            </a:r>
+            <a:br>
+              <a:rPr lang="it-IT" sz="1800" dirty="0" smtClean="0">
+                <a:solidFill>
+                  <a:srgbClr val="2E5369"/>
+                </a:solidFill>
+              </a:rPr>
+            </a:br>
+            <a:r>
+              <a:rPr lang="it-IT" sz="1800" dirty="0" smtClean="0">
+                <a:solidFill>
+                  <a:srgbClr val="2E5369"/>
+                </a:solidFill>
+              </a:rPr>
+              <a:t>Solitamente viene usato per la sola fase di Unit Test, ma in questo progetto è stato utilizzato anche per la fase di System test; i test verranno eseguiti sia per </a:t>
+            </a:r>
+            <a:r>
+              <a:rPr lang="it-IT" sz="1800" dirty="0" err="1" smtClean="0">
+                <a:solidFill>
+                  <a:srgbClr val="2E5369"/>
+                </a:solidFill>
+              </a:rPr>
+              <a:t>NeptuneRescue</a:t>
+            </a:r>
+            <a:r>
+              <a:rPr lang="it-IT" sz="1800" dirty="0" smtClean="0">
+                <a:solidFill>
+                  <a:srgbClr val="2E5369"/>
+                </a:solidFill>
+              </a:rPr>
+              <a:t> sia per </a:t>
+            </a:r>
+            <a:r>
+              <a:rPr lang="it-IT" sz="1800" dirty="0" err="1" smtClean="0">
+                <a:solidFill>
+                  <a:srgbClr val="2E5369"/>
+                </a:solidFill>
+              </a:rPr>
+              <a:t>TitanicAssistance</a:t>
             </a:r>
             <a:endParaRPr lang="it-IT" dirty="0">
               <a:solidFill>
@@ -8856,10 +8831,143 @@
           </a:p>
         </p:txBody>
       </p:sp>
+      <p:sp>
+        <p:nvSpPr>
+          <p:cNvPr id="6" name="Segnaposto contenuto 5"/>
+          <p:cNvSpPr>
+            <a:spLocks noGrp="1"/>
+          </p:cNvSpPr>
+          <p:nvPr>
+            <p:ph sz="half" idx="1"/>
+          </p:nvPr>
+        </p:nvSpPr>
+        <p:spPr>
+          <a:xfrm>
+            <a:off x="2592924" y="2661634"/>
+            <a:ext cx="3691966" cy="3777622"/>
+          </a:xfrm>
+        </p:spPr>
+        <p:txBody>
+          <a:bodyPr/>
+          <a:lstStyle/>
+          <a:p>
+            <a:r>
+              <a:rPr lang="it-IT" dirty="0" smtClean="0"/>
+              <a:t>Pianificando lo Unit Test, gli sviluppatori delle applicazioni sono tenuti ad eseguire </a:t>
+            </a:r>
+            <a:r>
+              <a:rPr lang="it-IT" dirty="0"/>
+              <a:t>test di unità per assicurarsi che </a:t>
+            </a:r>
+            <a:r>
+              <a:rPr lang="it-IT" dirty="0" smtClean="0"/>
+              <a:t>le singole </a:t>
+            </a:r>
+            <a:r>
+              <a:rPr lang="it-IT" dirty="0"/>
+              <a:t>unità di sviluppo </a:t>
+            </a:r>
+            <a:r>
+              <a:rPr lang="it-IT" dirty="0" smtClean="0"/>
+              <a:t>assolvano </a:t>
+            </a:r>
+            <a:r>
+              <a:rPr lang="it-IT" dirty="0"/>
+              <a:t>le </a:t>
+            </a:r>
+            <a:r>
+              <a:rPr lang="it-IT" dirty="0" smtClean="0"/>
+              <a:t>loro </a:t>
+            </a:r>
+            <a:r>
+              <a:rPr lang="it-IT" dirty="0"/>
+              <a:t>funzioni seguendo i </a:t>
+            </a:r>
+            <a:r>
+              <a:rPr lang="it-IT" dirty="0" smtClean="0"/>
+              <a:t>requisiti.</a:t>
+            </a:r>
+          </a:p>
+          <a:p>
+            <a:endParaRPr lang="it-IT" dirty="0" smtClean="0"/>
+          </a:p>
+        </p:txBody>
+      </p:sp>
+      <p:sp>
+        <p:nvSpPr>
+          <p:cNvPr id="7" name="Segnaposto contenuto 6"/>
+          <p:cNvSpPr>
+            <a:spLocks noGrp="1"/>
+          </p:cNvSpPr>
+          <p:nvPr>
+            <p:ph sz="half" idx="2"/>
+          </p:nvPr>
+        </p:nvSpPr>
+        <p:spPr>
+          <a:xfrm>
+            <a:off x="6284890" y="2661634"/>
+            <a:ext cx="5103811" cy="3777622"/>
+          </a:xfrm>
+        </p:spPr>
+        <p:txBody>
+          <a:bodyPr/>
+          <a:lstStyle/>
+          <a:p>
+            <a:r>
+              <a:rPr lang="it-IT" dirty="0" smtClean="0"/>
+              <a:t>Pianificando il System Test verranno controllati:</a:t>
+            </a:r>
+          </a:p>
+          <a:p>
+            <a:pPr lvl="1">
+              <a:buFont typeface="+mj-lt"/>
+              <a:buAutoNum type="arabicPeriod"/>
+            </a:pPr>
+            <a:r>
+              <a:rPr lang="it-IT" u="sng" dirty="0" smtClean="0"/>
+              <a:t>Prestazioni</a:t>
+            </a:r>
+            <a:r>
+              <a:rPr lang="it-IT" dirty="0" smtClean="0"/>
+              <a:t>, tramite gli stress test</a:t>
+            </a:r>
+          </a:p>
+          <a:p>
+            <a:pPr lvl="1">
+              <a:buFont typeface="+mj-lt"/>
+              <a:buAutoNum type="arabicPeriod"/>
+            </a:pPr>
+            <a:r>
+              <a:rPr lang="it-IT" u="sng" dirty="0" smtClean="0"/>
+              <a:t>Robustezza</a:t>
+            </a:r>
+            <a:r>
+              <a:rPr lang="it-IT" dirty="0" smtClean="0"/>
+              <a:t>, tramite inserimento di dati incorretti</a:t>
+            </a:r>
+            <a:endParaRPr lang="it-IT" u="sng" dirty="0" smtClean="0"/>
+          </a:p>
+          <a:p>
+            <a:pPr lvl="1">
+              <a:buFont typeface="+mj-lt"/>
+              <a:buAutoNum type="arabicPeriod"/>
+            </a:pPr>
+            <a:r>
+              <a:rPr lang="it-IT" u="sng" dirty="0" smtClean="0"/>
+              <a:t>Sicurezza</a:t>
+            </a:r>
+            <a:r>
+              <a:rPr lang="it-IT" dirty="0" smtClean="0"/>
+              <a:t>, tramite l’individuazione delle vulnerabilità del sistema</a:t>
+            </a:r>
+            <a:endParaRPr lang="it-IT" dirty="0"/>
+          </a:p>
+        </p:txBody>
+      </p:sp>
     </p:spTree>
     <p:extLst>
       <p:ext uri="{BB962C8B-B14F-4D97-AF65-F5344CB8AC3E}">
-        <p14:creationId xmlns:p14="http://schemas.microsoft.com/office/powerpoint/2010/main" val="3173232711"/>
+        <p14:creationId xmlns:p14="http://schemas.microsoft.com/office/powerpoint/2010/main" val="1040553838"/>
       </p:ext>
     </p:extLst>
   </p:cSld>
@@ -8905,33 +9013,23 @@
         </p:nvSpPr>
         <p:spPr>
           <a:xfrm>
-            <a:off x="2434107" y="688505"/>
-            <a:ext cx="9070505" cy="1280890"/>
+            <a:off x="2589212" y="2303448"/>
+            <a:ext cx="8915399" cy="1468800"/>
           </a:xfrm>
         </p:spPr>
         <p:txBody>
-          <a:bodyPr>
-            <a:normAutofit/>
-          </a:bodyPr>
+          <a:bodyPr/>
           <a:lstStyle/>
           <a:p>
             <a:r>
-              <a:rPr lang="it-IT" sz="3200" dirty="0" smtClean="0">
+              <a:rPr lang="it-IT" dirty="0" smtClean="0">
                 <a:solidFill>
                   <a:srgbClr val="2E5369"/>
                 </a:solidFill>
               </a:rPr>
-              <a:t>Svolgimento dello Unit Test: </a:t>
-            </a:r>
-            <a:r>
-              <a:rPr lang="it-IT" sz="3200" dirty="0" err="1" smtClean="0">
-                <a:solidFill>
-                  <a:srgbClr val="2E5369"/>
-                </a:solidFill>
-              </a:rPr>
-              <a:t>NeptuneRescue</a:t>
-            </a:r>
-            <a:endParaRPr lang="it-IT" sz="3200" dirty="0">
+              <a:t>Esecuzione dei Test</a:t>
+            </a:r>
+            <a:endParaRPr lang="it-IT" dirty="0">
               <a:solidFill>
                 <a:srgbClr val="2E5369"/>
               </a:solidFill>
@@ -8939,41 +9037,10 @@
           </a:p>
         </p:txBody>
       </p:sp>
-      <p:sp>
-        <p:nvSpPr>
-          <p:cNvPr id="5" name="Segnaposto contenuto 4"/>
-          <p:cNvSpPr>
-            <a:spLocks noGrp="1"/>
-          </p:cNvSpPr>
-          <p:nvPr>
-            <p:ph idx="1"/>
-          </p:nvPr>
-        </p:nvSpPr>
-        <p:spPr>
-          <a:xfrm>
-            <a:off x="2434107" y="1811628"/>
-            <a:ext cx="9070505" cy="3777622"/>
-          </a:xfrm>
-        </p:spPr>
-        <p:txBody>
-          <a:bodyPr/>
-          <a:lstStyle/>
-          <a:p>
-            <a:pPr marL="0" indent="0">
-              <a:buNone/>
-            </a:pPr>
-            <a:r>
-              <a:rPr lang="it-IT" dirty="0" smtClean="0"/>
-              <a:t>In attesa dei dati</a:t>
-            </a:r>
-            <a:endParaRPr lang="it-IT" dirty="0"/>
-          </a:p>
-        </p:txBody>
-      </p:sp>
     </p:spTree>
     <p:extLst>
       <p:ext uri="{BB962C8B-B14F-4D97-AF65-F5344CB8AC3E}">
-        <p14:creationId xmlns:p14="http://schemas.microsoft.com/office/powerpoint/2010/main" val="3078276248"/>
+        <p14:creationId xmlns:p14="http://schemas.microsoft.com/office/powerpoint/2010/main" val="3173232711"/>
       </p:ext>
     </p:extLst>
   </p:cSld>
@@ -9019,8 +9086,8 @@
         </p:nvSpPr>
         <p:spPr>
           <a:xfrm>
-            <a:off x="2485623" y="688505"/>
-            <a:ext cx="9272788" cy="1280890"/>
+            <a:off x="2434107" y="688505"/>
+            <a:ext cx="9070505" cy="1280890"/>
           </a:xfrm>
         </p:spPr>
         <p:txBody>
@@ -9030,22 +9097,22 @@
           <a:lstStyle/>
           <a:p>
             <a:r>
-              <a:rPr lang="it-IT" sz="3200" dirty="0" smtClean="0">
+              <a:rPr lang="it-IT" sz="2800" dirty="0" smtClean="0">
                 <a:solidFill>
                   <a:srgbClr val="2E5369"/>
                 </a:solidFill>
               </a:rPr>
-              <a:t>Svolgimento del System Test: </a:t>
-            </a:r>
-            <a:r>
-              <a:rPr lang="it-IT" sz="3200" dirty="0" err="1" smtClean="0">
+              <a:t>Svolgimento </a:t>
+            </a:r>
+            <a:r>
+              <a:rPr lang="it-IT" sz="2800" dirty="0" smtClean="0">
                 <a:solidFill>
                   <a:srgbClr val="2E5369"/>
                 </a:solidFill>
               </a:rPr>
-              <a:t>NeptuneRescue</a:t>
-            </a:r>
-            <a:endParaRPr lang="it-IT" sz="3200" dirty="0">
+              <a:t>dei Test</a:t>
+            </a:r>
+            <a:endParaRPr lang="it-IT" sz="2800" dirty="0">
               <a:solidFill>
                 <a:srgbClr val="2E5369"/>
               </a:solidFill>
@@ -9065,8 +9132,8 @@
         </p:nvSpPr>
         <p:spPr>
           <a:xfrm>
-            <a:off x="2485623" y="1790164"/>
-            <a:ext cx="9169199" cy="4133937"/>
+            <a:off x="2434107" y="1811628"/>
+            <a:ext cx="9070505" cy="3777622"/>
           </a:xfrm>
         </p:spPr>
         <p:txBody>
@@ -9076,10 +9143,53 @@
             <a:pPr marL="0" indent="0">
               <a:buNone/>
             </a:pPr>
-            <a:r>
-              <a:rPr lang="it-IT" dirty="0"/>
-              <a:t>In attesa dei dati</a:t>
-            </a:r>
+            <a:endParaRPr lang="it-IT" dirty="0" smtClean="0"/>
+          </a:p>
+          <a:p>
+            <a:pPr marL="0" indent="0">
+              <a:buNone/>
+            </a:pPr>
+            <a:endParaRPr lang="it-IT" dirty="0"/>
+          </a:p>
+          <a:p>
+            <a:pPr marL="0" indent="0">
+              <a:buNone/>
+            </a:pPr>
+            <a:r>
+              <a:rPr lang="it-IT" dirty="0" smtClean="0"/>
+              <a:t>Entrambe le applicazioni sono state testate da ogni membro del gruppo per verificare la presenza di errori o mancanze nel programma. </a:t>
+            </a:r>
+          </a:p>
+          <a:p>
+            <a:pPr marL="0" indent="0">
+              <a:buNone/>
+            </a:pPr>
+            <a:endParaRPr lang="it-IT" dirty="0" smtClean="0"/>
+          </a:p>
+          <a:p>
+            <a:pPr marL="0" indent="0">
+              <a:buNone/>
+            </a:pPr>
+            <a:endParaRPr lang="it-IT" dirty="0"/>
+          </a:p>
+          <a:p>
+            <a:pPr marL="0" indent="0">
+              <a:buNone/>
+            </a:pPr>
+            <a:r>
+              <a:rPr lang="it-IT" dirty="0" smtClean="0"/>
+              <a:t>È stato effettuato l’Integration Test tra i vari componenti mediante strategia top dow</a:t>
+            </a:r>
+            <a:r>
+              <a:rPr lang="it-IT" dirty="0" smtClean="0"/>
+              <a:t>n. </a:t>
+            </a:r>
+          </a:p>
+          <a:p>
+            <a:pPr marL="0" indent="0">
+              <a:buNone/>
+            </a:pPr>
+            <a:endParaRPr lang="it-IT" dirty="0" smtClean="0"/>
           </a:p>
           <a:p>
             <a:pPr marL="0" indent="0">
@@ -9092,7 +9202,7 @@
     </p:spTree>
     <p:extLst>
       <p:ext uri="{BB962C8B-B14F-4D97-AF65-F5344CB8AC3E}">
-        <p14:creationId xmlns:p14="http://schemas.microsoft.com/office/powerpoint/2010/main" val="4136034805"/>
+        <p14:creationId xmlns:p14="http://schemas.microsoft.com/office/powerpoint/2010/main" val="3078276248"/>
       </p:ext>
     </p:extLst>
   </p:cSld>
@@ -9128,7 +9238,7 @@
       </p:grpSpPr>
       <p:sp>
         <p:nvSpPr>
-          <p:cNvPr id="4" name="Titolo 3"/>
+          <p:cNvPr id="2" name="Titolo 1"/>
           <p:cNvSpPr>
             <a:spLocks noGrp="1"/>
           </p:cNvSpPr>
@@ -9136,79 +9246,38 @@
             <p:ph type="title"/>
           </p:nvPr>
         </p:nvSpPr>
-        <p:spPr>
-          <a:xfrm>
-            <a:off x="2434107" y="688505"/>
-            <a:ext cx="9070505" cy="1280890"/>
-          </a:xfrm>
-        </p:spPr>
-        <p:txBody>
-          <a:bodyPr>
-            <a:normAutofit/>
-          </a:bodyPr>
-          <a:lstStyle/>
-          <a:p>
-            <a:r>
-              <a:rPr lang="it-IT" sz="3200" dirty="0" smtClean="0">
-                <a:solidFill>
-                  <a:srgbClr val="2E5369"/>
-                </a:solidFill>
-              </a:rPr>
-              <a:t>Svolgimento dello Unit Test: </a:t>
-            </a:r>
-            <a:r>
-              <a:rPr lang="it-IT" sz="3200" dirty="0" err="1" smtClean="0">
-                <a:solidFill>
-                  <a:srgbClr val="2E5369"/>
-                </a:solidFill>
-              </a:rPr>
-              <a:t>TitanicAssistance</a:t>
-            </a:r>
-            <a:endParaRPr lang="it-IT" sz="3200" dirty="0">
-              <a:solidFill>
-                <a:srgbClr val="2E5369"/>
-              </a:solidFill>
-            </a:endParaRPr>
-          </a:p>
-        </p:txBody>
-      </p:sp>
-      <p:sp>
-        <p:nvSpPr>
-          <p:cNvPr id="5" name="Segnaposto contenuto 4"/>
-          <p:cNvSpPr>
-            <a:spLocks noGrp="1"/>
-          </p:cNvSpPr>
-          <p:nvPr>
-            <p:ph idx="1"/>
-          </p:nvPr>
-        </p:nvSpPr>
-        <p:spPr>
-          <a:xfrm>
-            <a:off x="2434107" y="1772991"/>
-            <a:ext cx="9070505" cy="3777622"/>
-          </a:xfrm>
-        </p:spPr>
+        <p:spPr/>
         <p:txBody>
           <a:bodyPr/>
           <a:lstStyle/>
           <a:p>
-            <a:pPr marL="0" indent="0">
-              <a:buNone/>
-            </a:pPr>
-            <a:r>
-              <a:rPr lang="it-IT" dirty="0"/>
-              <a:t>In attesa dei dati</a:t>
-            </a:r>
-          </a:p>
-          <a:p>
-            <a:endParaRPr lang="it-IT" dirty="0"/>
+            <a:endParaRPr lang="it-IT"/>
+          </a:p>
+        </p:txBody>
+      </p:sp>
+      <p:sp>
+        <p:nvSpPr>
+          <p:cNvPr id="3" name="Segnaposto contenuto 2"/>
+          <p:cNvSpPr>
+            <a:spLocks noGrp="1"/>
+          </p:cNvSpPr>
+          <p:nvPr>
+            <p:ph idx="1"/>
+          </p:nvPr>
+        </p:nvSpPr>
+        <p:spPr/>
+        <p:txBody>
+          <a:bodyPr/>
+          <a:lstStyle/>
+          <a:p>
+            <a:endParaRPr lang="it-IT"/>
           </a:p>
         </p:txBody>
       </p:sp>
     </p:spTree>
     <p:extLst>
       <p:ext uri="{BB962C8B-B14F-4D97-AF65-F5344CB8AC3E}">
-        <p14:creationId xmlns:p14="http://schemas.microsoft.com/office/powerpoint/2010/main" val="2583866473"/>
+        <p14:creationId xmlns:p14="http://schemas.microsoft.com/office/powerpoint/2010/main" val="750477885"/>
       </p:ext>
     </p:extLst>
   </p:cSld>
@@ -9244,7 +9313,7 @@
       </p:grpSpPr>
       <p:sp>
         <p:nvSpPr>
-          <p:cNvPr id="4" name="Titolo 3"/>
+          <p:cNvPr id="2" name="Titolo 1"/>
           <p:cNvSpPr>
             <a:spLocks noGrp="1"/>
           </p:cNvSpPr>
@@ -9252,82 +9321,38 @@
             <p:ph type="title"/>
           </p:nvPr>
         </p:nvSpPr>
-        <p:spPr>
-          <a:xfrm>
-            <a:off x="2472744" y="688505"/>
-            <a:ext cx="9285667" cy="1280890"/>
-          </a:xfrm>
-        </p:spPr>
-        <p:txBody>
-          <a:bodyPr>
-            <a:normAutofit/>
-          </a:bodyPr>
-          <a:lstStyle/>
-          <a:p>
-            <a:r>
-              <a:rPr lang="it-IT" sz="3200" dirty="0" smtClean="0">
-                <a:solidFill>
-                  <a:srgbClr val="2E5369"/>
-                </a:solidFill>
-              </a:rPr>
-              <a:t>Svolgimento del System Test: </a:t>
-            </a:r>
-            <a:r>
-              <a:rPr lang="it-IT" sz="3200" dirty="0" err="1" smtClean="0">
-                <a:solidFill>
-                  <a:srgbClr val="2E5369"/>
-                </a:solidFill>
-              </a:rPr>
-              <a:t>TitanicAssistance</a:t>
-            </a:r>
-            <a:endParaRPr lang="it-IT" sz="3200" dirty="0">
-              <a:solidFill>
-                <a:srgbClr val="2E5369"/>
-              </a:solidFill>
-            </a:endParaRPr>
-          </a:p>
-        </p:txBody>
-      </p:sp>
-      <p:sp>
-        <p:nvSpPr>
-          <p:cNvPr id="5" name="Segnaposto contenuto 4"/>
-          <p:cNvSpPr>
-            <a:spLocks noGrp="1"/>
-          </p:cNvSpPr>
-          <p:nvPr>
-            <p:ph idx="1"/>
-          </p:nvPr>
-        </p:nvSpPr>
-        <p:spPr>
-          <a:xfrm>
-            <a:off x="2472745" y="1777285"/>
-            <a:ext cx="9285666" cy="4133937"/>
-          </a:xfrm>
-        </p:spPr>
+        <p:spPr/>
         <p:txBody>
           <a:bodyPr/>
           <a:lstStyle/>
           <a:p>
-            <a:pPr marL="0" indent="0">
-              <a:buNone/>
-            </a:pPr>
-            <a:r>
-              <a:rPr lang="it-IT" dirty="0"/>
-              <a:t>In attesa dei dati</a:t>
-            </a:r>
-          </a:p>
-          <a:p>
-            <a:pPr marL="0" indent="0">
-              <a:buNone/>
-            </a:pPr>
-            <a:endParaRPr lang="it-IT" dirty="0"/>
+            <a:endParaRPr lang="it-IT"/>
+          </a:p>
+        </p:txBody>
+      </p:sp>
+      <p:sp>
+        <p:nvSpPr>
+          <p:cNvPr id="3" name="Segnaposto contenuto 2"/>
+          <p:cNvSpPr>
+            <a:spLocks noGrp="1"/>
+          </p:cNvSpPr>
+          <p:nvPr>
+            <p:ph idx="1"/>
+          </p:nvPr>
+        </p:nvSpPr>
+        <p:spPr/>
+        <p:txBody>
+          <a:bodyPr/>
+          <a:lstStyle/>
+          <a:p>
+            <a:endParaRPr lang="it-IT"/>
           </a:p>
         </p:txBody>
       </p:sp>
     </p:spTree>
     <p:extLst>
       <p:ext uri="{BB962C8B-B14F-4D97-AF65-F5344CB8AC3E}">
-        <p14:creationId xmlns:p14="http://schemas.microsoft.com/office/powerpoint/2010/main" val="1160283580"/>
+        <p14:creationId xmlns:p14="http://schemas.microsoft.com/office/powerpoint/2010/main" val="3429703679"/>
       </p:ext>
     </p:extLst>
   </p:cSld>
@@ -9454,18 +9479,20 @@
         </p:nvSpPr>
         <p:spPr/>
         <p:txBody>
-          <a:bodyPr/>
+          <a:bodyPr>
+            <a:normAutofit/>
+          </a:bodyPr>
           <a:lstStyle/>
           <a:p>
             <a:r>
-              <a:rPr lang="it-IT" dirty="0" smtClean="0">
+              <a:rPr lang="it-IT" sz="2800" dirty="0" smtClean="0">
                 <a:solidFill>
                   <a:srgbClr val="2E5369"/>
                 </a:solidFill>
               </a:rPr>
               <a:t> Gestione dei rischi</a:t>
             </a:r>
-            <a:endParaRPr lang="it-IT" dirty="0">
+            <a:endParaRPr lang="it-IT" sz="2800" dirty="0">
               <a:solidFill>
                 <a:srgbClr val="2E5369"/>
               </a:solidFill>
@@ -9483,7 +9510,7 @@
             <p:ph idx="1"/>
             <p:extLst>
               <p:ext uri="{D42A27DB-BD31-4B8C-83A1-F6EECF244321}">
-                <p14:modId xmlns:p14="http://schemas.microsoft.com/office/powerpoint/2010/main" val="1408564677"/>
+                <p14:modId xmlns:p14="http://schemas.microsoft.com/office/powerpoint/2010/main" val="2525411423"/>
               </p:ext>
             </p:extLst>
           </p:nvPr>
@@ -9496,7 +9523,7 @@
           <a:graphicData uri="http://schemas.openxmlformats.org/drawingml/2006/table">
             <a:tbl>
               <a:tblPr firstRow="1" firstCol="1" bandRow="1">
-                <a:tableStyleId>{5C22544A-7EE6-4342-B048-85BDC9FD1C3A}</a:tableStyleId>
+                <a:tableStyleId>{3B4B98B0-60AC-42C2-AFA5-B58CD77FA1E5}</a:tableStyleId>
               </a:tblPr>
               <a:tblGrid>
                 <a:gridCol w="2746923"/>
@@ -9560,11 +9587,7 @@
                       </a:endParaRPr>
                     </a:p>
                   </a:txBody>
-                  <a:tcPr marL="68580" marR="68580" marT="0" marB="0">
-                    <a:solidFill>
-                      <a:srgbClr val="2E5369"/>
-                    </a:solidFill>
-                  </a:tcPr>
+                  <a:tcPr marL="68580" marR="68580" marT="0" marB="0"/>
                 </a:tc>
                 <a:tc>
                   <a:txBody>
@@ -9593,11 +9616,7 @@
                       </a:endParaRPr>
                     </a:p>
                   </a:txBody>
-                  <a:tcPr marL="68580" marR="68580" marT="0" marB="0">
-                    <a:solidFill>
-                      <a:srgbClr val="2E5369"/>
-                    </a:solidFill>
-                  </a:tcPr>
+                  <a:tcPr marL="68580" marR="68580" marT="0" marB="0"/>
                 </a:tc>
               </a:tr>
               <a:tr h="1292386">
@@ -9628,11 +9647,7 @@
                       </a:endParaRPr>
                     </a:p>
                   </a:txBody>
-                  <a:tcPr marL="68580" marR="68580" marT="0" marB="0">
-                    <a:solidFill>
-                      <a:srgbClr val="2E5369"/>
-                    </a:solidFill>
-                  </a:tcPr>
+                  <a:tcPr marL="68580" marR="68580" marT="0" marB="0"/>
                 </a:tc>
                 <a:tc>
                   <a:txBody>
@@ -9721,11 +9736,7 @@
                       </a:endParaRPr>
                     </a:p>
                   </a:txBody>
-                  <a:tcPr marL="68580" marR="68580" marT="0" marB="0">
-                    <a:solidFill>
-                      <a:srgbClr val="2E5369"/>
-                    </a:solidFill>
-                  </a:tcPr>
+                  <a:tcPr marL="68580" marR="68580" marT="0" marB="0"/>
                 </a:tc>
                 <a:tc>
                   <a:txBody>
@@ -9814,11 +9825,7 @@
                       </a:endParaRPr>
                     </a:p>
                   </a:txBody>
-                  <a:tcPr marL="68580" marR="68580" marT="0" marB="0">
-                    <a:solidFill>
-                      <a:srgbClr val="2E5369"/>
-                    </a:solidFill>
-                  </a:tcPr>
+                  <a:tcPr marL="68580" marR="68580" marT="0" marB="0"/>
                 </a:tc>
                 <a:tc>
                   <a:txBody>
@@ -9907,11 +9914,7 @@
                       </a:endParaRPr>
                     </a:p>
                   </a:txBody>
-                  <a:tcPr marL="68580" marR="68580" marT="0" marB="0">
-                    <a:solidFill>
-                      <a:srgbClr val="2E5369"/>
-                    </a:solidFill>
-                  </a:tcPr>
+                  <a:tcPr marL="68580" marR="68580" marT="0" marB="0"/>
                 </a:tc>
                 <a:tc>
                   <a:txBody>
@@ -10023,12 +10026,7 @@
             <p:ph type="title"/>
           </p:nvPr>
         </p:nvSpPr>
-        <p:spPr>
-          <a:xfrm>
-            <a:off x="2589212" y="714262"/>
-            <a:ext cx="8911687" cy="1280890"/>
-          </a:xfrm>
-        </p:spPr>
+        <p:spPr/>
         <p:txBody>
           <a:bodyPr>
             <a:normAutofit/>
@@ -10036,18 +10034,14 @@
           <a:lstStyle/>
           <a:p>
             <a:r>
-              <a:rPr lang="it-IT" sz="2800" dirty="0" smtClean="0">
+              <a:rPr lang="it-IT" sz="2800" dirty="0">
                 <a:solidFill>
                   <a:srgbClr val="2E5369"/>
                 </a:solidFill>
               </a:rPr>
-              <a:t>Un esempio di rischio: R02</a:t>
-            </a:r>
-            <a:endParaRPr lang="it-IT" sz="2800" dirty="0">
-              <a:solidFill>
-                <a:srgbClr val="2E5369"/>
-              </a:solidFill>
-            </a:endParaRPr>
+              <a:t>R01</a:t>
+            </a:r>
+            <a:endParaRPr lang="it-IT" sz="2800" dirty="0"/>
           </a:p>
         </p:txBody>
       </p:sp>
@@ -10061,25 +10055,28 @@
             <p:ph idx="1"/>
           </p:nvPr>
         </p:nvSpPr>
-        <p:spPr>
-          <a:xfrm>
-            <a:off x="2589212" y="1764406"/>
-            <a:ext cx="8825805" cy="4146816"/>
-          </a:xfrm>
-        </p:spPr>
-        <p:txBody>
-          <a:bodyPr>
-            <a:normAutofit/>
-          </a:bodyPr>
+        <p:spPr/>
+        <p:txBody>
+          <a:bodyPr/>
           <a:lstStyle/>
           <a:p>
             <a:r>
               <a:rPr lang="it-IT" b="1" dirty="0">
                 <a:solidFill>
+                  <a:schemeClr val="accent2">
+                    <a:lumMod val="50000"/>
+                  </a:schemeClr>
+                </a:solidFill>
+              </a:rPr>
+              <a:t>Rischio</a:t>
+            </a:r>
+            <a:r>
+              <a:rPr lang="it-IT" b="1" dirty="0">
+                <a:solidFill>
                   <a:srgbClr val="2E5369"/>
                 </a:solidFill>
               </a:rPr>
-              <a:t>Rischio:</a:t>
+              <a:t>:</a:t>
             </a:r>
             <a:r>
               <a:rPr lang="it-IT" dirty="0"/>
@@ -10090,10 +10087,20 @@
             <a:r>
               <a:rPr lang="it-IT" b="1" dirty="0">
                 <a:solidFill>
+                  <a:schemeClr val="accent2">
+                    <a:lumMod val="50000"/>
+                  </a:schemeClr>
+                </a:solidFill>
+              </a:rPr>
+              <a:t>Gravità</a:t>
+            </a:r>
+            <a:r>
+              <a:rPr lang="it-IT" b="1" dirty="0">
+                <a:solidFill>
                   <a:srgbClr val="2E5369"/>
                 </a:solidFill>
               </a:rPr>
-              <a:t>Gravità:</a:t>
+              <a:t>:</a:t>
             </a:r>
             <a:r>
               <a:rPr lang="it-IT" b="1" dirty="0"/>
@@ -10108,10 +10115,20 @@
             <a:r>
               <a:rPr lang="it-IT" b="1" dirty="0">
                 <a:solidFill>
+                  <a:schemeClr val="accent2">
+                    <a:lumMod val="50000"/>
+                  </a:schemeClr>
+                </a:solidFill>
+              </a:rPr>
+              <a:t>Descrizione</a:t>
+            </a:r>
+            <a:r>
+              <a:rPr lang="it-IT" b="1" dirty="0">
+                <a:solidFill>
                   <a:srgbClr val="2E5369"/>
                 </a:solidFill>
               </a:rPr>
-              <a:t>Descrizione:</a:t>
+              <a:t>:</a:t>
             </a:r>
             <a:r>
               <a:rPr lang="it-IT" dirty="0"/>
@@ -10122,10 +10139,20 @@
             <a:r>
               <a:rPr lang="it-IT" b="1" dirty="0">
                 <a:solidFill>
+                  <a:schemeClr val="accent2">
+                    <a:lumMod val="50000"/>
+                  </a:schemeClr>
+                </a:solidFill>
+              </a:rPr>
+              <a:t>Impatto</a:t>
+            </a:r>
+            <a:r>
+              <a:rPr lang="it-IT" b="1" dirty="0">
+                <a:solidFill>
                   <a:srgbClr val="2E5369"/>
                 </a:solidFill>
               </a:rPr>
-              <a:t>Impatto:</a:t>
+              <a:t>:</a:t>
             </a:r>
             <a:r>
               <a:rPr lang="it-IT" b="1" dirty="0"/>
@@ -10140,10 +10167,20 @@
             <a:r>
               <a:rPr lang="it-IT" b="1" dirty="0">
                 <a:solidFill>
+                  <a:schemeClr val="accent2">
+                    <a:lumMod val="50000"/>
+                  </a:schemeClr>
+                </a:solidFill>
+              </a:rPr>
+              <a:t>Mitigazione</a:t>
+            </a:r>
+            <a:r>
+              <a:rPr lang="it-IT" b="1" dirty="0">
+                <a:solidFill>
                   <a:srgbClr val="2E5369"/>
                 </a:solidFill>
               </a:rPr>
-              <a:t>Mitigazione:</a:t>
+              <a:t>:</a:t>
             </a:r>
             <a:r>
               <a:rPr lang="it-IT" dirty="0"/>
@@ -10162,7 +10199,9 @@
             <a:r>
               <a:rPr lang="it-IT" b="1" dirty="0" err="1">
                 <a:solidFill>
-                  <a:srgbClr val="2E5369"/>
+                  <a:schemeClr val="accent2">
+                    <a:lumMod val="50000"/>
+                  </a:schemeClr>
                 </a:solidFill>
               </a:rPr>
               <a:t>Contingency</a:t>
@@ -10170,10 +10209,20 @@
             <a:r>
               <a:rPr lang="it-IT" b="1" dirty="0">
                 <a:solidFill>
+                  <a:schemeClr val="accent2">
+                    <a:lumMod val="50000"/>
+                  </a:schemeClr>
+                </a:solidFill>
+              </a:rPr>
+              <a:t> Plan</a:t>
+            </a:r>
+            <a:r>
+              <a:rPr lang="it-IT" b="1" dirty="0">
+                <a:solidFill>
                   <a:srgbClr val="2E5369"/>
                 </a:solidFill>
               </a:rPr>
-              <a:t> Plan:</a:t>
+              <a:t>:</a:t>
             </a:r>
             <a:r>
               <a:rPr lang="it-IT" dirty="0">
@@ -10195,6 +10244,9 @@
               <a:rPr lang="it-IT" dirty="0"/>
               <a:t> online o dalle macchine non danneggiate.</a:t>
             </a:r>
+          </a:p>
+          <a:p>
+            <a:endParaRPr lang="it-IT" dirty="0"/>
           </a:p>
           <a:p>
             <a:endParaRPr lang="it-IT" dirty="0"/>
@@ -10204,7 +10256,7 @@
     </p:spTree>
     <p:extLst>
       <p:ext uri="{BB962C8B-B14F-4D97-AF65-F5344CB8AC3E}">
-        <p14:creationId xmlns:p14="http://schemas.microsoft.com/office/powerpoint/2010/main" val="2182910905"/>
+        <p14:creationId xmlns:p14="http://schemas.microsoft.com/office/powerpoint/2010/main" val="2790620079"/>
       </p:ext>
     </p:extLst>
   </p:cSld>
@@ -10248,36 +10300,200 @@
             <p:ph type="title"/>
           </p:nvPr>
         </p:nvSpPr>
-        <p:spPr>
-          <a:xfrm>
-            <a:off x="2576334" y="2251933"/>
-            <a:ext cx="8915399" cy="1468800"/>
-          </a:xfrm>
-        </p:spPr>
+        <p:spPr/>
+        <p:txBody>
+          <a:bodyPr>
+            <a:normAutofit/>
+          </a:bodyPr>
+          <a:lstStyle/>
+          <a:p>
+            <a:r>
+              <a:rPr lang="it-IT" sz="2800" dirty="0" smtClean="0">
+                <a:solidFill>
+                  <a:srgbClr val="2E5369"/>
+                </a:solidFill>
+              </a:rPr>
+              <a:t>R02</a:t>
+            </a:r>
+            <a:endParaRPr lang="it-IT" sz="2800" dirty="0"/>
+          </a:p>
+        </p:txBody>
+      </p:sp>
+      <p:sp>
+        <p:nvSpPr>
+          <p:cNvPr id="3" name="Segnaposto contenuto 2"/>
+          <p:cNvSpPr>
+            <a:spLocks noGrp="1"/>
+          </p:cNvSpPr>
+          <p:nvPr>
+            <p:ph idx="1"/>
+          </p:nvPr>
+        </p:nvSpPr>
+        <p:spPr/>
         <p:txBody>
           <a:bodyPr/>
           <a:lstStyle/>
           <a:p>
             <a:r>
-              <a:rPr lang="it-IT" dirty="0" smtClean="0">
-                <a:solidFill>
-                  <a:srgbClr val="2E5369"/>
+              <a:rPr lang="it-IT" b="1" dirty="0">
+                <a:solidFill>
+                  <a:schemeClr val="accent2">
+                    <a:lumMod val="50000"/>
+                  </a:schemeClr>
                 </a:solidFill>
               </a:rPr>
-              <a:t>Riuso dei documenti</a:t>
-            </a:r>
-            <a:endParaRPr lang="it-IT" dirty="0">
-              <a:solidFill>
-                <a:srgbClr val="2E5369"/>
-              </a:solidFill>
-            </a:endParaRPr>
+              <a:t>Rischio</a:t>
+            </a:r>
+            <a:r>
+              <a:rPr lang="it-IT" b="1" dirty="0"/>
+              <a:t>:</a:t>
+            </a:r>
+            <a:r>
+              <a:rPr lang="it-IT" dirty="0"/>
+              <a:t> Guasto hardware e/o perdita di dati.</a:t>
+            </a:r>
+          </a:p>
+          <a:p>
+            <a:r>
+              <a:rPr lang="it-IT" b="1" dirty="0">
+                <a:solidFill>
+                  <a:schemeClr val="accent2">
+                    <a:lumMod val="50000"/>
+                  </a:schemeClr>
+                </a:solidFill>
+              </a:rPr>
+              <a:t>Gravità</a:t>
+            </a:r>
+            <a:r>
+              <a:rPr lang="it-IT" b="1" dirty="0"/>
+              <a:t>: </a:t>
+            </a:r>
+            <a:r>
+              <a:rPr lang="it-IT" dirty="0"/>
+              <a:t>Molto dannoso.</a:t>
+            </a:r>
+          </a:p>
+          <a:p>
+            <a:r>
+              <a:rPr lang="it-IT" b="1" dirty="0">
+                <a:solidFill>
+                  <a:schemeClr val="accent2">
+                    <a:lumMod val="50000"/>
+                  </a:schemeClr>
+                </a:solidFill>
+              </a:rPr>
+              <a:t>Descrizione:</a:t>
+            </a:r>
+            <a:r>
+              <a:rPr lang="it-IT" dirty="0">
+                <a:solidFill>
+                  <a:schemeClr val="accent2">
+                    <a:lumMod val="50000"/>
+                  </a:schemeClr>
+                </a:solidFill>
+              </a:rPr>
+              <a:t> </a:t>
+            </a:r>
+            <a:r>
+              <a:rPr lang="it-IT" dirty="0"/>
+              <a:t>Perdita dei dati a causa dell’inaccessibilità a una data macchina attinente al progetto o ai dati ivi contenuti.</a:t>
+            </a:r>
+          </a:p>
+          <a:p>
+            <a:r>
+              <a:rPr lang="it-IT" b="1" dirty="0">
+                <a:solidFill>
+                  <a:schemeClr val="accent2">
+                    <a:lumMod val="50000"/>
+                  </a:schemeClr>
+                </a:solidFill>
+              </a:rPr>
+              <a:t>Impatto</a:t>
+            </a:r>
+            <a:r>
+              <a:rPr lang="it-IT" b="1" dirty="0"/>
+              <a:t>: </a:t>
+            </a:r>
+            <a:r>
+              <a:rPr lang="it-IT" dirty="0"/>
+              <a:t>Perdita di componenti software con conseguente ritardo dovuto alla riscrittura del codice perso. Eventuale danno economico dovuto al dover sostituire l’hardware danneggiato.</a:t>
+            </a:r>
+          </a:p>
+          <a:p>
+            <a:r>
+              <a:rPr lang="it-IT" b="1" dirty="0">
+                <a:solidFill>
+                  <a:schemeClr val="accent2">
+                    <a:lumMod val="50000"/>
+                  </a:schemeClr>
+                </a:solidFill>
+              </a:rPr>
+              <a:t>Mitigazione</a:t>
+            </a:r>
+            <a:r>
+              <a:rPr lang="it-IT" b="1" dirty="0"/>
+              <a:t>:</a:t>
+            </a:r>
+            <a:r>
+              <a:rPr lang="it-IT" dirty="0"/>
+              <a:t> Salvare il progetto su più macchine oltre che su un </a:t>
+            </a:r>
+            <a:r>
+              <a:rPr lang="it-IT" dirty="0" err="1"/>
+              <a:t>repository</a:t>
+            </a:r>
+            <a:r>
+              <a:rPr lang="it-IT" dirty="0"/>
+              <a:t> online.</a:t>
+            </a:r>
+          </a:p>
+          <a:p>
+            <a:r>
+              <a:rPr lang="it-IT" b="1" dirty="0" err="1">
+                <a:solidFill>
+                  <a:schemeClr val="accent2">
+                    <a:lumMod val="50000"/>
+                  </a:schemeClr>
+                </a:solidFill>
+              </a:rPr>
+              <a:t>Contingency</a:t>
+            </a:r>
+            <a:r>
+              <a:rPr lang="it-IT" b="1" dirty="0">
+                <a:solidFill>
+                  <a:schemeClr val="accent2">
+                    <a:lumMod val="50000"/>
+                  </a:schemeClr>
+                </a:solidFill>
+              </a:rPr>
+              <a:t> Plan</a:t>
+            </a:r>
+            <a:r>
+              <a:rPr lang="it-IT" b="1" dirty="0"/>
+              <a:t>:</a:t>
+            </a:r>
+            <a:r>
+              <a:rPr lang="it-IT" dirty="0"/>
+              <a:t> Recuperare l’ultima copia di backup dal </a:t>
+            </a:r>
+            <a:r>
+              <a:rPr lang="it-IT" dirty="0" err="1"/>
+              <a:t>repository</a:t>
+            </a:r>
+            <a:r>
+              <a:rPr lang="it-IT" dirty="0"/>
+              <a:t> online o dalle macchine non danneggiate.</a:t>
+            </a:r>
+          </a:p>
+          <a:p>
+            <a:endParaRPr lang="it-IT" dirty="0"/>
           </a:p>
         </p:txBody>
       </p:sp>
     </p:spTree>
     <p:extLst>
       <p:ext uri="{BB962C8B-B14F-4D97-AF65-F5344CB8AC3E}">
-        <p14:creationId xmlns:p14="http://schemas.microsoft.com/office/powerpoint/2010/main" val="302897550"/>
+        <p14:creationId xmlns:p14="http://schemas.microsoft.com/office/powerpoint/2010/main" val="597071926"/>
       </p:ext>
     </p:extLst>
   </p:cSld>
@@ -10313,12 +10529,41 @@
       </p:grpSpPr>
       <p:sp>
         <p:nvSpPr>
-          <p:cNvPr id="4" name="Titolo 3"/>
+          <p:cNvPr id="2" name="Titolo 1"/>
           <p:cNvSpPr>
             <a:spLocks noGrp="1"/>
           </p:cNvSpPr>
           <p:nvPr>
             <p:ph type="title"/>
+          </p:nvPr>
+        </p:nvSpPr>
+        <p:spPr/>
+        <p:txBody>
+          <a:bodyPr>
+            <a:normAutofit/>
+          </a:bodyPr>
+          <a:lstStyle/>
+          <a:p>
+            <a:r>
+              <a:rPr lang="it-IT" sz="2800" dirty="0" smtClean="0">
+                <a:solidFill>
+                  <a:srgbClr val="2E5369"/>
+                </a:solidFill>
+              </a:rPr>
+              <a:t>R03</a:t>
+            </a:r>
+            <a:endParaRPr lang="it-IT" sz="2800" dirty="0"/>
+          </a:p>
+        </p:txBody>
+      </p:sp>
+      <p:sp>
+        <p:nvSpPr>
+          <p:cNvPr id="3" name="Segnaposto contenuto 2"/>
+          <p:cNvSpPr>
+            <a:spLocks noGrp="1"/>
+          </p:cNvSpPr>
+          <p:nvPr>
+            <p:ph idx="1"/>
           </p:nvPr>
         </p:nvSpPr>
         <p:spPr/>
@@ -10327,44 +10572,167 @@
           <a:lstStyle/>
           <a:p>
             <a:r>
-              <a:rPr lang="it-IT" dirty="0" smtClean="0">
-                <a:solidFill>
-                  <a:srgbClr val="C00000"/>
+              <a:rPr lang="it-IT" b="1" dirty="0">
+                <a:solidFill>
+                  <a:schemeClr val="accent2">
+                    <a:lumMod val="50000"/>
+                  </a:schemeClr>
                 </a:solidFill>
               </a:rPr>
-              <a:t>Da controllare per i documenti</a:t>
-            </a:r>
-            <a:endParaRPr lang="it-IT" dirty="0">
-              <a:solidFill>
-                <a:srgbClr val="C00000"/>
-              </a:solidFill>
-            </a:endParaRPr>
-          </a:p>
-        </p:txBody>
-      </p:sp>
-      <p:sp>
-        <p:nvSpPr>
-          <p:cNvPr id="5" name="Segnaposto contenuto 4"/>
-          <p:cNvSpPr>
-            <a:spLocks noGrp="1"/>
-          </p:cNvSpPr>
-          <p:nvPr>
-            <p:ph idx="1"/>
-          </p:nvPr>
-        </p:nvSpPr>
-        <p:spPr/>
-        <p:txBody>
-          <a:bodyPr/>
-          <a:lstStyle/>
-          <a:p>
-            <a:endParaRPr lang="it-IT"/>
+              <a:t>Rischio</a:t>
+            </a:r>
+            <a:r>
+              <a:rPr lang="it-IT" b="1" dirty="0"/>
+              <a:t>:</a:t>
+            </a:r>
+            <a:r>
+              <a:rPr lang="it-IT" dirty="0"/>
+              <a:t> Cambiamento specifiche in corso d’opera. </a:t>
+            </a:r>
+          </a:p>
+          <a:p>
+            <a:r>
+              <a:rPr lang="it-IT" b="1" dirty="0">
+                <a:solidFill>
+                  <a:schemeClr val="accent2">
+                    <a:lumMod val="50000"/>
+                  </a:schemeClr>
+                </a:solidFill>
+              </a:rPr>
+              <a:t>Gravità:</a:t>
+            </a:r>
+            <a:r>
+              <a:rPr lang="it-IT" b="1" dirty="0"/>
+              <a:t> </a:t>
+            </a:r>
+            <a:r>
+              <a:rPr lang="it-IT" dirty="0"/>
+              <a:t>Medio.</a:t>
+            </a:r>
+          </a:p>
+          <a:p>
+            <a:r>
+              <a:rPr lang="it-IT" b="1" dirty="0">
+                <a:solidFill>
+                  <a:schemeClr val="accent2">
+                    <a:lumMod val="50000"/>
+                  </a:schemeClr>
+                </a:solidFill>
+              </a:rPr>
+              <a:t>Descrizione</a:t>
+            </a:r>
+            <a:r>
+              <a:rPr lang="it-IT" b="1" dirty="0"/>
+              <a:t>:</a:t>
+            </a:r>
+            <a:r>
+              <a:rPr lang="it-IT" dirty="0"/>
+              <a:t> Il committente richiede modifiche e o aggiunte durante le fasi avanzate di sviluppo.</a:t>
+            </a:r>
+          </a:p>
+          <a:p>
+            <a:r>
+              <a:rPr lang="it-IT" b="1" dirty="0">
+                <a:solidFill>
+                  <a:schemeClr val="accent2">
+                    <a:lumMod val="50000"/>
+                  </a:schemeClr>
+                </a:solidFill>
+              </a:rPr>
+              <a:t>Impatto</a:t>
+            </a:r>
+            <a:r>
+              <a:rPr lang="it-IT" b="1" dirty="0"/>
+              <a:t>:</a:t>
+            </a:r>
+            <a:r>
+              <a:rPr lang="it-IT" dirty="0"/>
+              <a:t> Il progetto potrebbe subire ritardi, anche di considerevole entità. </a:t>
+            </a:r>
+          </a:p>
+          <a:p>
+            <a:r>
+              <a:rPr lang="it-IT" b="1" dirty="0">
+                <a:solidFill>
+                  <a:schemeClr val="accent2">
+                    <a:lumMod val="50000"/>
+                  </a:schemeClr>
+                </a:solidFill>
+              </a:rPr>
+              <a:t>Mitigazione</a:t>
+            </a:r>
+            <a:r>
+              <a:rPr lang="it-IT" b="1" dirty="0"/>
+              <a:t>: </a:t>
+            </a:r>
+            <a:r>
+              <a:rPr lang="it-IT" dirty="0"/>
+              <a:t>Frequente confronto con il committente e richiesta di approvazione tramite firma del documento di </a:t>
+            </a:r>
+            <a:r>
+              <a:rPr lang="it-IT" dirty="0" err="1"/>
+              <a:t>Change</a:t>
+            </a:r>
+            <a:r>
+              <a:rPr lang="it-IT" dirty="0"/>
+              <a:t> </a:t>
+            </a:r>
+            <a:r>
+              <a:rPr lang="it-IT" dirty="0" err="1"/>
+              <a:t>Request</a:t>
+            </a:r>
+            <a:r>
+              <a:rPr lang="it-IT" dirty="0"/>
+              <a:t>.  </a:t>
+            </a:r>
+          </a:p>
+          <a:p>
+            <a:r>
+              <a:rPr lang="it-IT" b="1" dirty="0" err="1">
+                <a:solidFill>
+                  <a:schemeClr val="accent2">
+                    <a:lumMod val="50000"/>
+                  </a:schemeClr>
+                </a:solidFill>
+              </a:rPr>
+              <a:t>Contingency</a:t>
+            </a:r>
+            <a:r>
+              <a:rPr lang="it-IT" b="1" dirty="0">
+                <a:solidFill>
+                  <a:schemeClr val="accent2">
+                    <a:lumMod val="50000"/>
+                  </a:schemeClr>
+                </a:solidFill>
+              </a:rPr>
+              <a:t> Plan</a:t>
+            </a:r>
+            <a:r>
+              <a:rPr lang="it-IT" b="1" dirty="0"/>
+              <a:t>: </a:t>
+            </a:r>
+            <a:r>
+              <a:rPr lang="it-IT" dirty="0"/>
+              <a:t>Effettuare le necessarie correzioni al progetto ed eventuale </a:t>
+            </a:r>
+            <a:r>
+              <a:rPr lang="it-IT" dirty="0" err="1"/>
+              <a:t>riassegnamento</a:t>
+            </a:r>
+            <a:r>
+              <a:rPr lang="it-IT" dirty="0"/>
+              <a:t> delle risorse. </a:t>
+            </a:r>
+          </a:p>
+          <a:p>
+            <a:endParaRPr lang="it-IT" dirty="0"/>
           </a:p>
         </p:txBody>
       </p:sp>
     </p:spTree>
     <p:extLst>
       <p:ext uri="{BB962C8B-B14F-4D97-AF65-F5344CB8AC3E}">
-        <p14:creationId xmlns:p14="http://schemas.microsoft.com/office/powerpoint/2010/main" val="3773772924"/>
+        <p14:creationId xmlns:p14="http://schemas.microsoft.com/office/powerpoint/2010/main" val="999040628"/>
       </p:ext>
     </p:extLst>
   </p:cSld>
@@ -10408,36 +10776,177 @@
             <p:ph type="title"/>
           </p:nvPr>
         </p:nvSpPr>
-        <p:spPr>
-          <a:xfrm>
-            <a:off x="2589212" y="2303448"/>
-            <a:ext cx="8915399" cy="1468800"/>
-          </a:xfrm>
-        </p:spPr>
+        <p:spPr/>
+        <p:txBody>
+          <a:bodyPr>
+            <a:normAutofit/>
+          </a:bodyPr>
+          <a:lstStyle/>
+          <a:p>
+            <a:r>
+              <a:rPr lang="it-IT" sz="2800" dirty="0" smtClean="0">
+                <a:solidFill>
+                  <a:srgbClr val="2E5369"/>
+                </a:solidFill>
+              </a:rPr>
+              <a:t>R04</a:t>
+            </a:r>
+            <a:endParaRPr lang="it-IT" sz="2800" dirty="0"/>
+          </a:p>
+        </p:txBody>
+      </p:sp>
+      <p:sp>
+        <p:nvSpPr>
+          <p:cNvPr id="3" name="Segnaposto contenuto 2"/>
+          <p:cNvSpPr>
+            <a:spLocks noGrp="1"/>
+          </p:cNvSpPr>
+          <p:nvPr>
+            <p:ph idx="1"/>
+          </p:nvPr>
+        </p:nvSpPr>
+        <p:spPr/>
         <p:txBody>
           <a:bodyPr/>
           <a:lstStyle/>
           <a:p>
             <a:r>
-              <a:rPr lang="it-IT" dirty="0" smtClean="0">
-                <a:solidFill>
-                  <a:srgbClr val="2E5369"/>
+              <a:rPr lang="it-IT" b="1" dirty="0">
+                <a:solidFill>
+                  <a:schemeClr val="accent2">
+                    <a:lumMod val="50000"/>
+                  </a:schemeClr>
                 </a:solidFill>
               </a:rPr>
-              <a:t>Diagramma delle sequenze</a:t>
-            </a:r>
-            <a:endParaRPr lang="it-IT" dirty="0">
-              <a:solidFill>
-                <a:srgbClr val="2E5369"/>
-              </a:solidFill>
-            </a:endParaRPr>
+              <a:t>Rischio:</a:t>
+            </a:r>
+            <a:r>
+              <a:rPr lang="it-IT" dirty="0"/>
+              <a:t> Ricorso a tecnologie innovative o poco note. </a:t>
+            </a:r>
+          </a:p>
+          <a:p>
+            <a:r>
+              <a:rPr lang="it-IT" b="1" dirty="0">
+                <a:solidFill>
+                  <a:schemeClr val="accent2">
+                    <a:lumMod val="50000"/>
+                  </a:schemeClr>
+                </a:solidFill>
+              </a:rPr>
+              <a:t>Gravità</a:t>
+            </a:r>
+            <a:r>
+              <a:rPr lang="it-IT" b="1" dirty="0"/>
+              <a:t>: </a:t>
+            </a:r>
+            <a:r>
+              <a:rPr lang="it-IT" dirty="0"/>
+              <a:t>Dannoso.</a:t>
+            </a:r>
+          </a:p>
+          <a:p>
+            <a:r>
+              <a:rPr lang="it-IT" b="1" dirty="0">
+                <a:solidFill>
+                  <a:schemeClr val="accent2">
+                    <a:lumMod val="50000"/>
+                  </a:schemeClr>
+                </a:solidFill>
+              </a:rPr>
+              <a:t>Descrizione</a:t>
+            </a:r>
+            <a:r>
+              <a:rPr lang="it-IT" b="1" dirty="0"/>
+              <a:t>:</a:t>
+            </a:r>
+            <a:r>
+              <a:rPr lang="it-IT" dirty="0"/>
+              <a:t> Il progetto si basa su tecnologie non conosciute al team di sviluppo.</a:t>
+            </a:r>
+          </a:p>
+          <a:p>
+            <a:r>
+              <a:rPr lang="it-IT" b="1" dirty="0">
+                <a:solidFill>
+                  <a:schemeClr val="accent2">
+                    <a:lumMod val="50000"/>
+                  </a:schemeClr>
+                </a:solidFill>
+              </a:rPr>
+              <a:t>Impatto</a:t>
+            </a:r>
+            <a:r>
+              <a:rPr lang="it-IT" b="1" dirty="0"/>
+              <a:t>:</a:t>
+            </a:r>
+            <a:r>
+              <a:rPr lang="it-IT" dirty="0"/>
+              <a:t> Il progetto potrebbe subire rallentamenti, anche sensibili, dovuti al naturale tempo di apprendimento delle nuove tecnologie da parte del team. </a:t>
+            </a:r>
+          </a:p>
+          <a:p>
+            <a:r>
+              <a:rPr lang="it-IT" b="1" dirty="0">
+                <a:solidFill>
+                  <a:schemeClr val="accent2">
+                    <a:lumMod val="50000"/>
+                  </a:schemeClr>
+                </a:solidFill>
+              </a:rPr>
+              <a:t>Mitigazione</a:t>
+            </a:r>
+            <a:r>
+              <a:rPr lang="it-IT" b="1" dirty="0"/>
+              <a:t>: </a:t>
+            </a:r>
+            <a:r>
+              <a:rPr lang="it-IT" dirty="0"/>
+              <a:t>Cercare di utilizzare tecnologie già conosciute dove possibile.  </a:t>
+            </a:r>
+          </a:p>
+          <a:p>
+            <a:r>
+              <a:rPr lang="it-IT" b="1" dirty="0" err="1">
+                <a:solidFill>
+                  <a:schemeClr val="accent2">
+                    <a:lumMod val="50000"/>
+                  </a:schemeClr>
+                </a:solidFill>
+              </a:rPr>
+              <a:t>Contingency</a:t>
+            </a:r>
+            <a:r>
+              <a:rPr lang="it-IT" b="1" dirty="0">
+                <a:solidFill>
+                  <a:schemeClr val="accent2">
+                    <a:lumMod val="50000"/>
+                  </a:schemeClr>
+                </a:solidFill>
+              </a:rPr>
+              <a:t> Plan</a:t>
+            </a:r>
+            <a:r>
+              <a:rPr lang="it-IT" b="1" dirty="0"/>
+              <a:t>:</a:t>
+            </a:r>
+            <a:r>
+              <a:rPr lang="it-IT" dirty="0"/>
+              <a:t> Cercare di assumere le competenze necessarie in tempi ragionevoli, senza allocare tutte le risorse umane allo studio della nuova tecnologia, ma lasciandone parte allo sviluppo del progetto.	</a:t>
+            </a:r>
+          </a:p>
+          <a:p>
+            <a:pPr marL="0" indent="0">
+              <a:buNone/>
+            </a:pPr>
+            <a:endParaRPr lang="it-IT" dirty="0"/>
           </a:p>
         </p:txBody>
       </p:sp>
     </p:spTree>
     <p:extLst>
       <p:ext uri="{BB962C8B-B14F-4D97-AF65-F5344CB8AC3E}">
-        <p14:creationId xmlns:p14="http://schemas.microsoft.com/office/powerpoint/2010/main" val="1273787775"/>
+        <p14:creationId xmlns:p14="http://schemas.microsoft.com/office/powerpoint/2010/main" val="2501873745"/>
       </p:ext>
     </p:extLst>
   </p:cSld>
@@ -10473,7 +10982,7 @@
       </p:grpSpPr>
       <p:sp>
         <p:nvSpPr>
-          <p:cNvPr id="4" name="Titolo 3"/>
+          <p:cNvPr id="2" name="Titolo 1"/>
           <p:cNvSpPr>
             <a:spLocks noGrp="1"/>
           </p:cNvSpPr>
@@ -10483,14 +10992,12 @@
         </p:nvSpPr>
         <p:spPr>
           <a:xfrm>
-            <a:off x="2592925" y="675625"/>
-            <a:ext cx="8911687" cy="1280890"/>
+            <a:off x="2589212" y="2303448"/>
+            <a:ext cx="8915399" cy="1468800"/>
           </a:xfrm>
         </p:spPr>
         <p:txBody>
-          <a:bodyPr>
-            <a:normAutofit/>
-          </a:bodyPr>
+          <a:bodyPr/>
           <a:lstStyle/>
           <a:p>
             <a:r>
@@ -10499,15 +11006,7 @@
                   <a:srgbClr val="2E5369"/>
                 </a:solidFill>
               </a:rPr>
-              <a:t>Diagramma delle sequenze: </a:t>
-            </a:r>
-            <a:r>
-              <a:rPr lang="it-IT" dirty="0" err="1" smtClean="0">
-                <a:solidFill>
-                  <a:srgbClr val="2E5369"/>
-                </a:solidFill>
-              </a:rPr>
-              <a:t>NeptuneRescue</a:t>
+              <a:t>Diagramma delle sequenze</a:t>
             </a:r>
             <a:endParaRPr lang="it-IT" dirty="0">
               <a:solidFill>
@@ -10517,39 +11016,10 @@
           </a:p>
         </p:txBody>
       </p:sp>
-      <p:pic>
-        <p:nvPicPr>
-          <p:cNvPr id="10" name="Segnaposto contenuto 9"/>
-          <p:cNvPicPr>
-            <a:picLocks noGrp="1" noChangeAspect="1"/>
-          </p:cNvPicPr>
-          <p:nvPr>
-            <p:ph idx="1"/>
-          </p:nvPr>
-        </p:nvPicPr>
-        <p:blipFill>
-          <a:blip r:embed="rId2">
-            <a:extLst>
-              <a:ext uri="{28A0092B-C50C-407E-A947-70E740481C1C}">
-                <a14:useLocalDpi xmlns:a14="http://schemas.microsoft.com/office/drawing/2010/main" val="0"/>
-              </a:ext>
-            </a:extLst>
-          </a:blip>
-          <a:stretch>
-            <a:fillRect/>
-          </a:stretch>
-        </p:blipFill>
-        <p:spPr>
-          <a:xfrm>
-            <a:off x="2176530" y="1906549"/>
-            <a:ext cx="7463532" cy="5254552"/>
-          </a:xfrm>
-        </p:spPr>
-      </p:pic>
     </p:spTree>
     <p:extLst>
       <p:ext uri="{BB962C8B-B14F-4D97-AF65-F5344CB8AC3E}">
-        <p14:creationId xmlns:p14="http://schemas.microsoft.com/office/powerpoint/2010/main" val="4117890900"/>
+        <p14:creationId xmlns:p14="http://schemas.microsoft.com/office/powerpoint/2010/main" val="1273787775"/>
       </p:ext>
     </p:extLst>
   </p:cSld>
@@ -10596,7 +11066,7 @@
         <p:spPr>
           <a:xfrm>
             <a:off x="2592925" y="675625"/>
-            <a:ext cx="8911687" cy="1280890"/>
+            <a:ext cx="9599075" cy="1280890"/>
           </a:xfrm>
         </p:spPr>
         <p:txBody>
@@ -10606,7 +11076,7 @@
           <a:lstStyle/>
           <a:p>
             <a:r>
-              <a:rPr lang="it-IT" dirty="0" smtClean="0">
+              <a:rPr lang="it-IT" sz="3200" dirty="0" smtClean="0">
                 <a:solidFill>
                   <a:srgbClr val="2E5369"/>
                 </a:solidFill>
@@ -10614,14 +11084,14 @@
               <a:t>Diagramma delle sequenze: </a:t>
             </a:r>
             <a:r>
-              <a:rPr lang="it-IT" dirty="0" err="1" smtClean="0">
+              <a:rPr lang="it-IT" sz="3200" dirty="0" smtClean="0">
                 <a:solidFill>
                   <a:srgbClr val="2E5369"/>
                 </a:solidFill>
               </a:rPr>
-              <a:t>TitanicAssistance</a:t>
-            </a:r>
-            <a:endParaRPr lang="it-IT" dirty="0">
+              <a:t>Titanic Assistance</a:t>
+            </a:r>
+            <a:endParaRPr lang="it-IT" sz="3200" dirty="0">
               <a:solidFill>
                 <a:srgbClr val="2E5369"/>
               </a:solidFill>
@@ -10629,36 +11099,39 @@
           </a:p>
         </p:txBody>
       </p:sp>
-      <p:sp>
-        <p:nvSpPr>
-          <p:cNvPr id="2" name="Segnaposto contenuto 1"/>
-          <p:cNvSpPr>
-            <a:spLocks noGrp="1"/>
-          </p:cNvSpPr>
+      <p:pic>
+        <p:nvPicPr>
+          <p:cNvPr id="3" name="Segnaposto contenuto 2"/>
+          <p:cNvPicPr>
+            <a:picLocks noGrp="1" noChangeAspect="1"/>
+          </p:cNvPicPr>
           <p:nvPr>
             <p:ph idx="1"/>
           </p:nvPr>
-        </p:nvSpPr>
-        <p:spPr/>
-        <p:txBody>
-          <a:bodyPr/>
-          <a:lstStyle/>
-          <a:p>
-            <a:pPr marL="0" indent="0">
-              <a:buNone/>
-            </a:pPr>
-            <a:r>
-              <a:rPr lang="it-IT" dirty="0" smtClean="0"/>
-              <a:t>In attesa dei dati</a:t>
-            </a:r>
-            <a:endParaRPr lang="it-IT" dirty="0"/>
-          </a:p>
-        </p:txBody>
-      </p:sp>
+        </p:nvPicPr>
+        <p:blipFill>
+          <a:blip r:embed="rId2">
+            <a:extLst>
+              <a:ext uri="{28A0092B-C50C-407E-A947-70E740481C1C}">
+                <a14:useLocalDpi xmlns:a14="http://schemas.microsoft.com/office/drawing/2010/main" val="0"/>
+              </a:ext>
+            </a:extLst>
+          </a:blip>
+          <a:stretch>
+            <a:fillRect/>
+          </a:stretch>
+        </p:blipFill>
+        <p:spPr>
+          <a:xfrm>
+            <a:off x="2592925" y="1316070"/>
+            <a:ext cx="8899301" cy="6292116"/>
+          </a:xfrm>
+        </p:spPr>
+      </p:pic>
     </p:spTree>
     <p:extLst>
       <p:ext uri="{BB962C8B-B14F-4D97-AF65-F5344CB8AC3E}">
-        <p14:creationId xmlns:p14="http://schemas.microsoft.com/office/powerpoint/2010/main" val="1968787704"/>
+        <p14:creationId xmlns:p14="http://schemas.microsoft.com/office/powerpoint/2010/main" val="4117890900"/>
       </p:ext>
     </p:extLst>
   </p:cSld>
@@ -10686,34 +11159,34 @@
         <a:sysClr val="window" lastClr="FFFFFF"/>
       </a:lt1>
       <a:dk2>
-        <a:srgbClr val="2E5369"/>
+        <a:srgbClr val="766F54"/>
       </a:dk2>
       <a:lt2>
-        <a:srgbClr val="CFE2E7"/>
+        <a:srgbClr val="E3EACF"/>
       </a:lt2>
       <a:accent1>
-        <a:srgbClr val="353535"/>
+        <a:srgbClr val="A53010"/>
       </a:accent1>
       <a:accent2>
-        <a:srgbClr val="31B4E6"/>
+        <a:srgbClr val="DE7E18"/>
       </a:accent2>
       <a:accent3>
-        <a:srgbClr val="265991"/>
+        <a:srgbClr val="9F8351"/>
       </a:accent3>
       <a:accent4>
-        <a:srgbClr val="7E40CC"/>
+        <a:srgbClr val="728653"/>
       </a:accent4>
       <a:accent5>
-        <a:srgbClr val="B927E9"/>
+        <a:srgbClr val="92AA4C"/>
       </a:accent5>
       <a:accent6>
-        <a:srgbClr val="E833BF"/>
+        <a:srgbClr val="6AAC91"/>
       </a:accent6>
       <a:hlink>
-        <a:srgbClr val="2DA0F1"/>
+        <a:srgbClr val="FB4A18"/>
       </a:hlink>
       <a:folHlink>
-        <a:srgbClr val="7ED1E6"/>
+        <a:srgbClr val="FB9318"/>
       </a:folHlink>
     </a:clrScheme>
     <a:fontScheme name="Filo">
@@ -10912,7 +11385,7 @@
   <a:extraClrSchemeLst/>
   <a:extLst>
     <a:ext uri="{05A4C25C-085E-4340-85A3-A5531E510DB2}">
-      <thm15:themeFamily xmlns:thm15="http://schemas.microsoft.com/office/thememl/2012/main" name="Wisp" id="{7CB32D59-10C0-40DD-B7BD-2E94284A981C}" vid="{4F34B87B-9C7A-41AE-A6CB-48536223DFFD}"/>
+      <thm15:themeFamily xmlns:thm15="http://schemas.microsoft.com/office/thememl/2012/main" name="Wisp" id="{7CB32D59-10C0-40DD-B7BD-2E94284A981C}" vid="{24B1A44C-C006-48B2-A4D7-E5549B3D8CD4}"/>
     </a:ext>
   </a:extLst>
 </a:theme>

--- a/Slide/Slide Sparta.pptx
+++ b/Slide/Slide Sparta.pptx
@@ -12,18 +12,19 @@
     <p:sldId id="280" r:id="rId6"/>
     <p:sldId id="279" r:id="rId7"/>
     <p:sldId id="281" r:id="rId8"/>
-    <p:sldId id="262" r:id="rId9"/>
-    <p:sldId id="273" r:id="rId10"/>
-    <p:sldId id="274" r:id="rId11"/>
-    <p:sldId id="263" r:id="rId12"/>
-    <p:sldId id="266" r:id="rId13"/>
-    <p:sldId id="264" r:id="rId14"/>
-    <p:sldId id="265" r:id="rId15"/>
-    <p:sldId id="268" r:id="rId16"/>
-    <p:sldId id="267" r:id="rId17"/>
-    <p:sldId id="269" r:id="rId18"/>
-    <p:sldId id="277" r:id="rId19"/>
-    <p:sldId id="278" r:id="rId20"/>
+    <p:sldId id="283" r:id="rId9"/>
+    <p:sldId id="284" r:id="rId10"/>
+    <p:sldId id="285" r:id="rId11"/>
+    <p:sldId id="262" r:id="rId12"/>
+    <p:sldId id="273" r:id="rId13"/>
+    <p:sldId id="274" r:id="rId14"/>
+    <p:sldId id="263" r:id="rId15"/>
+    <p:sldId id="266" r:id="rId16"/>
+    <p:sldId id="264" r:id="rId17"/>
+    <p:sldId id="265" r:id="rId18"/>
+    <p:sldId id="268" r:id="rId19"/>
+    <p:sldId id="277" r:id="rId20"/>
+    <p:sldId id="278" r:id="rId21"/>
   </p:sldIdLst>
   <p:sldSz cx="12192000" cy="6858000"/>
   <p:notesSz cx="6858000" cy="9144000"/>
@@ -7873,7 +7874,7 @@
       </p:grpSpPr>
       <p:sp>
         <p:nvSpPr>
-          <p:cNvPr id="4" name="Titolo 3"/>
+          <p:cNvPr id="2" name="Titolo 1"/>
           <p:cNvSpPr>
             <a:spLocks noGrp="1"/>
           </p:cNvSpPr>
@@ -7881,96 +7882,44 @@
             <p:ph type="title"/>
           </p:nvPr>
         </p:nvSpPr>
-        <p:spPr>
-          <a:xfrm>
-            <a:off x="2592925" y="675625"/>
-            <a:ext cx="9860945" cy="1280890"/>
-          </a:xfrm>
-        </p:spPr>
-        <p:txBody>
-          <a:bodyPr>
-            <a:normAutofit/>
-          </a:bodyPr>
+        <p:spPr/>
+        <p:txBody>
+          <a:bodyPr/>
           <a:lstStyle/>
           <a:p>
-            <a:r>
-              <a:rPr lang="it-IT" sz="3200" dirty="0" smtClean="0">
-                <a:solidFill>
-                  <a:srgbClr val="2E5369"/>
-                </a:solidFill>
-              </a:rPr>
-              <a:t>Diagramma delle sequenze: </a:t>
-            </a:r>
-            <a:r>
-              <a:rPr lang="it-IT" sz="3200" dirty="0" err="1" smtClean="0">
-                <a:solidFill>
-                  <a:srgbClr val="2E5369"/>
-                </a:solidFill>
-              </a:rPr>
-              <a:t>Neptune</a:t>
-            </a:r>
-            <a:r>
-              <a:rPr lang="it-IT" sz="3200" dirty="0" smtClean="0">
-                <a:solidFill>
-                  <a:srgbClr val="2E5369"/>
-                </a:solidFill>
-              </a:rPr>
-              <a:t> Rescue</a:t>
-            </a:r>
-            <a:endParaRPr lang="it-IT" sz="3200" dirty="0">
-              <a:solidFill>
-                <a:srgbClr val="2E5369"/>
-              </a:solidFill>
-            </a:endParaRPr>
-          </a:p>
-        </p:txBody>
-      </p:sp>
-      <p:pic>
-        <p:nvPicPr>
-          <p:cNvPr id="6" name="Segnaposto contenuto 5"/>
-          <p:cNvPicPr>
-            <a:picLocks noGrp="1" noChangeAspect="1"/>
-          </p:cNvPicPr>
+            <a:endParaRPr lang="it-IT" dirty="0"/>
+          </a:p>
+        </p:txBody>
+      </p:sp>
+      <p:sp>
+        <p:nvSpPr>
+          <p:cNvPr id="3" name="Segnaposto contenuto 2"/>
+          <p:cNvSpPr>
+            <a:spLocks noGrp="1"/>
+          </p:cNvSpPr>
           <p:nvPr>
             <p:ph idx="1"/>
           </p:nvPr>
-        </p:nvPicPr>
-        <p:blipFill>
-          <a:blip r:embed="rId2">
-            <a:extLst>
-              <a:ext uri="{28A0092B-C50C-407E-A947-70E740481C1C}">
-                <a14:useLocalDpi xmlns:a14="http://schemas.microsoft.com/office/drawing/2010/main" val="0"/>
-              </a:ext>
-            </a:extLst>
-          </a:blip>
-          <a:stretch>
-            <a:fillRect/>
-          </a:stretch>
-        </p:blipFill>
-        <p:spPr>
-          <a:xfrm>
-            <a:off x="4375015" y="2133600"/>
-            <a:ext cx="5343796" cy="3778250"/>
-          </a:xfrm>
-        </p:spPr>
-      </p:pic>
+        </p:nvSpPr>
+        <p:spPr/>
+        <p:txBody>
+          <a:bodyPr/>
+          <a:lstStyle/>
+          <a:p>
+            <a:endParaRPr lang="it-IT"/>
+          </a:p>
+        </p:txBody>
+      </p:sp>
     </p:spTree>
     <p:extLst>
       <p:ext uri="{BB962C8B-B14F-4D97-AF65-F5344CB8AC3E}">
-        <p14:creationId xmlns:p14="http://schemas.microsoft.com/office/powerpoint/2010/main" val="1968787704"/>
+        <p14:creationId xmlns:p14="http://schemas.microsoft.com/office/powerpoint/2010/main" val="4050661320"/>
       </p:ext>
     </p:extLst>
   </p:cSld>
   <p:clrMapOvr>
     <a:masterClrMapping/>
   </p:clrMapOvr>
-  <p:timing>
-    <p:tnLst>
-      <p:par>
-        <p:cTn id="1" dur="indefinite" restart="never" nodeType="tmRoot"/>
-      </p:par>
-    </p:tnLst>
-  </p:timing>
 </p:sld>
 </file>
 
@@ -8003,7 +7952,7 @@
         </p:nvSpPr>
         <p:spPr>
           <a:xfrm>
-            <a:off x="2550576" y="2303448"/>
+            <a:off x="2589212" y="2303448"/>
             <a:ext cx="8915399" cy="1468800"/>
           </a:xfrm>
         </p:spPr>
@@ -8017,7 +7966,7 @@
                   <a:srgbClr val="2E5369"/>
                 </a:solidFill>
               </a:rPr>
-              <a:t>Principi SOLID</a:t>
+              <a:t>Diagramma delle sequenze</a:t>
             </a:r>
             <a:endParaRPr lang="it-IT" dirty="0">
               <a:solidFill>
@@ -8030,7 +7979,7 @@
     </p:spTree>
     <p:extLst>
       <p:ext uri="{BB962C8B-B14F-4D97-AF65-F5344CB8AC3E}">
-        <p14:creationId xmlns:p14="http://schemas.microsoft.com/office/powerpoint/2010/main" val="2651722085"/>
+        <p14:creationId xmlns:p14="http://schemas.microsoft.com/office/powerpoint/2010/main" val="1273787775"/>
       </p:ext>
     </p:extLst>
   </p:cSld>
@@ -8066,7 +8015,7 @@
       </p:grpSpPr>
       <p:sp>
         <p:nvSpPr>
-          <p:cNvPr id="10" name="Titolo 9"/>
+          <p:cNvPr id="4" name="Titolo 3"/>
           <p:cNvSpPr>
             <a:spLocks noGrp="1"/>
           </p:cNvSpPr>
@@ -8074,20 +8023,27 @@
             <p:ph type="title"/>
           </p:nvPr>
         </p:nvSpPr>
-        <p:spPr/>
-        <p:txBody>
-          <a:bodyPr/>
+        <p:spPr>
+          <a:xfrm>
+            <a:off x="2592925" y="675625"/>
+            <a:ext cx="9599075" cy="1280890"/>
+          </a:xfrm>
+        </p:spPr>
+        <p:txBody>
+          <a:bodyPr>
+            <a:normAutofit/>
+          </a:bodyPr>
           <a:lstStyle/>
           <a:p>
             <a:r>
-              <a:rPr lang="it-IT" dirty="0" smtClean="0">
+              <a:rPr lang="it-IT" sz="3200" dirty="0" smtClean="0">
                 <a:solidFill>
                   <a:srgbClr val="2E5369"/>
                 </a:solidFill>
               </a:rPr>
-              <a:t>Legenda dei principi SOLID</a:t>
-            </a:r>
-            <a:endParaRPr lang="it-IT" dirty="0">
+              <a:t>Diagramma delle sequenze: Titanic Assistance</a:t>
+            </a:r>
+            <a:endParaRPr lang="it-IT" sz="3200" dirty="0">
               <a:solidFill>
                 <a:srgbClr val="2E5369"/>
               </a:solidFill>
@@ -8095,210 +8051,39 @@
           </a:p>
         </p:txBody>
       </p:sp>
-      <p:sp>
-        <p:nvSpPr>
-          <p:cNvPr id="11" name="Segnaposto contenuto 10"/>
-          <p:cNvSpPr>
-            <a:spLocks noGrp="1"/>
-          </p:cNvSpPr>
+      <p:pic>
+        <p:nvPicPr>
+          <p:cNvPr id="3" name="Segnaposto contenuto 2"/>
+          <p:cNvPicPr>
+            <a:picLocks noGrp="1" noChangeAspect="1"/>
+          </p:cNvPicPr>
           <p:nvPr>
             <p:ph idx="1"/>
           </p:nvPr>
-        </p:nvSpPr>
-        <p:spPr/>
-        <p:txBody>
-          <a:bodyPr>
-            <a:normAutofit lnSpcReduction="10000"/>
-          </a:bodyPr>
-          <a:lstStyle/>
-          <a:p>
-            <a:r>
-              <a:rPr lang="it-IT" b="1" dirty="0"/>
-              <a:t>Single </a:t>
-            </a:r>
-            <a:r>
-              <a:rPr lang="it-IT" b="1" dirty="0" err="1" smtClean="0"/>
-              <a:t>responsibility</a:t>
-            </a:r>
-            <a:r>
-              <a:rPr lang="it-IT" b="1" dirty="0" smtClean="0"/>
-              <a:t>: </a:t>
-            </a:r>
-            <a:r>
-              <a:rPr lang="it-IT" dirty="0"/>
-              <a:t>Una classe dovrebbe avere una sola ragione per cambiare</a:t>
-            </a:r>
-            <a:endParaRPr lang="it-IT" b="1" dirty="0" smtClean="0"/>
-          </a:p>
-          <a:p>
-            <a:r>
-              <a:rPr lang="it-IT" b="1" dirty="0"/>
-              <a:t>Open </a:t>
-            </a:r>
-            <a:r>
-              <a:rPr lang="it-IT" b="1" dirty="0" err="1" smtClean="0"/>
-              <a:t>close</a:t>
-            </a:r>
-            <a:r>
-              <a:rPr lang="it-IT" b="1" dirty="0" smtClean="0"/>
-              <a:t>: </a:t>
-            </a:r>
-            <a:r>
-              <a:rPr lang="it-IT" dirty="0"/>
-              <a:t>Le </a:t>
-            </a:r>
-            <a:r>
-              <a:rPr lang="it-IT" dirty="0" err="1"/>
-              <a:t>entita</a:t>
-            </a:r>
-            <a:r>
-              <a:rPr lang="it-IT" dirty="0"/>
-              <a:t> </a:t>
-            </a:r>
-            <a:r>
-              <a:rPr lang="it-IT" dirty="0" smtClean="0"/>
-              <a:t>dovrebbe </a:t>
-            </a:r>
-            <a:r>
-              <a:rPr lang="it-IT" dirty="0"/>
-              <a:t>essere </a:t>
-            </a:r>
-            <a:r>
-              <a:rPr lang="it-IT" dirty="0" smtClean="0"/>
-              <a:t>aperte </a:t>
-            </a:r>
-            <a:r>
-              <a:rPr lang="it-IT" dirty="0"/>
-              <a:t>per </a:t>
-            </a:r>
-            <a:r>
-              <a:rPr lang="it-IT" dirty="0" smtClean="0"/>
-              <a:t>le estensioni</a:t>
-            </a:r>
-            <a:r>
-              <a:rPr lang="it-IT" dirty="0"/>
-              <a:t>, ma </a:t>
-            </a:r>
-            <a:r>
-              <a:rPr lang="it-IT" dirty="0" smtClean="0"/>
-              <a:t>chiuse </a:t>
-            </a:r>
-            <a:r>
-              <a:rPr lang="it-IT" dirty="0"/>
-              <a:t>alle </a:t>
-            </a:r>
-            <a:r>
-              <a:rPr lang="it-IT" dirty="0" err="1"/>
-              <a:t>modificaioni</a:t>
-            </a:r>
-            <a:r>
-              <a:rPr lang="it-IT" dirty="0"/>
-              <a:t>.</a:t>
-            </a:r>
-            <a:endParaRPr lang="it-IT" b="1" dirty="0" smtClean="0"/>
-          </a:p>
-          <a:p>
-            <a:r>
-              <a:rPr lang="it-IT" b="1" dirty="0" err="1" smtClean="0"/>
-              <a:t>Liskov</a:t>
-            </a:r>
-            <a:r>
-              <a:rPr lang="it-IT" b="1" dirty="0" smtClean="0"/>
-              <a:t>: </a:t>
-            </a:r>
-            <a:r>
-              <a:rPr lang="it-IT" dirty="0" smtClean="0"/>
-              <a:t>I sottotipi </a:t>
-            </a:r>
-            <a:r>
-              <a:rPr lang="it-IT" dirty="0"/>
-              <a:t>dovrebbero essere sostituibili per i </a:t>
-            </a:r>
-            <a:r>
-              <a:rPr lang="it-IT" dirty="0" err="1" smtClean="0"/>
-              <a:t>supertipi</a:t>
-            </a:r>
-            <a:r>
-              <a:rPr lang="it-IT" dirty="0" smtClean="0"/>
-              <a:t>; </a:t>
-            </a:r>
-            <a:r>
-              <a:rPr lang="it-IT" dirty="0"/>
-              <a:t>le classi figlie non devono mai rompere la definizione delle classi genitrici</a:t>
-            </a:r>
-            <a:endParaRPr lang="it-IT" b="1" dirty="0" smtClean="0"/>
-          </a:p>
-          <a:p>
-            <a:r>
-              <a:rPr lang="it-IT" b="1" dirty="0" smtClean="0"/>
-              <a:t>Interface </a:t>
-            </a:r>
-            <a:r>
-              <a:rPr lang="it-IT" b="1" dirty="0" err="1" smtClean="0"/>
-              <a:t>segregation</a:t>
-            </a:r>
-            <a:r>
-              <a:rPr lang="it-IT" b="1" dirty="0" smtClean="0"/>
-              <a:t>: </a:t>
-            </a:r>
-            <a:r>
-              <a:rPr lang="it-IT" dirty="0" smtClean="0"/>
-              <a:t>I Client non dovrebbero essere costretti ad usare interfacce che non possono usare</a:t>
-            </a:r>
-            <a:endParaRPr lang="it-IT" b="1" dirty="0" smtClean="0"/>
-          </a:p>
-          <a:p>
-            <a:r>
-              <a:rPr lang="it-IT" b="1" dirty="0" err="1" smtClean="0"/>
-              <a:t>Dependency</a:t>
-            </a:r>
-            <a:r>
-              <a:rPr lang="it-IT" b="1" dirty="0" smtClean="0"/>
-              <a:t> </a:t>
-            </a:r>
-            <a:r>
-              <a:rPr lang="it-IT" b="1" dirty="0" err="1" smtClean="0"/>
-              <a:t>inversion</a:t>
-            </a:r>
-            <a:r>
-              <a:rPr lang="it-IT" b="1" dirty="0" smtClean="0"/>
-              <a:t>: </a:t>
-            </a:r>
-            <a:r>
-              <a:rPr lang="it-IT" dirty="0"/>
-              <a:t>Un modulo ad alto livello non dovrebbe dipendere </a:t>
-            </a:r>
-            <a:r>
-              <a:rPr lang="it-IT" dirty="0" smtClean="0"/>
-              <a:t>dai moduli </a:t>
-            </a:r>
-            <a:r>
-              <a:rPr lang="it-IT" dirty="0"/>
-              <a:t>a basso </a:t>
-            </a:r>
-            <a:r>
-              <a:rPr lang="it-IT" dirty="0" smtClean="0"/>
-              <a:t>livello; entrambi </a:t>
-            </a:r>
-            <a:r>
-              <a:rPr lang="it-IT" dirty="0"/>
-              <a:t>dovrebbero dipendere dalle </a:t>
-            </a:r>
-            <a:r>
-              <a:rPr lang="it-IT" dirty="0" smtClean="0"/>
-              <a:t>astrazioni. Le </a:t>
-            </a:r>
-            <a:r>
-              <a:rPr lang="it-IT" dirty="0"/>
-              <a:t>astrazioni non dovrebbe dipendere dai dettagli, sono i dettagli che devono dipendere dalle astrazioni.</a:t>
-            </a:r>
-          </a:p>
-        </p:txBody>
-      </p:sp>
+        </p:nvPicPr>
+        <p:blipFill>
+          <a:blip r:embed="rId2">
+            <a:extLst>
+              <a:ext uri="{28A0092B-C50C-407E-A947-70E740481C1C}">
+                <a14:useLocalDpi xmlns:a14="http://schemas.microsoft.com/office/drawing/2010/main" val="0"/>
+              </a:ext>
+            </a:extLst>
+          </a:blip>
+          <a:stretch>
+            <a:fillRect/>
+          </a:stretch>
+        </p:blipFill>
+        <p:spPr>
+          <a:xfrm>
+            <a:off x="2592925" y="1316070"/>
+            <a:ext cx="8899301" cy="6292116"/>
+          </a:xfrm>
+        </p:spPr>
+      </p:pic>
     </p:spTree>
     <p:extLst>
       <p:ext uri="{BB962C8B-B14F-4D97-AF65-F5344CB8AC3E}">
-        <p14:creationId xmlns:p14="http://schemas.microsoft.com/office/powerpoint/2010/main" val="3966660912"/>
+        <p14:creationId xmlns:p14="http://schemas.microsoft.com/office/powerpoint/2010/main" val="4117890900"/>
       </p:ext>
     </p:extLst>
   </p:cSld>
@@ -8334,7 +8119,7 @@
       </p:grpSpPr>
       <p:sp>
         <p:nvSpPr>
-          <p:cNvPr id="2" name="Titolo 1"/>
+          <p:cNvPr id="4" name="Titolo 3"/>
           <p:cNvSpPr>
             <a:spLocks noGrp="1"/>
           </p:cNvSpPr>
@@ -8344,8 +8129,8 @@
         </p:nvSpPr>
         <p:spPr>
           <a:xfrm>
-            <a:off x="2565138" y="624190"/>
-            <a:ext cx="8732909" cy="1280890"/>
+            <a:off x="2592925" y="675625"/>
+            <a:ext cx="9860945" cy="1280890"/>
           </a:xfrm>
         </p:spPr>
         <p:txBody>
@@ -8355,14 +8140,30 @@
           <a:lstStyle/>
           <a:p>
             <a:r>
-              <a:rPr lang="it-IT" sz="2800" dirty="0" smtClean="0">
+              <a:rPr lang="it-IT" sz="3200" dirty="0" smtClean="0">
                 <a:solidFill>
                   <a:srgbClr val="2E5369"/>
                 </a:solidFill>
               </a:rPr>
-              <a:t>Utilizzo dei principi SOLID nelle applicazioni:</a:t>
-            </a:r>
-            <a:endParaRPr lang="it-IT" sz="2800" dirty="0">
+              <a:t>Diagramma delle sequenze: </a:t>
+            </a:r>
+            <a:r>
+              <a:rPr lang="it-IT" sz="3200" dirty="0" err="1" smtClean="0">
+                <a:solidFill>
+                  <a:srgbClr val="2E5369"/>
+                </a:solidFill>
+              </a:rPr>
+              <a:t>Neptune</a:t>
+            </a:r>
+            <a:r>
+              <a:rPr lang="it-IT" sz="3200" dirty="0" smtClean="0">
+                <a:solidFill>
+                  <a:srgbClr val="2E5369"/>
+                </a:solidFill>
+              </a:rPr>
+              <a:t> Rescue</a:t>
+            </a:r>
+            <a:endParaRPr lang="it-IT" sz="3200" dirty="0">
               <a:solidFill>
                 <a:srgbClr val="2E5369"/>
               </a:solidFill>
@@ -8370,253 +8171,39 @@
           </a:p>
         </p:txBody>
       </p:sp>
-      <p:sp>
-        <p:nvSpPr>
-          <p:cNvPr id="4" name="Segnaposto testo 3"/>
-          <p:cNvSpPr>
-            <a:spLocks noGrp="1"/>
-          </p:cNvSpPr>
-          <p:nvPr>
-            <p:ph type="body" idx="1"/>
-          </p:nvPr>
-        </p:nvSpPr>
+      <p:pic>
+        <p:nvPicPr>
+          <p:cNvPr id="6" name="Segnaposto contenuto 5"/>
+          <p:cNvPicPr>
+            <a:picLocks noGrp="1" noChangeAspect="1"/>
+          </p:cNvPicPr>
+          <p:nvPr>
+            <p:ph idx="1"/>
+          </p:nvPr>
+        </p:nvPicPr>
+        <p:blipFill>
+          <a:blip r:embed="rId2">
+            <a:extLst>
+              <a:ext uri="{28A0092B-C50C-407E-A947-70E740481C1C}">
+                <a14:useLocalDpi xmlns:a14="http://schemas.microsoft.com/office/drawing/2010/main" val="0"/>
+              </a:ext>
+            </a:extLst>
+          </a:blip>
+          <a:stretch>
+            <a:fillRect/>
+          </a:stretch>
+        </p:blipFill>
         <p:spPr>
           <a:xfrm>
-            <a:off x="1151738" y="1295056"/>
-            <a:ext cx="3992732" cy="576262"/>
+            <a:off x="2592925" y="1504415"/>
+            <a:ext cx="8487177" cy="6000729"/>
           </a:xfrm>
         </p:spPr>
-        <p:txBody>
-          <a:bodyPr/>
-          <a:lstStyle/>
-          <a:p>
-            <a:pPr algn="ctr"/>
-            <a:r>
-              <a:rPr lang="it-IT" u="sng" dirty="0" err="1" smtClean="0"/>
-              <a:t>NeptuneRescue</a:t>
-            </a:r>
-            <a:endParaRPr lang="it-IT" u="sng" dirty="0"/>
-          </a:p>
-        </p:txBody>
-      </p:sp>
-      <p:sp>
-        <p:nvSpPr>
-          <p:cNvPr id="5" name="Segnaposto contenuto 4"/>
-          <p:cNvSpPr>
-            <a:spLocks noGrp="1"/>
-          </p:cNvSpPr>
-          <p:nvPr>
-            <p:ph sz="half" idx="2"/>
-          </p:nvPr>
-        </p:nvSpPr>
-        <p:spPr>
-          <a:xfrm>
-            <a:off x="2086377" y="1905080"/>
-            <a:ext cx="9916733" cy="2299375"/>
-          </a:xfrm>
-        </p:spPr>
-        <p:txBody>
-          <a:bodyPr>
-            <a:normAutofit/>
-          </a:bodyPr>
-          <a:lstStyle/>
-          <a:p>
-            <a:pPr marL="0" indent="0" algn="just">
-              <a:buNone/>
-            </a:pPr>
-            <a:r>
-              <a:rPr lang="it-IT" dirty="0" smtClean="0"/>
-              <a:t>Nell’applicazione </a:t>
-            </a:r>
-            <a:r>
-              <a:rPr lang="it-IT" dirty="0" err="1" smtClean="0"/>
-              <a:t>NeptuneRecue</a:t>
-            </a:r>
-            <a:r>
-              <a:rPr lang="it-IT" dirty="0" smtClean="0"/>
-              <a:t> </a:t>
-            </a:r>
-            <a:r>
-              <a:rPr lang="it-IT" dirty="0" smtClean="0"/>
-              <a:t>sono stati applicati (o non violati) i seguenti principi:</a:t>
-            </a:r>
-          </a:p>
-          <a:p>
-            <a:r>
-              <a:rPr lang="it-IT" dirty="0"/>
-              <a:t>Singola </a:t>
-            </a:r>
-            <a:r>
-              <a:rPr lang="it-IT" dirty="0" err="1"/>
-              <a:t>responsablità</a:t>
-            </a:r>
-            <a:endParaRPr lang="it-IT" dirty="0"/>
-          </a:p>
-          <a:p>
-            <a:r>
-              <a:rPr lang="it-IT" dirty="0"/>
-              <a:t>Apertura – Chiusura </a:t>
-            </a:r>
-          </a:p>
-          <a:p>
-            <a:r>
-              <a:rPr lang="it-IT" dirty="0"/>
-              <a:t>Sostituzione di </a:t>
-            </a:r>
-            <a:r>
-              <a:rPr lang="it-IT" dirty="0" err="1"/>
-              <a:t>Lisikov</a:t>
-            </a:r>
-            <a:r>
-              <a:rPr lang="it-IT" dirty="0"/>
-              <a:t> </a:t>
-            </a:r>
-          </a:p>
-          <a:p>
-            <a:r>
-              <a:rPr lang="it-IT" dirty="0"/>
-              <a:t>Inversione delle dipendenze (non violato)</a:t>
-            </a:r>
-          </a:p>
-          <a:p>
-            <a:pPr marL="0" indent="0" algn="just">
-              <a:buNone/>
-            </a:pPr>
-            <a:endParaRPr lang="it-IT" dirty="0" smtClean="0"/>
-          </a:p>
-          <a:p>
-            <a:pPr marL="0" indent="0" algn="just">
-              <a:buNone/>
-            </a:pPr>
-            <a:endParaRPr lang="it-IT" dirty="0" smtClean="0"/>
-          </a:p>
-          <a:p>
-            <a:pPr marL="0" indent="0">
-              <a:buNone/>
-            </a:pPr>
-            <a:endParaRPr lang="it-IT" dirty="0"/>
-          </a:p>
-        </p:txBody>
-      </p:sp>
-      <p:sp>
-        <p:nvSpPr>
-          <p:cNvPr id="6" name="Segnaposto testo 5"/>
-          <p:cNvSpPr>
-            <a:spLocks noGrp="1"/>
-          </p:cNvSpPr>
-          <p:nvPr>
-            <p:ph type="body" sz="quarter" idx="3"/>
-          </p:nvPr>
-        </p:nvSpPr>
-        <p:spPr>
-          <a:xfrm>
-            <a:off x="1151738" y="3788397"/>
-            <a:ext cx="3999001" cy="576262"/>
-          </a:xfrm>
-        </p:spPr>
-        <p:txBody>
-          <a:bodyPr/>
-          <a:lstStyle/>
-          <a:p>
-            <a:pPr algn="ctr"/>
-            <a:r>
-              <a:rPr lang="it-IT" u="sng" dirty="0" err="1" smtClean="0"/>
-              <a:t>TitanicAssistance</a:t>
-            </a:r>
-            <a:endParaRPr lang="it-IT" u="sng" dirty="0"/>
-          </a:p>
-        </p:txBody>
-      </p:sp>
-      <p:sp>
-        <p:nvSpPr>
-          <p:cNvPr id="7" name="Segnaposto contenuto 6"/>
-          <p:cNvSpPr>
-            <a:spLocks noGrp="1"/>
-          </p:cNvSpPr>
-          <p:nvPr>
-            <p:ph sz="quarter" idx="4"/>
-          </p:nvPr>
-        </p:nvSpPr>
-        <p:spPr>
-          <a:xfrm>
-            <a:off x="2086377" y="4364659"/>
-            <a:ext cx="8203843" cy="2493341"/>
-          </a:xfrm>
-        </p:spPr>
-        <p:txBody>
-          <a:bodyPr>
-            <a:normAutofit/>
-          </a:bodyPr>
-          <a:lstStyle/>
-          <a:p>
-            <a:pPr marL="0" indent="0">
-              <a:buNone/>
-            </a:pPr>
-            <a:r>
-              <a:rPr lang="it-IT" dirty="0" smtClean="0"/>
-              <a:t>Nell’applicazione </a:t>
-            </a:r>
-            <a:r>
-              <a:rPr lang="it-IT" dirty="0" err="1" smtClean="0"/>
-              <a:t>TitanicAssistance</a:t>
-            </a:r>
-            <a:r>
-              <a:rPr lang="it-IT" dirty="0" smtClean="0"/>
-              <a:t> sono stati applicati (o non violati) i seguenti principi:</a:t>
-            </a:r>
-          </a:p>
-          <a:p>
-            <a:r>
-              <a:rPr lang="it-IT" dirty="0" smtClean="0"/>
-              <a:t>Singola </a:t>
-            </a:r>
-            <a:r>
-              <a:rPr lang="it-IT" dirty="0" err="1" smtClean="0"/>
-              <a:t>responsablità</a:t>
-            </a:r>
-            <a:endParaRPr lang="it-IT" dirty="0" smtClean="0"/>
-          </a:p>
-          <a:p>
-            <a:r>
-              <a:rPr lang="it-IT" dirty="0" smtClean="0"/>
-              <a:t>Apertura – Chiusura </a:t>
-            </a:r>
-            <a:endParaRPr lang="it-IT" dirty="0" smtClean="0"/>
-          </a:p>
-          <a:p>
-            <a:r>
-              <a:rPr lang="it-IT" dirty="0" smtClean="0"/>
-              <a:t>Sostituzione di </a:t>
-            </a:r>
-            <a:r>
-              <a:rPr lang="it-IT" dirty="0" err="1" smtClean="0"/>
-              <a:t>Lisikov</a:t>
-            </a:r>
-            <a:r>
-              <a:rPr lang="it-IT" dirty="0" smtClean="0"/>
-              <a:t> </a:t>
-            </a:r>
-            <a:endParaRPr lang="it-IT" dirty="0" smtClean="0"/>
-          </a:p>
-          <a:p>
-            <a:r>
-              <a:rPr lang="it-IT" dirty="0" smtClean="0"/>
-              <a:t>Inversione delle dipendenze (non violato)</a:t>
-            </a:r>
-            <a:endParaRPr lang="it-IT" dirty="0" smtClean="0"/>
-          </a:p>
-          <a:p>
-            <a:pPr marL="0" indent="0">
-              <a:buNone/>
-            </a:pPr>
-            <a:endParaRPr lang="it-IT" dirty="0"/>
-          </a:p>
-        </p:txBody>
-      </p:sp>
+      </p:pic>
     </p:spTree>
     <p:extLst>
       <p:ext uri="{BB962C8B-B14F-4D97-AF65-F5344CB8AC3E}">
-        <p14:creationId xmlns:p14="http://schemas.microsoft.com/office/powerpoint/2010/main" val="2545974804"/>
+        <p14:creationId xmlns:p14="http://schemas.microsoft.com/office/powerpoint/2010/main" val="1968787704"/>
       </p:ext>
     </p:extLst>
   </p:cSld>
@@ -8652,7 +8239,7 @@
       </p:grpSpPr>
       <p:sp>
         <p:nvSpPr>
-          <p:cNvPr id="4" name="Titolo 3"/>
+          <p:cNvPr id="2" name="Titolo 1"/>
           <p:cNvSpPr>
             <a:spLocks noGrp="1"/>
           </p:cNvSpPr>
@@ -8662,7 +8249,7 @@
         </p:nvSpPr>
         <p:spPr>
           <a:xfrm>
-            <a:off x="2589212" y="2303448"/>
+            <a:off x="2550576" y="2303448"/>
             <a:ext cx="8915399" cy="1468800"/>
           </a:xfrm>
         </p:spPr>
@@ -8676,7 +8263,7 @@
                   <a:srgbClr val="2E5369"/>
                 </a:solidFill>
               </a:rPr>
-              <a:t>Test</a:t>
+              <a:t>Principi SOLID</a:t>
             </a:r>
             <a:endParaRPr lang="it-IT" dirty="0">
               <a:solidFill>
@@ -8689,7 +8276,7 @@
     </p:spTree>
     <p:extLst>
       <p:ext uri="{BB962C8B-B14F-4D97-AF65-F5344CB8AC3E}">
-        <p14:creationId xmlns:p14="http://schemas.microsoft.com/office/powerpoint/2010/main" val="1394529009"/>
+        <p14:creationId xmlns:p14="http://schemas.microsoft.com/office/powerpoint/2010/main" val="2651722085"/>
       </p:ext>
     </p:extLst>
   </p:cSld>
@@ -8725,7 +8312,7 @@
       </p:grpSpPr>
       <p:sp>
         <p:nvSpPr>
-          <p:cNvPr id="4" name="Titolo 3"/>
+          <p:cNvPr id="10" name="Titolo 9"/>
           <p:cNvSpPr>
             <a:spLocks noGrp="1"/>
           </p:cNvSpPr>
@@ -8733,95 +8320,18 @@
             <p:ph type="title"/>
           </p:nvPr>
         </p:nvSpPr>
-        <p:spPr>
-          <a:xfrm>
-            <a:off x="2592924" y="624109"/>
-            <a:ext cx="8911687" cy="1655451"/>
-          </a:xfrm>
-        </p:spPr>
-        <p:txBody>
-          <a:bodyPr>
-            <a:normAutofit fontScale="90000"/>
-          </a:bodyPr>
+        <p:spPr/>
+        <p:txBody>
+          <a:bodyPr/>
           <a:lstStyle/>
           <a:p>
-            <a:r>
-              <a:rPr lang="it-IT" sz="3100" dirty="0" smtClean="0">
-                <a:solidFill>
-                  <a:srgbClr val="2E5369"/>
-                </a:solidFill>
-              </a:rPr>
-              <a:t>Utilizzo del White Box </a:t>
-            </a:r>
-            <a:r>
-              <a:rPr lang="it-IT" sz="3100" dirty="0" err="1" smtClean="0">
-                <a:solidFill>
-                  <a:srgbClr val="2E5369"/>
-                </a:solidFill>
-              </a:rPr>
-              <a:t>Testing</a:t>
-            </a:r>
             <a:r>
               <a:rPr lang="it-IT" dirty="0" smtClean="0">
                 <a:solidFill>
                   <a:srgbClr val="2E5369"/>
                 </a:solidFill>
               </a:rPr>
-              <a:t/>
-            </a:r>
-            <a:br>
-              <a:rPr lang="it-IT" dirty="0" smtClean="0">
-                <a:solidFill>
-                  <a:srgbClr val="2E5369"/>
-                </a:solidFill>
-              </a:rPr>
-            </a:br>
-            <a:r>
-              <a:rPr lang="it-IT" sz="1800" dirty="0" smtClean="0">
-                <a:solidFill>
-                  <a:srgbClr val="2E5369"/>
-                </a:solidFill>
-              </a:rPr>
-              <a:t/>
-            </a:r>
-            <a:br>
-              <a:rPr lang="it-IT" sz="1800" dirty="0" smtClean="0">
-                <a:solidFill>
-                  <a:srgbClr val="2E5369"/>
-                </a:solidFill>
-              </a:rPr>
-            </a:br>
-            <a:r>
-              <a:rPr lang="it-IT" sz="1800" dirty="0" smtClean="0">
-                <a:solidFill>
-                  <a:srgbClr val="2E5369"/>
-                </a:solidFill>
-              </a:rPr>
-              <a:t>Solitamente viene usato per la sola fase di Unit Test, ma in questo progetto è stato utilizzato anche per la fase di System test; i test verranno eseguiti sia per </a:t>
-            </a:r>
-            <a:r>
-              <a:rPr lang="it-IT" sz="1800" dirty="0" err="1" smtClean="0">
-                <a:solidFill>
-                  <a:srgbClr val="2E5369"/>
-                </a:solidFill>
-              </a:rPr>
-              <a:t>NeptuneRescue</a:t>
-            </a:r>
-            <a:r>
-              <a:rPr lang="it-IT" sz="1800" dirty="0" smtClean="0">
-                <a:solidFill>
-                  <a:srgbClr val="2E5369"/>
-                </a:solidFill>
-              </a:rPr>
-              <a:t> sia per </a:t>
-            </a:r>
-            <a:r>
-              <a:rPr lang="it-IT" sz="1800" dirty="0" err="1" smtClean="0">
-                <a:solidFill>
-                  <a:srgbClr val="2E5369"/>
-                </a:solidFill>
-              </a:rPr>
-              <a:t>TitanicAssistance</a:t>
+              <a:t>Legenda dei principi SOLID</a:t>
             </a:r>
             <a:endParaRPr lang="it-IT" dirty="0">
               <a:solidFill>
@@ -8833,141 +8343,208 @@
       </p:sp>
       <p:sp>
         <p:nvSpPr>
-          <p:cNvPr id="6" name="Segnaposto contenuto 5"/>
-          <p:cNvSpPr>
-            <a:spLocks noGrp="1"/>
-          </p:cNvSpPr>
-          <p:nvPr>
-            <p:ph sz="half" idx="1"/>
-          </p:nvPr>
-        </p:nvSpPr>
-        <p:spPr>
-          <a:xfrm>
-            <a:off x="2592924" y="2661634"/>
-            <a:ext cx="3691966" cy="3777622"/>
-          </a:xfrm>
-        </p:spPr>
-        <p:txBody>
-          <a:bodyPr/>
+          <p:cNvPr id="11" name="Segnaposto contenuto 10"/>
+          <p:cNvSpPr>
+            <a:spLocks noGrp="1"/>
+          </p:cNvSpPr>
+          <p:nvPr>
+            <p:ph idx="1"/>
+          </p:nvPr>
+        </p:nvSpPr>
+        <p:spPr/>
+        <p:txBody>
+          <a:bodyPr>
+            <a:normAutofit lnSpcReduction="10000"/>
+          </a:bodyPr>
           <a:lstStyle/>
           <a:p>
             <a:r>
+              <a:rPr lang="it-IT" b="1" dirty="0"/>
+              <a:t>Single </a:t>
+            </a:r>
+            <a:r>
+              <a:rPr lang="it-IT" b="1" dirty="0" err="1" smtClean="0"/>
+              <a:t>responsibility</a:t>
+            </a:r>
+            <a:r>
+              <a:rPr lang="it-IT" b="1" dirty="0" smtClean="0"/>
+              <a:t>: </a:t>
+            </a:r>
+            <a:r>
+              <a:rPr lang="it-IT" dirty="0"/>
+              <a:t>Una classe dovrebbe avere una sola ragione per cambiare</a:t>
+            </a:r>
+            <a:endParaRPr lang="it-IT" b="1" dirty="0" smtClean="0"/>
+          </a:p>
+          <a:p>
+            <a:r>
+              <a:rPr lang="it-IT" b="1" dirty="0"/>
+              <a:t>Open </a:t>
+            </a:r>
+            <a:r>
+              <a:rPr lang="it-IT" b="1" dirty="0" err="1" smtClean="0"/>
+              <a:t>close</a:t>
+            </a:r>
+            <a:r>
+              <a:rPr lang="it-IT" b="1" dirty="0" smtClean="0"/>
+              <a:t>: </a:t>
+            </a:r>
+            <a:r>
+              <a:rPr lang="it-IT" dirty="0"/>
+              <a:t>Le </a:t>
+            </a:r>
+            <a:r>
+              <a:rPr lang="it-IT" dirty="0" err="1"/>
+              <a:t>entita</a:t>
+            </a:r>
+            <a:r>
+              <a:rPr lang="it-IT" dirty="0"/>
+              <a:t> </a:t>
+            </a:r>
+            <a:r>
               <a:rPr lang="it-IT" dirty="0" smtClean="0"/>
-              <a:t>Pianificando lo Unit Test, gli sviluppatori delle applicazioni sono tenuti ad eseguire </a:t>
+              <a:t>dovrebbe </a:t>
             </a:r>
             <a:r>
               <a:rPr lang="it-IT" dirty="0"/>
-              <a:t>test di unità per assicurarsi che </a:t>
+              <a:t>essere </a:t>
             </a:r>
             <a:r>
               <a:rPr lang="it-IT" dirty="0" smtClean="0"/>
-              <a:t>le singole </a:t>
+              <a:t>aperte </a:t>
             </a:r>
             <a:r>
               <a:rPr lang="it-IT" dirty="0"/>
-              <a:t>unità di sviluppo </a:t>
+              <a:t>per </a:t>
             </a:r>
             <a:r>
               <a:rPr lang="it-IT" dirty="0" smtClean="0"/>
-              <a:t>assolvano </a:t>
+              <a:t>le estensioni</a:t>
             </a:r>
             <a:r>
               <a:rPr lang="it-IT" dirty="0"/>
-              <a:t>le </a:t>
+              <a:t>, ma </a:t>
             </a:r>
             <a:r>
               <a:rPr lang="it-IT" dirty="0" smtClean="0"/>
-              <a:t>loro </a:t>
+              <a:t>chiuse </a:t>
             </a:r>
             <a:r>
               <a:rPr lang="it-IT" dirty="0"/>
-              <a:t>funzioni seguendo i </a:t>
+              <a:t>alle </a:t>
+            </a:r>
+            <a:r>
+              <a:rPr lang="it-IT" dirty="0" err="1"/>
+              <a:t>modificaioni</a:t>
+            </a:r>
+            <a:r>
+              <a:rPr lang="it-IT" dirty="0"/>
+              <a:t>.</a:t>
+            </a:r>
+            <a:endParaRPr lang="it-IT" b="1" dirty="0" smtClean="0"/>
+          </a:p>
+          <a:p>
+            <a:r>
+              <a:rPr lang="it-IT" b="1" dirty="0" err="1" smtClean="0"/>
+              <a:t>Liskov</a:t>
+            </a:r>
+            <a:r>
+              <a:rPr lang="it-IT" b="1" dirty="0" smtClean="0"/>
+              <a:t>: </a:t>
             </a:r>
             <a:r>
               <a:rPr lang="it-IT" dirty="0" smtClean="0"/>
-              <a:t>requisiti.</a:t>
-            </a:r>
-          </a:p>
-          <a:p>
-            <a:endParaRPr lang="it-IT" dirty="0" smtClean="0"/>
-          </a:p>
-        </p:txBody>
-      </p:sp>
-      <p:sp>
-        <p:nvSpPr>
-          <p:cNvPr id="7" name="Segnaposto contenuto 6"/>
-          <p:cNvSpPr>
-            <a:spLocks noGrp="1"/>
-          </p:cNvSpPr>
-          <p:nvPr>
-            <p:ph sz="half" idx="2"/>
-          </p:nvPr>
-        </p:nvSpPr>
-        <p:spPr>
-          <a:xfrm>
-            <a:off x="6284890" y="2661634"/>
-            <a:ext cx="5103811" cy="3777622"/>
-          </a:xfrm>
-        </p:spPr>
-        <p:txBody>
-          <a:bodyPr/>
-          <a:lstStyle/>
-          <a:p>
+              <a:t>I sottotipi </a:t>
+            </a:r>
+            <a:r>
+              <a:rPr lang="it-IT" dirty="0"/>
+              <a:t>dovrebbero essere sostituibili per i </a:t>
+            </a:r>
+            <a:r>
+              <a:rPr lang="it-IT" dirty="0" err="1" smtClean="0"/>
+              <a:t>supertipi</a:t>
+            </a:r>
             <a:r>
               <a:rPr lang="it-IT" dirty="0" smtClean="0"/>
-              <a:t>Pianificando il System Test verranno controllati:</a:t>
-            </a:r>
-          </a:p>
-          <a:p>
-            <a:pPr lvl="1">
-              <a:buFont typeface="+mj-lt"/>
-              <a:buAutoNum type="arabicPeriod"/>
-            </a:pPr>
-            <a:r>
-              <a:rPr lang="it-IT" u="sng" dirty="0" smtClean="0"/>
-              <a:t>Prestazioni</a:t>
+              <a:t>; </a:t>
+            </a:r>
+            <a:r>
+              <a:rPr lang="it-IT" dirty="0"/>
+              <a:t>le classi figlie non devono mai rompere la definizione delle classi genitrici</a:t>
+            </a:r>
+            <a:endParaRPr lang="it-IT" b="1" dirty="0" smtClean="0"/>
+          </a:p>
+          <a:p>
+            <a:r>
+              <a:rPr lang="it-IT" b="1" dirty="0" smtClean="0"/>
+              <a:t>Interface </a:t>
+            </a:r>
+            <a:r>
+              <a:rPr lang="it-IT" b="1" dirty="0" err="1" smtClean="0"/>
+              <a:t>segregation</a:t>
+            </a:r>
+            <a:r>
+              <a:rPr lang="it-IT" b="1" dirty="0" smtClean="0"/>
+              <a:t>: </a:t>
             </a:r>
             <a:r>
               <a:rPr lang="it-IT" dirty="0" smtClean="0"/>
-              <a:t>, tramite gli stress test</a:t>
-            </a:r>
-          </a:p>
-          <a:p>
-            <a:pPr lvl="1">
-              <a:buFont typeface="+mj-lt"/>
-              <a:buAutoNum type="arabicPeriod"/>
-            </a:pPr>
-            <a:r>
-              <a:rPr lang="it-IT" u="sng" dirty="0" smtClean="0"/>
-              <a:t>Robustezza</a:t>
+              <a:t>I Client non dovrebbero essere costretti ad usare interfacce che non possono usare</a:t>
+            </a:r>
+            <a:endParaRPr lang="it-IT" b="1" dirty="0" smtClean="0"/>
+          </a:p>
+          <a:p>
+            <a:r>
+              <a:rPr lang="it-IT" b="1" dirty="0" err="1" smtClean="0"/>
+              <a:t>Dependency</a:t>
+            </a:r>
+            <a:r>
+              <a:rPr lang="it-IT" b="1" dirty="0" smtClean="0"/>
+              <a:t> </a:t>
+            </a:r>
+            <a:r>
+              <a:rPr lang="it-IT" b="1" dirty="0" err="1" smtClean="0"/>
+              <a:t>inversion</a:t>
+            </a:r>
+            <a:r>
+              <a:rPr lang="it-IT" b="1" dirty="0" smtClean="0"/>
+              <a:t>: </a:t>
+            </a:r>
+            <a:r>
+              <a:rPr lang="it-IT" dirty="0"/>
+              <a:t>Un modulo ad alto livello non dovrebbe dipendere </a:t>
             </a:r>
             <a:r>
               <a:rPr lang="it-IT" dirty="0" smtClean="0"/>
-              <a:t>, tramite inserimento di dati incorretti</a:t>
-            </a:r>
-            <a:endParaRPr lang="it-IT" u="sng" dirty="0" smtClean="0"/>
-          </a:p>
-          <a:p>
-            <a:pPr lvl="1">
-              <a:buFont typeface="+mj-lt"/>
-              <a:buAutoNum type="arabicPeriod"/>
-            </a:pPr>
-            <a:r>
-              <a:rPr lang="it-IT" u="sng" dirty="0" smtClean="0"/>
-              <a:t>Sicurezza</a:t>
+              <a:t>dai moduli </a:t>
+            </a:r>
+            <a:r>
+              <a:rPr lang="it-IT" dirty="0"/>
+              <a:t>a basso </a:t>
             </a:r>
             <a:r>
               <a:rPr lang="it-IT" dirty="0" smtClean="0"/>
-              <a:t>, tramite l’individuazione delle vulnerabilità del sistema</a:t>
-            </a:r>
-            <a:endParaRPr lang="it-IT" dirty="0"/>
+              <a:t>livello; entrambi </a:t>
+            </a:r>
+            <a:r>
+              <a:rPr lang="it-IT" dirty="0"/>
+              <a:t>dovrebbero dipendere dalle </a:t>
+            </a:r>
+            <a:r>
+              <a:rPr lang="it-IT" dirty="0" smtClean="0"/>
+              <a:t>astrazioni. Le </a:t>
+            </a:r>
+            <a:r>
+              <a:rPr lang="it-IT" dirty="0"/>
+              <a:t>astrazioni non dovrebbe dipendere dai dettagli, sono i dettagli che devono dipendere dalle astrazioni.</a:t>
+            </a:r>
           </a:p>
         </p:txBody>
       </p:sp>
     </p:spTree>
     <p:extLst>
       <p:ext uri="{BB962C8B-B14F-4D97-AF65-F5344CB8AC3E}">
-        <p14:creationId xmlns:p14="http://schemas.microsoft.com/office/powerpoint/2010/main" val="1040553838"/>
+        <p14:creationId xmlns:p14="http://schemas.microsoft.com/office/powerpoint/2010/main" val="3966660912"/>
       </p:ext>
     </p:extLst>
   </p:cSld>
@@ -9003,7 +8580,7 @@
       </p:grpSpPr>
       <p:sp>
         <p:nvSpPr>
-          <p:cNvPr id="4" name="Titolo 3"/>
+          <p:cNvPr id="2" name="Titolo 1"/>
           <p:cNvSpPr>
             <a:spLocks noGrp="1"/>
           </p:cNvSpPr>
@@ -9013,23 +8590,25 @@
         </p:nvSpPr>
         <p:spPr>
           <a:xfrm>
-            <a:off x="2589212" y="2303448"/>
-            <a:ext cx="8915399" cy="1468800"/>
+            <a:off x="2565138" y="624190"/>
+            <a:ext cx="8732909" cy="1280890"/>
           </a:xfrm>
         </p:spPr>
         <p:txBody>
-          <a:bodyPr/>
+          <a:bodyPr>
+            <a:normAutofit/>
+          </a:bodyPr>
           <a:lstStyle/>
           <a:p>
             <a:r>
-              <a:rPr lang="it-IT" dirty="0" smtClean="0">
+              <a:rPr lang="it-IT" sz="2800" dirty="0" smtClean="0">
                 <a:solidFill>
                   <a:srgbClr val="2E5369"/>
                 </a:solidFill>
               </a:rPr>
-              <a:t>Esecuzione dei Test</a:t>
-            </a:r>
-            <a:endParaRPr lang="it-IT" dirty="0">
+              <a:t>Utilizzo dei principi SOLID nelle applicazioni:</a:t>
+            </a:r>
+            <a:endParaRPr lang="it-IT" sz="2800" dirty="0">
               <a:solidFill>
                 <a:srgbClr val="2E5369"/>
               </a:solidFill>
@@ -9037,10 +8616,246 @@
           </a:p>
         </p:txBody>
       </p:sp>
+      <p:sp>
+        <p:nvSpPr>
+          <p:cNvPr id="4" name="Segnaposto testo 3"/>
+          <p:cNvSpPr>
+            <a:spLocks noGrp="1"/>
+          </p:cNvSpPr>
+          <p:nvPr>
+            <p:ph type="body" idx="1"/>
+          </p:nvPr>
+        </p:nvSpPr>
+        <p:spPr>
+          <a:xfrm>
+            <a:off x="1151738" y="1295056"/>
+            <a:ext cx="3992732" cy="576262"/>
+          </a:xfrm>
+        </p:spPr>
+        <p:txBody>
+          <a:bodyPr/>
+          <a:lstStyle/>
+          <a:p>
+            <a:pPr algn="ctr"/>
+            <a:r>
+              <a:rPr lang="it-IT" u="sng" dirty="0" err="1" smtClean="0"/>
+              <a:t>NeptuneRescue</a:t>
+            </a:r>
+            <a:endParaRPr lang="it-IT" u="sng" dirty="0"/>
+          </a:p>
+        </p:txBody>
+      </p:sp>
+      <p:sp>
+        <p:nvSpPr>
+          <p:cNvPr id="5" name="Segnaposto contenuto 4"/>
+          <p:cNvSpPr>
+            <a:spLocks noGrp="1"/>
+          </p:cNvSpPr>
+          <p:nvPr>
+            <p:ph sz="half" idx="2"/>
+          </p:nvPr>
+        </p:nvSpPr>
+        <p:spPr>
+          <a:xfrm>
+            <a:off x="2086377" y="1905080"/>
+            <a:ext cx="9916733" cy="2299375"/>
+          </a:xfrm>
+        </p:spPr>
+        <p:txBody>
+          <a:bodyPr>
+            <a:normAutofit/>
+          </a:bodyPr>
+          <a:lstStyle/>
+          <a:p>
+            <a:pPr marL="0" indent="0" algn="just">
+              <a:buNone/>
+            </a:pPr>
+            <a:r>
+              <a:rPr lang="it-IT" dirty="0" smtClean="0"/>
+              <a:t>Nell’applicazione </a:t>
+            </a:r>
+            <a:r>
+              <a:rPr lang="it-IT" dirty="0" err="1" smtClean="0"/>
+              <a:t>NeptuneRecue</a:t>
+            </a:r>
+            <a:r>
+              <a:rPr lang="it-IT" dirty="0" smtClean="0"/>
+              <a:t> sono stati applicati (o non violati) i seguenti principi:</a:t>
+            </a:r>
+          </a:p>
+          <a:p>
+            <a:r>
+              <a:rPr lang="it-IT" dirty="0"/>
+              <a:t>Singola </a:t>
+            </a:r>
+            <a:r>
+              <a:rPr lang="it-IT" dirty="0" err="1"/>
+              <a:t>responsablità</a:t>
+            </a:r>
+            <a:endParaRPr lang="it-IT" dirty="0"/>
+          </a:p>
+          <a:p>
+            <a:r>
+              <a:rPr lang="it-IT" dirty="0"/>
+              <a:t>Apertura – Chiusura </a:t>
+            </a:r>
+          </a:p>
+          <a:p>
+            <a:r>
+              <a:rPr lang="it-IT" dirty="0"/>
+              <a:t>Sostituzione di </a:t>
+            </a:r>
+            <a:r>
+              <a:rPr lang="it-IT" dirty="0" err="1"/>
+              <a:t>Lisikov</a:t>
+            </a:r>
+            <a:r>
+              <a:rPr lang="it-IT" dirty="0"/>
+              <a:t> </a:t>
+            </a:r>
+          </a:p>
+          <a:p>
+            <a:r>
+              <a:rPr lang="it-IT" dirty="0"/>
+              <a:t>Inversione delle dipendenze (non violato)</a:t>
+            </a:r>
+          </a:p>
+          <a:p>
+            <a:pPr marL="0" indent="0" algn="just">
+              <a:buNone/>
+            </a:pPr>
+            <a:endParaRPr lang="it-IT" dirty="0" smtClean="0"/>
+          </a:p>
+          <a:p>
+            <a:pPr marL="0" indent="0" algn="just">
+              <a:buNone/>
+            </a:pPr>
+            <a:endParaRPr lang="it-IT" dirty="0" smtClean="0"/>
+          </a:p>
+          <a:p>
+            <a:pPr marL="0" indent="0">
+              <a:buNone/>
+            </a:pPr>
+            <a:endParaRPr lang="it-IT" dirty="0"/>
+          </a:p>
+        </p:txBody>
+      </p:sp>
+      <p:sp>
+        <p:nvSpPr>
+          <p:cNvPr id="6" name="Segnaposto testo 5"/>
+          <p:cNvSpPr>
+            <a:spLocks noGrp="1"/>
+          </p:cNvSpPr>
+          <p:nvPr>
+            <p:ph type="body" sz="quarter" idx="3"/>
+          </p:nvPr>
+        </p:nvSpPr>
+        <p:spPr>
+          <a:xfrm>
+            <a:off x="1151738" y="3788397"/>
+            <a:ext cx="3999001" cy="576262"/>
+          </a:xfrm>
+        </p:spPr>
+        <p:txBody>
+          <a:bodyPr/>
+          <a:lstStyle/>
+          <a:p>
+            <a:pPr algn="ctr"/>
+            <a:r>
+              <a:rPr lang="it-IT" u="sng" dirty="0" err="1" smtClean="0"/>
+              <a:t>TitanicAssistance</a:t>
+            </a:r>
+            <a:endParaRPr lang="it-IT" u="sng" dirty="0"/>
+          </a:p>
+        </p:txBody>
+      </p:sp>
+      <p:sp>
+        <p:nvSpPr>
+          <p:cNvPr id="7" name="Segnaposto contenuto 6"/>
+          <p:cNvSpPr>
+            <a:spLocks noGrp="1"/>
+          </p:cNvSpPr>
+          <p:nvPr>
+            <p:ph sz="quarter" idx="4"/>
+          </p:nvPr>
+        </p:nvSpPr>
+        <p:spPr>
+          <a:xfrm>
+            <a:off x="2086377" y="4364659"/>
+            <a:ext cx="8203843" cy="2493341"/>
+          </a:xfrm>
+        </p:spPr>
+        <p:txBody>
+          <a:bodyPr>
+            <a:normAutofit/>
+          </a:bodyPr>
+          <a:lstStyle/>
+          <a:p>
+            <a:pPr marL="0" indent="0">
+              <a:buNone/>
+            </a:pPr>
+            <a:r>
+              <a:rPr lang="it-IT" dirty="0" smtClean="0"/>
+              <a:t>Nell’applicazione </a:t>
+            </a:r>
+            <a:r>
+              <a:rPr lang="it-IT" dirty="0" err="1" smtClean="0"/>
+              <a:t>TitanicAssistance</a:t>
+            </a:r>
+            <a:r>
+              <a:rPr lang="it-IT" dirty="0" smtClean="0"/>
+              <a:t> sono stati applicati (o non violati) i seguenti principi:</a:t>
+            </a:r>
+          </a:p>
+          <a:p>
+            <a:r>
+              <a:rPr lang="it-IT" dirty="0" smtClean="0"/>
+              <a:t>Singola </a:t>
+            </a:r>
+            <a:r>
+              <a:rPr lang="it-IT" dirty="0" err="1" smtClean="0"/>
+              <a:t>responsablità</a:t>
+            </a:r>
+            <a:endParaRPr lang="it-IT" dirty="0" smtClean="0"/>
+          </a:p>
+          <a:p>
+            <a:r>
+              <a:rPr lang="it-IT" dirty="0" smtClean="0"/>
+              <a:t>Apertura – Chiusura </a:t>
+            </a:r>
+          </a:p>
+          <a:p>
+            <a:r>
+              <a:rPr lang="it-IT" dirty="0" smtClean="0"/>
+              <a:t>Sostituzione di </a:t>
+            </a:r>
+            <a:r>
+              <a:rPr lang="it-IT" dirty="0" err="1" smtClean="0"/>
+              <a:t>Lisikov</a:t>
+            </a:r>
+            <a:r>
+              <a:rPr lang="it-IT" dirty="0" smtClean="0"/>
+              <a:t> </a:t>
+            </a:r>
+          </a:p>
+          <a:p>
+            <a:r>
+              <a:rPr lang="it-IT" dirty="0" smtClean="0"/>
+              <a:t>Inversione delle dipendenze (non violato)</a:t>
+            </a:r>
+          </a:p>
+          <a:p>
+            <a:pPr marL="0" indent="0">
+              <a:buNone/>
+            </a:pPr>
+            <a:endParaRPr lang="it-IT" dirty="0"/>
+          </a:p>
+        </p:txBody>
+      </p:sp>
     </p:spTree>
     <p:extLst>
       <p:ext uri="{BB962C8B-B14F-4D97-AF65-F5344CB8AC3E}">
-        <p14:creationId xmlns:p14="http://schemas.microsoft.com/office/powerpoint/2010/main" val="3173232711"/>
+        <p14:creationId xmlns:p14="http://schemas.microsoft.com/office/powerpoint/2010/main" val="2545974804"/>
       </p:ext>
     </p:extLst>
   </p:cSld>
@@ -9086,33 +8901,23 @@
         </p:nvSpPr>
         <p:spPr>
           <a:xfrm>
-            <a:off x="2434107" y="688505"/>
-            <a:ext cx="9070505" cy="1280890"/>
+            <a:off x="2589212" y="2303448"/>
+            <a:ext cx="8915399" cy="1468800"/>
           </a:xfrm>
         </p:spPr>
         <p:txBody>
-          <a:bodyPr>
-            <a:normAutofit/>
-          </a:bodyPr>
+          <a:bodyPr/>
           <a:lstStyle/>
           <a:p>
             <a:r>
-              <a:rPr lang="it-IT" sz="2800" dirty="0" smtClean="0">
+              <a:rPr lang="it-IT" dirty="0" smtClean="0">
                 <a:solidFill>
                   <a:srgbClr val="2E5369"/>
                 </a:solidFill>
               </a:rPr>
-              <a:t>Svolgimento </a:t>
-            </a:r>
-            <a:r>
-              <a:rPr lang="it-IT" sz="2800" dirty="0" smtClean="0">
-                <a:solidFill>
-                  <a:srgbClr val="2E5369"/>
-                </a:solidFill>
-              </a:rPr>
-              <a:t>dei Test</a:t>
-            </a:r>
-            <a:endParaRPr lang="it-IT" sz="2800" dirty="0">
+              <a:t>Test</a:t>
+            </a:r>
+            <a:endParaRPr lang="it-IT" dirty="0">
               <a:solidFill>
                 <a:srgbClr val="2E5369"/>
               </a:solidFill>
@@ -9120,89 +8925,50 @@
           </a:p>
         </p:txBody>
       </p:sp>
-      <p:sp>
-        <p:nvSpPr>
-          <p:cNvPr id="5" name="Segnaposto contenuto 4"/>
-          <p:cNvSpPr>
-            <a:spLocks noGrp="1"/>
-          </p:cNvSpPr>
-          <p:nvPr>
-            <p:ph idx="1"/>
-          </p:nvPr>
-        </p:nvSpPr>
+      <p:pic>
+        <p:nvPicPr>
+          <p:cNvPr id="2" name="Immagine 1"/>
+          <p:cNvPicPr>
+            <a:picLocks noChangeAspect="1"/>
+          </p:cNvPicPr>
+          <p:nvPr/>
+        </p:nvPicPr>
+        <p:blipFill>
+          <a:blip r:embed="rId2">
+            <a:clrChange>
+              <a:clrFrom>
+                <a:srgbClr val="FFFFFF"/>
+              </a:clrFrom>
+              <a:clrTo>
+                <a:srgbClr val="FFFFFF">
+                  <a:alpha val="0"/>
+                </a:srgbClr>
+              </a:clrTo>
+            </a:clrChange>
+            <a:extLst>
+              <a:ext uri="{28A0092B-C50C-407E-A947-70E740481C1C}">
+                <a14:useLocalDpi xmlns:a14="http://schemas.microsoft.com/office/drawing/2010/main" val="0"/>
+              </a:ext>
+            </a:extLst>
+          </a:blip>
+          <a:stretch>
+            <a:fillRect/>
+          </a:stretch>
+        </p:blipFill>
         <p:spPr>
           <a:xfrm>
-            <a:off x="2434107" y="1811628"/>
-            <a:ext cx="9070505" cy="3777622"/>
+            <a:off x="6481334" y="3897129"/>
+            <a:ext cx="5359675" cy="2933851"/>
           </a:xfrm>
+          <a:prstGeom prst="rect">
+            <a:avLst/>
+          </a:prstGeom>
         </p:spPr>
-        <p:txBody>
-          <a:bodyPr/>
-          <a:lstStyle/>
-          <a:p>
-            <a:pPr marL="0" indent="0">
-              <a:buNone/>
-            </a:pPr>
-            <a:endParaRPr lang="it-IT" dirty="0" smtClean="0"/>
-          </a:p>
-          <a:p>
-            <a:pPr marL="0" indent="0">
-              <a:buNone/>
-            </a:pPr>
-            <a:endParaRPr lang="it-IT" dirty="0"/>
-          </a:p>
-          <a:p>
-            <a:pPr marL="0" indent="0">
-              <a:buNone/>
-            </a:pPr>
-            <a:r>
-              <a:rPr lang="it-IT" dirty="0" smtClean="0"/>
-              <a:t>Entrambe le applicazioni sono state testate da ogni membro del gruppo per verificare la presenza di errori o mancanze nel programma. </a:t>
-            </a:r>
-          </a:p>
-          <a:p>
-            <a:pPr marL="0" indent="0">
-              <a:buNone/>
-            </a:pPr>
-            <a:endParaRPr lang="it-IT" dirty="0" smtClean="0"/>
-          </a:p>
-          <a:p>
-            <a:pPr marL="0" indent="0">
-              <a:buNone/>
-            </a:pPr>
-            <a:endParaRPr lang="it-IT" dirty="0"/>
-          </a:p>
-          <a:p>
-            <a:pPr marL="0" indent="0">
-              <a:buNone/>
-            </a:pPr>
-            <a:r>
-              <a:rPr lang="it-IT" dirty="0" smtClean="0"/>
-              <a:t>È stato effettuato l’Integration Test tra i vari componenti mediante strategia top dow</a:t>
-            </a:r>
-            <a:r>
-              <a:rPr lang="it-IT" dirty="0" smtClean="0"/>
-              <a:t>n. </a:t>
-            </a:r>
-          </a:p>
-          <a:p>
-            <a:pPr marL="0" indent="0">
-              <a:buNone/>
-            </a:pPr>
-            <a:endParaRPr lang="it-IT" dirty="0" smtClean="0"/>
-          </a:p>
-          <a:p>
-            <a:pPr marL="0" indent="0">
-              <a:buNone/>
-            </a:pPr>
-            <a:endParaRPr lang="it-IT" dirty="0"/>
-          </a:p>
-        </p:txBody>
-      </p:sp>
+      </p:pic>
     </p:spTree>
     <p:extLst>
       <p:ext uri="{BB962C8B-B14F-4D97-AF65-F5344CB8AC3E}">
-        <p14:creationId xmlns:p14="http://schemas.microsoft.com/office/powerpoint/2010/main" val="3078276248"/>
+        <p14:creationId xmlns:p14="http://schemas.microsoft.com/office/powerpoint/2010/main" val="1394529009"/>
       </p:ext>
     </p:extLst>
   </p:cSld>
@@ -9238,7 +9004,7 @@
       </p:grpSpPr>
       <p:sp>
         <p:nvSpPr>
-          <p:cNvPr id="2" name="Titolo 1"/>
+          <p:cNvPr id="4" name="Titolo 3"/>
           <p:cNvSpPr>
             <a:spLocks noGrp="1"/>
           </p:cNvSpPr>
@@ -9246,38 +9012,177 @@
             <p:ph type="title"/>
           </p:nvPr>
         </p:nvSpPr>
-        <p:spPr/>
-        <p:txBody>
-          <a:bodyPr/>
+        <p:spPr>
+          <a:xfrm>
+            <a:off x="2592924" y="624110"/>
+            <a:ext cx="8911687" cy="921356"/>
+          </a:xfrm>
+        </p:spPr>
+        <p:txBody>
+          <a:bodyPr>
+            <a:normAutofit fontScale="90000"/>
+          </a:bodyPr>
           <a:lstStyle/>
           <a:p>
-            <a:endParaRPr lang="it-IT"/>
-          </a:p>
-        </p:txBody>
-      </p:sp>
-      <p:sp>
-        <p:nvSpPr>
-          <p:cNvPr id="3" name="Segnaposto contenuto 2"/>
-          <p:cNvSpPr>
-            <a:spLocks noGrp="1"/>
-          </p:cNvSpPr>
-          <p:nvPr>
-            <p:ph idx="1"/>
-          </p:nvPr>
-        </p:nvSpPr>
-        <p:spPr/>
-        <p:txBody>
-          <a:bodyPr/>
+            <a:r>
+              <a:rPr lang="it-IT" sz="3100" dirty="0" smtClean="0">
+                <a:solidFill>
+                  <a:srgbClr val="2E5369"/>
+                </a:solidFill>
+              </a:rPr>
+              <a:t>Test effettuati </a:t>
+            </a:r>
+            <a:r>
+              <a:rPr lang="it-IT" dirty="0" smtClean="0">
+                <a:solidFill>
+                  <a:srgbClr val="2E5369"/>
+                </a:solidFill>
+              </a:rPr>
+              <a:t/>
+            </a:r>
+            <a:br>
+              <a:rPr lang="it-IT" dirty="0" smtClean="0">
+                <a:solidFill>
+                  <a:srgbClr val="2E5369"/>
+                </a:solidFill>
+              </a:rPr>
+            </a:br>
+            <a:endParaRPr lang="it-IT" dirty="0">
+              <a:solidFill>
+                <a:srgbClr val="2E5369"/>
+              </a:solidFill>
+            </a:endParaRPr>
+          </a:p>
+        </p:txBody>
+      </p:sp>
+      <p:sp>
+        <p:nvSpPr>
+          <p:cNvPr id="6" name="Segnaposto contenuto 5"/>
+          <p:cNvSpPr>
+            <a:spLocks noGrp="1"/>
+          </p:cNvSpPr>
+          <p:nvPr>
+            <p:ph sz="half" idx="1"/>
+          </p:nvPr>
+        </p:nvSpPr>
+        <p:spPr>
+          <a:xfrm>
+            <a:off x="2592923" y="2197994"/>
+            <a:ext cx="9599077" cy="3777622"/>
+          </a:xfrm>
+        </p:spPr>
+        <p:txBody>
+          <a:bodyPr>
+            <a:normAutofit/>
+          </a:bodyPr>
           <a:lstStyle/>
           <a:p>
-            <a:endParaRPr lang="it-IT"/>
+            <a:r>
+              <a:rPr lang="it-IT" b="1" dirty="0" smtClean="0"/>
+              <a:t>Unit Test</a:t>
+            </a:r>
+            <a:r>
+              <a:rPr lang="it-IT" dirty="0" smtClean="0"/>
+              <a:t>:</a:t>
+            </a:r>
+            <a:r>
+              <a:rPr lang="it-IT" dirty="0" smtClean="0"/>
+              <a:t> </a:t>
+            </a:r>
+            <a:r>
+              <a:rPr lang="it-IT" dirty="0" smtClean="0"/>
+              <a:t>gli sviluppatori delle applicazioni sono tenuti ad eseguire </a:t>
+            </a:r>
+            <a:r>
+              <a:rPr lang="it-IT" dirty="0"/>
+              <a:t>test di unità per assicurarsi che </a:t>
+            </a:r>
+            <a:r>
+              <a:rPr lang="it-IT" dirty="0" smtClean="0"/>
+              <a:t>le singole </a:t>
+            </a:r>
+            <a:r>
+              <a:rPr lang="it-IT" dirty="0"/>
+              <a:t>unità di sviluppo </a:t>
+            </a:r>
+            <a:r>
+              <a:rPr lang="it-IT" dirty="0" smtClean="0"/>
+              <a:t>assolvano </a:t>
+            </a:r>
+            <a:r>
+              <a:rPr lang="it-IT" dirty="0"/>
+              <a:t>le </a:t>
+            </a:r>
+            <a:r>
+              <a:rPr lang="it-IT" dirty="0" smtClean="0"/>
+              <a:t>loro </a:t>
+            </a:r>
+            <a:r>
+              <a:rPr lang="it-IT" dirty="0"/>
+              <a:t>funzioni seguendo i </a:t>
+            </a:r>
+            <a:r>
+              <a:rPr lang="it-IT" dirty="0" smtClean="0"/>
+              <a:t>requisiti</a:t>
+            </a:r>
+            <a:r>
+              <a:rPr lang="it-IT" dirty="0" smtClean="0"/>
+              <a:t>.</a:t>
+            </a:r>
+          </a:p>
+          <a:p>
+            <a:r>
+              <a:rPr lang="it-IT" b="1" dirty="0" smtClean="0"/>
+              <a:t>Integration test: </a:t>
+            </a:r>
+            <a:r>
+              <a:rPr lang="it-IT" dirty="0" smtClean="0"/>
+              <a:t>avvenuto nella costruzione del sistema a partire dall</a:t>
+            </a:r>
+            <a:r>
+              <a:rPr lang="it-IT" dirty="0" smtClean="0"/>
+              <a:t>e sue componenti per scoprire problemi che nascono dall’interazione tra esse.</a:t>
+            </a:r>
+          </a:p>
+          <a:p>
+            <a:r>
+              <a:rPr lang="it-IT" b="1" dirty="0" err="1" smtClean="0"/>
+              <a:t>Robustness</a:t>
+            </a:r>
+            <a:r>
+              <a:rPr lang="it-IT" b="1" dirty="0" smtClean="0"/>
+              <a:t> test: </a:t>
+            </a:r>
+            <a:r>
+              <a:rPr lang="it-IT" dirty="0" smtClean="0"/>
+              <a:t>si è</a:t>
+            </a:r>
+            <a:r>
+              <a:rPr lang="it-IT" dirty="0" smtClean="0"/>
+              <a:t> testato il comportamento del sistema rispetto a ingressi non desiderati.</a:t>
+            </a:r>
+          </a:p>
+          <a:p>
+            <a:pPr marL="0" indent="0">
+              <a:buNone/>
+            </a:pPr>
+            <a:endParaRPr lang="it-IT" b="1" dirty="0" smtClean="0"/>
+          </a:p>
+          <a:p>
+            <a:pPr marL="0" indent="0" algn="r">
+              <a:buNone/>
+            </a:pPr>
+            <a:endParaRPr lang="it-IT" dirty="0" smtClean="0"/>
+          </a:p>
+          <a:p>
+            <a:endParaRPr lang="it-IT" dirty="0" smtClean="0"/>
           </a:p>
         </p:txBody>
       </p:sp>
     </p:spTree>
     <p:extLst>
       <p:ext uri="{BB962C8B-B14F-4D97-AF65-F5344CB8AC3E}">
-        <p14:creationId xmlns:p14="http://schemas.microsoft.com/office/powerpoint/2010/main" val="750477885"/>
+        <p14:creationId xmlns:p14="http://schemas.microsoft.com/office/powerpoint/2010/main" val="1040553838"/>
       </p:ext>
     </p:extLst>
   </p:cSld>
@@ -9352,7 +9257,7 @@
     </p:spTree>
     <p:extLst>
       <p:ext uri="{BB962C8B-B14F-4D97-AF65-F5344CB8AC3E}">
-        <p14:creationId xmlns:p14="http://schemas.microsoft.com/office/powerpoint/2010/main" val="3429703679"/>
+        <p14:creationId xmlns:p14="http://schemas.microsoft.com/office/powerpoint/2010/main" val="750477885"/>
       </p:ext>
     </p:extLst>
   </p:cSld>
@@ -9409,7 +9314,7 @@
             <a:r>
               <a:rPr lang="it-IT" dirty="0" err="1" smtClean="0">
                 <a:solidFill>
-                  <a:srgbClr val="2E5369"/>
+                  <a:schemeClr val="tx1"/>
                 </a:solidFill>
               </a:rPr>
               <a:t>Risk</a:t>
@@ -9417,14 +9322,14 @@
             <a:r>
               <a:rPr lang="it-IT" dirty="0" smtClean="0">
                 <a:solidFill>
-                  <a:srgbClr val="2E5369"/>
+                  <a:schemeClr val="tx1"/>
                 </a:solidFill>
               </a:rPr>
               <a:t> List</a:t>
             </a:r>
             <a:endParaRPr lang="it-IT" dirty="0">
               <a:solidFill>
-                <a:srgbClr val="2E5369"/>
+                <a:schemeClr val="tx1"/>
               </a:solidFill>
             </a:endParaRPr>
           </a:p>
@@ -9434,6 +9339,81 @@
     <p:extLst>
       <p:ext uri="{BB962C8B-B14F-4D97-AF65-F5344CB8AC3E}">
         <p14:creationId xmlns:p14="http://schemas.microsoft.com/office/powerpoint/2010/main" val="2319141159"/>
+      </p:ext>
+    </p:extLst>
+  </p:cSld>
+  <p:clrMapOvr>
+    <a:masterClrMapping/>
+  </p:clrMapOvr>
+  <p:timing>
+    <p:tnLst>
+      <p:par>
+        <p:cTn id="1" dur="indefinite" restart="never" nodeType="tmRoot"/>
+      </p:par>
+    </p:tnLst>
+  </p:timing>
+</p:sld>
+</file>
+
+<file path=ppt/slides/slide20.xml><?xml version="1.0" encoding="utf-8"?>
+<p:sld xmlns:a="http://schemas.openxmlformats.org/drawingml/2006/main" xmlns:r="http://schemas.openxmlformats.org/officeDocument/2006/relationships" xmlns:p="http://schemas.openxmlformats.org/presentationml/2006/main">
+  <p:cSld>
+    <p:spTree>
+      <p:nvGrpSpPr>
+        <p:cNvPr id="1" name=""/>
+        <p:cNvGrpSpPr/>
+        <p:nvPr/>
+      </p:nvGrpSpPr>
+      <p:grpSpPr>
+        <a:xfrm>
+          <a:off x="0" y="0"/>
+          <a:ext cx="0" cy="0"/>
+          <a:chOff x="0" y="0"/>
+          <a:chExt cx="0" cy="0"/>
+        </a:xfrm>
+      </p:grpSpPr>
+      <p:sp>
+        <p:nvSpPr>
+          <p:cNvPr id="2" name="Titolo 1"/>
+          <p:cNvSpPr>
+            <a:spLocks noGrp="1"/>
+          </p:cNvSpPr>
+          <p:nvPr>
+            <p:ph type="title"/>
+          </p:nvPr>
+        </p:nvSpPr>
+        <p:spPr/>
+        <p:txBody>
+          <a:bodyPr/>
+          <a:lstStyle/>
+          <a:p>
+            <a:endParaRPr lang="it-IT"/>
+          </a:p>
+        </p:txBody>
+      </p:sp>
+      <p:sp>
+        <p:nvSpPr>
+          <p:cNvPr id="3" name="Segnaposto contenuto 2"/>
+          <p:cNvSpPr>
+            <a:spLocks noGrp="1"/>
+          </p:cNvSpPr>
+          <p:nvPr>
+            <p:ph idx="1"/>
+          </p:nvPr>
+        </p:nvSpPr>
+        <p:spPr/>
+        <p:txBody>
+          <a:bodyPr/>
+          <a:lstStyle/>
+          <a:p>
+            <a:endParaRPr lang="it-IT"/>
+          </a:p>
+        </p:txBody>
+      </p:sp>
+    </p:spTree>
+    <p:extLst>
+      <p:ext uri="{BB962C8B-B14F-4D97-AF65-F5344CB8AC3E}">
+        <p14:creationId xmlns:p14="http://schemas.microsoft.com/office/powerpoint/2010/main" val="3429703679"/>
       </p:ext>
     </p:extLst>
   </p:cSld>
@@ -10990,49 +10970,108 @@
             <p:ph type="title"/>
           </p:nvPr>
         </p:nvSpPr>
+        <p:spPr/>
+        <p:txBody>
+          <a:bodyPr>
+            <a:normAutofit/>
+          </a:bodyPr>
+          <a:lstStyle/>
+          <a:p>
+            <a:r>
+              <a:rPr lang="it-IT" sz="3200" dirty="0" smtClean="0"/>
+              <a:t>Riuso</a:t>
+            </a:r>
+            <a:endParaRPr lang="it-IT" sz="3200" dirty="0"/>
+          </a:p>
+        </p:txBody>
+      </p:sp>
+      <p:sp>
+        <p:nvSpPr>
+          <p:cNvPr id="3" name="Segnaposto contenuto 2"/>
+          <p:cNvSpPr>
+            <a:spLocks noGrp="1"/>
+          </p:cNvSpPr>
+          <p:nvPr>
+            <p:ph idx="1"/>
+          </p:nvPr>
+        </p:nvSpPr>
         <p:spPr>
           <a:xfrm>
-            <a:off x="2589212" y="2303448"/>
-            <a:ext cx="8915399" cy="1468800"/>
+            <a:off x="2592925" y="2120721"/>
+            <a:ext cx="8915400" cy="3777622"/>
           </a:xfrm>
         </p:spPr>
         <p:txBody>
           <a:bodyPr/>
           <a:lstStyle/>
           <a:p>
-            <a:r>
-              <a:rPr lang="it-IT" dirty="0" smtClean="0">
-                <a:solidFill>
-                  <a:srgbClr val="2E5369"/>
-                </a:solidFill>
-              </a:rPr>
-              <a:t>Diagramma delle sequenze</a:t>
-            </a:r>
-            <a:endParaRPr lang="it-IT" dirty="0">
-              <a:solidFill>
-                <a:srgbClr val="2E5369"/>
-              </a:solidFill>
-            </a:endParaRPr>
+            <a:pPr marL="0" indent="0">
+              <a:buNone/>
+            </a:pPr>
+            <a:r>
+              <a:rPr lang="it-IT" dirty="0" smtClean="0"/>
+              <a:t>Gli approcci utilizzati sono:</a:t>
+            </a:r>
+          </a:p>
+          <a:p>
+            <a:r>
+              <a:rPr lang="it-IT" dirty="0" smtClean="0"/>
+              <a:t>Design pattern</a:t>
+            </a:r>
+          </a:p>
+          <a:p>
+            <a:r>
+              <a:rPr lang="it-IT" dirty="0" smtClean="0"/>
+              <a:t>Generatori (</a:t>
+            </a:r>
+            <a:r>
+              <a:rPr lang="it-IT" dirty="0" err="1" smtClean="0"/>
+              <a:t>getter</a:t>
+            </a:r>
+            <a:r>
+              <a:rPr lang="it-IT" dirty="0" smtClean="0"/>
+              <a:t>, setter, 9patch)</a:t>
+            </a:r>
+          </a:p>
+          <a:p>
+            <a:r>
+              <a:rPr lang="it-IT" dirty="0" smtClean="0"/>
+              <a:t>Riuso di classi e codice già presente in altri programmi </a:t>
+            </a:r>
+          </a:p>
+          <a:p>
+            <a:r>
+              <a:rPr lang="it-IT" dirty="0" smtClean="0"/>
+              <a:t>Framework </a:t>
+            </a:r>
+          </a:p>
+          <a:p>
+            <a:endParaRPr lang="it-IT" dirty="0"/>
+          </a:p>
+          <a:p>
+            <a:pPr marL="0" indent="0">
+              <a:buNone/>
+            </a:pPr>
+            <a:endParaRPr lang="it-IT" dirty="0" smtClean="0"/>
+          </a:p>
+          <a:p>
+            <a:pPr marL="0" indent="0">
+              <a:buNone/>
+            </a:pPr>
+            <a:endParaRPr lang="it-IT" dirty="0" smtClean="0"/>
           </a:p>
         </p:txBody>
       </p:sp>
     </p:spTree>
     <p:extLst>
       <p:ext uri="{BB962C8B-B14F-4D97-AF65-F5344CB8AC3E}">
-        <p14:creationId xmlns:p14="http://schemas.microsoft.com/office/powerpoint/2010/main" val="1273787775"/>
+        <p14:creationId xmlns:p14="http://schemas.microsoft.com/office/powerpoint/2010/main" val="1288301599"/>
       </p:ext>
     </p:extLst>
   </p:cSld>
   <p:clrMapOvr>
     <a:masterClrMapping/>
   </p:clrMapOvr>
-  <p:timing>
-    <p:tnLst>
-      <p:par>
-        <p:cTn id="1" dur="indefinite" restart="never" nodeType="tmRoot"/>
-      </p:par>
-    </p:tnLst>
-  </p:timing>
 </p:sld>
 </file>
 
@@ -11055,7 +11094,7 @@
       </p:grpSpPr>
       <p:sp>
         <p:nvSpPr>
-          <p:cNvPr id="4" name="Titolo 3"/>
+          <p:cNvPr id="2" name="Titolo 1"/>
           <p:cNvSpPr>
             <a:spLocks noGrp="1"/>
           </p:cNvSpPr>
@@ -11063,88 +11102,80 @@
             <p:ph type="title"/>
           </p:nvPr>
         </p:nvSpPr>
-        <p:spPr>
-          <a:xfrm>
-            <a:off x="2592925" y="675625"/>
-            <a:ext cx="9599075" cy="1280890"/>
-          </a:xfrm>
-        </p:spPr>
-        <p:txBody>
-          <a:bodyPr>
-            <a:normAutofit/>
-          </a:bodyPr>
+        <p:spPr/>
+        <p:txBody>
+          <a:bodyPr/>
           <a:lstStyle/>
           <a:p>
             <a:r>
-              <a:rPr lang="it-IT" sz="3200" dirty="0" smtClean="0">
-                <a:solidFill>
-                  <a:srgbClr val="2E5369"/>
-                </a:solidFill>
+              <a:rPr lang="it-IT" dirty="0" smtClean="0"/>
+              <a:t>Effetti del riuso						</a:t>
+            </a:r>
+            <a:endParaRPr lang="it-IT" dirty="0"/>
+          </a:p>
+        </p:txBody>
+      </p:sp>
+      <p:sp>
+        <p:nvSpPr>
+          <p:cNvPr id="3" name="Segnaposto contenuto 2"/>
+          <p:cNvSpPr>
+            <a:spLocks noGrp="1"/>
+          </p:cNvSpPr>
+          <p:nvPr>
+            <p:ph idx="1"/>
+          </p:nvPr>
+        </p:nvSpPr>
+        <p:spPr/>
+        <p:txBody>
+          <a:bodyPr/>
+          <a:lstStyle/>
+          <a:p>
+            <a:pPr marL="0" indent="0">
+              <a:buNone/>
+            </a:pPr>
+            <a:r>
+              <a:rPr lang="it-IT" dirty="0" smtClean="0"/>
+              <a:t>Si è cercato di creare all’interno delle applicazioni, ove possibile, componenti riusabili. Ciò ha comportato una serie di problemi:</a:t>
+            </a:r>
+          </a:p>
+          <a:p>
+            <a:r>
+              <a:rPr lang="it-IT" dirty="0" smtClean="0"/>
+              <a:t>I </a:t>
+            </a:r>
+            <a:r>
+              <a:rPr lang="it-IT" dirty="0" smtClean="0">
+                <a:sym typeface="Wingdings" panose="05000000000000000000" pitchFamily="2" charset="2"/>
               </a:rPr>
-              <a:t>Diagramma delle sequenze: </a:t>
-            </a:r>
-            <a:r>
-              <a:rPr lang="it-IT" sz="3200" dirty="0" smtClean="0">
-                <a:solidFill>
-                  <a:srgbClr val="2E5369"/>
-                </a:solidFill>
+              <a:t>tempi di sviluppo sono aumentati</a:t>
+            </a:r>
+          </a:p>
+          <a:p>
+            <a:r>
+              <a:rPr lang="it-IT" dirty="0" smtClean="0">
+                <a:sym typeface="Wingdings" panose="05000000000000000000" pitchFamily="2" charset="2"/>
               </a:rPr>
-              <a:t>Titanic Assistance</a:t>
-            </a:r>
-            <a:endParaRPr lang="it-IT" sz="3200" dirty="0">
-              <a:solidFill>
-                <a:srgbClr val="2E5369"/>
-              </a:solidFill>
-            </a:endParaRPr>
-          </a:p>
-        </p:txBody>
-      </p:sp>
-      <p:pic>
-        <p:nvPicPr>
-          <p:cNvPr id="3" name="Segnaposto contenuto 2"/>
-          <p:cNvPicPr>
-            <a:picLocks noGrp="1" noChangeAspect="1"/>
-          </p:cNvPicPr>
-          <p:nvPr>
-            <p:ph idx="1"/>
-          </p:nvPr>
-        </p:nvPicPr>
-        <p:blipFill>
-          <a:blip r:embed="rId2">
-            <a:extLst>
-              <a:ext uri="{28A0092B-C50C-407E-A947-70E740481C1C}">
-                <a14:useLocalDpi xmlns:a14="http://schemas.microsoft.com/office/drawing/2010/main" val="0"/>
-              </a:ext>
-            </a:extLst>
-          </a:blip>
-          <a:stretch>
-            <a:fillRect/>
-          </a:stretch>
-        </p:blipFill>
-        <p:spPr>
-          <a:xfrm>
-            <a:off x="2592925" y="1316070"/>
-            <a:ext cx="8899301" cy="6292116"/>
-          </a:xfrm>
-        </p:spPr>
-      </p:pic>
+              <a:t>Comprendere e adattare componenti riusabili</a:t>
+            </a:r>
+          </a:p>
+          <a:p>
+            <a:pPr marL="0" indent="0">
+              <a:buNone/>
+            </a:pPr>
+            <a:endParaRPr lang="it-IT" dirty="0"/>
+          </a:p>
+        </p:txBody>
+      </p:sp>
     </p:spTree>
     <p:extLst>
       <p:ext uri="{BB962C8B-B14F-4D97-AF65-F5344CB8AC3E}">
-        <p14:creationId xmlns:p14="http://schemas.microsoft.com/office/powerpoint/2010/main" val="4117890900"/>
+        <p14:creationId xmlns:p14="http://schemas.microsoft.com/office/powerpoint/2010/main" val="1130235601"/>
       </p:ext>
     </p:extLst>
   </p:cSld>
   <p:clrMapOvr>
     <a:masterClrMapping/>
   </p:clrMapOvr>
-  <p:timing>
-    <p:tnLst>
-      <p:par>
-        <p:cTn id="1" dur="indefinite" restart="never" nodeType="tmRoot"/>
-      </p:par>
-    </p:tnLst>
-  </p:timing>
 </p:sld>
 </file>
 

--- a/Slide/Slide Sparta.pptx
+++ b/Slide/Slide Sparta.pptx
@@ -1,6 +1,6 @@
 
 <file path=ppt/presentation.xml><?xml version="1.0" encoding="utf-8"?>
-<p:presentation xmlns:a="http://schemas.openxmlformats.org/drawingml/2006/main" xmlns:r="http://schemas.openxmlformats.org/officeDocument/2006/relationships" xmlns:p="http://schemas.openxmlformats.org/presentationml/2006/main" autoCompressPictures="0">
+<p:presentation xmlns:a="http://schemas.openxmlformats.org/drawingml/2006/main" xmlns:r="http://schemas.openxmlformats.org/officeDocument/2006/relationships" xmlns:p="http://schemas.openxmlformats.org/presentationml/2006/main" saveSubsetFonts="1" autoCompressPictures="0">
   <p:sldMasterIdLst>
     <p:sldMasterId id="2147483745" r:id="rId1"/>
   </p:sldMasterIdLst>
@@ -14,17 +14,16 @@
     <p:sldId id="281" r:id="rId8"/>
     <p:sldId id="283" r:id="rId9"/>
     <p:sldId id="284" r:id="rId10"/>
-    <p:sldId id="285" r:id="rId11"/>
-    <p:sldId id="262" r:id="rId12"/>
-    <p:sldId id="273" r:id="rId13"/>
-    <p:sldId id="274" r:id="rId14"/>
-    <p:sldId id="263" r:id="rId15"/>
-    <p:sldId id="266" r:id="rId16"/>
-    <p:sldId id="264" r:id="rId17"/>
-    <p:sldId id="265" r:id="rId18"/>
-    <p:sldId id="268" r:id="rId19"/>
-    <p:sldId id="277" r:id="rId20"/>
-    <p:sldId id="278" r:id="rId21"/>
+    <p:sldId id="262" r:id="rId11"/>
+    <p:sldId id="273" r:id="rId12"/>
+    <p:sldId id="274" r:id="rId13"/>
+    <p:sldId id="263" r:id="rId14"/>
+    <p:sldId id="266" r:id="rId15"/>
+    <p:sldId id="264" r:id="rId16"/>
+    <p:sldId id="265" r:id="rId17"/>
+    <p:sldId id="268" r:id="rId18"/>
+    <p:sldId id="277" r:id="rId19"/>
+    <p:sldId id="278" r:id="rId20"/>
   </p:sldIdLst>
   <p:sldSz cx="12192000" cy="6858000"/>
   <p:notesSz cx="6858000" cy="9144000"/>
@@ -320,7 +319,7 @@
             <a:fld id="{B61BEF0D-F0BB-DE4B-95CE-6DB70DBA9567}" type="datetimeFigureOut">
               <a:rPr lang="en-US" smtClean="0"/>
               <a:pPr/>
-              <a:t>6/19/2015</a:t>
+              <a:t>6/19/15</a:t>
             </a:fld>
             <a:endParaRPr lang="en-US" dirty="0"/>
           </a:p>
@@ -450,7 +449,7 @@
             <a:fld id="{D57F1E4F-1CFF-5643-939E-217C01CDF565}" type="slidenum">
               <a:rPr lang="en-US" smtClean="0"/>
               <a:pPr/>
-              <a:t>‹N›</a:t>
+              <a:t>‹n.›</a:t>
             </a:fld>
             <a:endParaRPr lang="en-US" dirty="0"/>
           </a:p>
@@ -660,7 +659,7 @@
             <a:fld id="{B61BEF0D-F0BB-DE4B-95CE-6DB70DBA9567}" type="datetimeFigureOut">
               <a:rPr lang="en-US" smtClean="0"/>
               <a:pPr/>
-              <a:t>6/19/2015</a:t>
+              <a:t>6/19/15</a:t>
             </a:fld>
             <a:endParaRPr lang="en-US" dirty="0"/>
           </a:p>
@@ -790,7 +789,7 @@
             <a:fld id="{D57F1E4F-1CFF-5643-939E-217C01CDF565}" type="slidenum">
               <a:rPr lang="en-US" smtClean="0"/>
               <a:pPr/>
-              <a:t>‹N›</a:t>
+              <a:t>‹n.›</a:t>
             </a:fld>
             <a:endParaRPr lang="en-US" dirty="0"/>
           </a:p>
@@ -1063,7 +1062,7 @@
             <a:fld id="{B61BEF0D-F0BB-DE4B-95CE-6DB70DBA9567}" type="datetimeFigureOut">
               <a:rPr lang="en-US" smtClean="0"/>
               <a:pPr/>
-              <a:t>6/19/2015</a:t>
+              <a:t>6/19/15</a:t>
             </a:fld>
             <a:endParaRPr lang="en-US" dirty="0"/>
           </a:p>
@@ -1193,7 +1192,7 @@
             <a:fld id="{D57F1E4F-1CFF-5643-939E-217C01CDF565}" type="slidenum">
               <a:rPr lang="en-US" smtClean="0"/>
               <a:pPr/>
-              <a:t>‹N›</a:t>
+              <a:t>‹n.›</a:t>
             </a:fld>
             <a:endParaRPr lang="en-US" dirty="0"/>
           </a:p>
@@ -1401,7 +1400,7 @@
             <a:fld id="{B61BEF0D-F0BB-DE4B-95CE-6DB70DBA9567}" type="datetimeFigureOut">
               <a:rPr lang="en-US" smtClean="0"/>
               <a:pPr/>
-              <a:t>6/19/2015</a:t>
+              <a:t>6/19/15</a:t>
             </a:fld>
             <a:endParaRPr lang="en-US" dirty="0"/>
           </a:p>
@@ -1531,7 +1530,7 @@
             <a:fld id="{D57F1E4F-1CFF-5643-939E-217C01CDF565}" type="slidenum">
               <a:rPr lang="en-US" smtClean="0"/>
               <a:pPr/>
-              <a:t>‹N›</a:t>
+              <a:t>‹n.›</a:t>
             </a:fld>
             <a:endParaRPr lang="en-US" dirty="0"/>
           </a:p>
@@ -1723,7 +1722,7 @@
             <a:fld id="{B61BEF0D-F0BB-DE4B-95CE-6DB70DBA9567}" type="datetimeFigureOut">
               <a:rPr lang="en-US" smtClean="0"/>
               <a:pPr/>
-              <a:t>6/19/2015</a:t>
+              <a:t>6/19/15</a:t>
             </a:fld>
             <a:endParaRPr lang="en-US" dirty="0"/>
           </a:p>
@@ -1853,7 +1852,7 @@
             <a:fld id="{D57F1E4F-1CFF-5643-939E-217C01CDF565}" type="slidenum">
               <a:rPr lang="en-US" smtClean="0"/>
               <a:pPr/>
-              <a:t>‹N›</a:t>
+              <a:t>‹n.›</a:t>
             </a:fld>
             <a:endParaRPr lang="en-US" dirty="0"/>
           </a:p>
@@ -2121,7 +2120,7 @@
             <a:fld id="{B61BEF0D-F0BB-DE4B-95CE-6DB70DBA9567}" type="datetimeFigureOut">
               <a:rPr lang="en-US" smtClean="0"/>
               <a:pPr/>
-              <a:t>6/19/2015</a:t>
+              <a:t>6/19/15</a:t>
             </a:fld>
             <a:endParaRPr lang="en-US" dirty="0"/>
           </a:p>
@@ -2251,7 +2250,7 @@
             <a:fld id="{D57F1E4F-1CFF-5643-939E-217C01CDF565}" type="slidenum">
               <a:rPr lang="en-US" smtClean="0"/>
               <a:pPr/>
-              <a:t>‹N›</a:t>
+              <a:t>‹n.›</a:t>
             </a:fld>
             <a:endParaRPr lang="en-US" dirty="0"/>
           </a:p>
@@ -2380,7 +2379,7 @@
             <a:fld id="{B61BEF0D-F0BB-DE4B-95CE-6DB70DBA9567}" type="datetimeFigureOut">
               <a:rPr lang="en-US" smtClean="0"/>
               <a:pPr/>
-              <a:t>6/19/2015</a:t>
+              <a:t>6/19/15</a:t>
             </a:fld>
             <a:endParaRPr lang="en-US" dirty="0"/>
           </a:p>
@@ -2505,7 +2504,7 @@
             <a:fld id="{D57F1E4F-1CFF-5643-939E-217C01CDF565}" type="slidenum">
               <a:rPr lang="en-US" smtClean="0"/>
               <a:pPr/>
-              <a:t>‹N›</a:t>
+              <a:t>‹n.›</a:t>
             </a:fld>
             <a:endParaRPr lang="en-US" dirty="0"/>
           </a:p>
@@ -2644,7 +2643,7 @@
             <a:fld id="{B61BEF0D-F0BB-DE4B-95CE-6DB70DBA9567}" type="datetimeFigureOut">
               <a:rPr lang="en-US" smtClean="0"/>
               <a:pPr/>
-              <a:t>6/19/2015</a:t>
+              <a:t>6/19/15</a:t>
             </a:fld>
             <a:endParaRPr lang="en-US" dirty="0"/>
           </a:p>
@@ -2769,7 +2768,7 @@
             <a:fld id="{D57F1E4F-1CFF-5643-939E-217C01CDF565}" type="slidenum">
               <a:rPr lang="en-US" smtClean="0"/>
               <a:pPr/>
-              <a:t>‹N›</a:t>
+              <a:t>‹n.›</a:t>
             </a:fld>
             <a:endParaRPr lang="en-US" dirty="0"/>
           </a:p>
@@ -2908,7 +2907,7 @@
             <a:fld id="{B61BEF0D-F0BB-DE4B-95CE-6DB70DBA9567}" type="datetimeFigureOut">
               <a:rPr lang="en-US" smtClean="0"/>
               <a:pPr/>
-              <a:t>6/19/2015</a:t>
+              <a:t>6/19/15</a:t>
             </a:fld>
             <a:endParaRPr lang="en-US" dirty="0"/>
           </a:p>
@@ -3033,7 +3032,7 @@
             <a:fld id="{D57F1E4F-1CFF-5643-939E-217C01CDF565}" type="slidenum">
               <a:rPr lang="en-US" smtClean="0"/>
               <a:pPr/>
-              <a:t>‹N›</a:t>
+              <a:t>‹n.›</a:t>
             </a:fld>
             <a:endParaRPr lang="en-US" dirty="0"/>
           </a:p>
@@ -3239,7 +3238,7 @@
             <a:fld id="{B61BEF0D-F0BB-DE4B-95CE-6DB70DBA9567}" type="datetimeFigureOut">
               <a:rPr lang="en-US" smtClean="0"/>
               <a:pPr/>
-              <a:t>6/19/2015</a:t>
+              <a:t>6/19/15</a:t>
             </a:fld>
             <a:endParaRPr lang="en-US" dirty="0"/>
           </a:p>
@@ -3369,7 +3368,7 @@
             <a:fld id="{D57F1E4F-1CFF-5643-939E-217C01CDF565}" type="slidenum">
               <a:rPr lang="en-US" smtClean="0"/>
               <a:pPr/>
-              <a:t>‹N›</a:t>
+              <a:t>‹n.›</a:t>
             </a:fld>
             <a:endParaRPr lang="en-US" dirty="0"/>
           </a:p>
@@ -3564,7 +3563,7 @@
             <a:fld id="{B61BEF0D-F0BB-DE4B-95CE-6DB70DBA9567}" type="datetimeFigureOut">
               <a:rPr lang="en-US" smtClean="0"/>
               <a:pPr/>
-              <a:t>6/19/2015</a:t>
+              <a:t>6/19/15</a:t>
             </a:fld>
             <a:endParaRPr lang="en-US" dirty="0"/>
           </a:p>
@@ -3694,7 +3693,7 @@
             <a:fld id="{D57F1E4F-1CFF-5643-939E-217C01CDF565}" type="slidenum">
               <a:rPr lang="en-US" smtClean="0"/>
               <a:pPr/>
-              <a:t>‹N›</a:t>
+              <a:t>‹n.›</a:t>
             </a:fld>
             <a:endParaRPr lang="en-US" dirty="0"/>
           </a:p>
@@ -4023,7 +4022,7 @@
             <a:fld id="{B61BEF0D-F0BB-DE4B-95CE-6DB70DBA9567}" type="datetimeFigureOut">
               <a:rPr lang="en-US" smtClean="0"/>
               <a:pPr/>
-              <a:t>6/19/2015</a:t>
+              <a:t>6/19/15</a:t>
             </a:fld>
             <a:endParaRPr lang="en-US" dirty="0"/>
           </a:p>
@@ -4153,7 +4152,7 @@
             <a:fld id="{D57F1E4F-1CFF-5643-939E-217C01CDF565}" type="slidenum">
               <a:rPr lang="en-US" smtClean="0"/>
               <a:pPr/>
-              <a:t>‹N›</a:t>
+              <a:t>‹n.›</a:t>
             </a:fld>
             <a:endParaRPr lang="en-US" dirty="0"/>
           </a:p>
@@ -4230,7 +4229,7 @@
             <a:fld id="{B61BEF0D-F0BB-DE4B-95CE-6DB70DBA9567}" type="datetimeFigureOut">
               <a:rPr lang="en-US" smtClean="0"/>
               <a:pPr/>
-              <a:t>6/19/2015</a:t>
+              <a:t>6/19/15</a:t>
             </a:fld>
             <a:endParaRPr lang="en-US" dirty="0"/>
           </a:p>
@@ -4355,7 +4354,7 @@
             <a:fld id="{D57F1E4F-1CFF-5643-939E-217C01CDF565}" type="slidenum">
               <a:rPr lang="en-US" smtClean="0"/>
               <a:pPr/>
-              <a:t>‹N›</a:t>
+              <a:t>‹n.›</a:t>
             </a:fld>
             <a:endParaRPr lang="en-US" dirty="0"/>
           </a:p>
@@ -4409,7 +4408,7 @@
             <a:fld id="{B61BEF0D-F0BB-DE4B-95CE-6DB70DBA9567}" type="datetimeFigureOut">
               <a:rPr lang="en-US" smtClean="0"/>
               <a:pPr/>
-              <a:t>6/19/2015</a:t>
+              <a:t>6/19/15</a:t>
             </a:fld>
             <a:endParaRPr lang="en-US" dirty="0"/>
           </a:p>
@@ -4534,7 +4533,7 @@
             <a:fld id="{D57F1E4F-1CFF-5643-939E-217C01CDF565}" type="slidenum">
               <a:rPr lang="en-US" smtClean="0"/>
               <a:pPr/>
-              <a:t>‹N›</a:t>
+              <a:t>‹n.›</a:t>
             </a:fld>
             <a:endParaRPr lang="en-US" dirty="0"/>
           </a:p>
@@ -4744,7 +4743,7 @@
             <a:fld id="{B61BEF0D-F0BB-DE4B-95CE-6DB70DBA9567}" type="datetimeFigureOut">
               <a:rPr lang="en-US" smtClean="0"/>
               <a:pPr/>
-              <a:t>6/19/2015</a:t>
+              <a:t>6/19/15</a:t>
             </a:fld>
             <a:endParaRPr lang="en-US" dirty="0"/>
           </a:p>
@@ -4869,7 +4868,7 @@
             <a:fld id="{D57F1E4F-1CFF-5643-939E-217C01CDF565}" type="slidenum">
               <a:rPr lang="en-US" smtClean="0"/>
               <a:pPr/>
-              <a:t>‹N›</a:t>
+              <a:t>‹n.›</a:t>
             </a:fld>
             <a:endParaRPr lang="en-US" dirty="0"/>
           </a:p>
@@ -5091,7 +5090,7 @@
             <a:fld id="{B61BEF0D-F0BB-DE4B-95CE-6DB70DBA9567}" type="datetimeFigureOut">
               <a:rPr lang="en-US" smtClean="0"/>
               <a:pPr/>
-              <a:t>6/19/2015</a:t>
+              <a:t>6/19/15</a:t>
             </a:fld>
             <a:endParaRPr lang="en-US" dirty="0"/>
           </a:p>
@@ -5221,7 +5220,7 @@
             <a:fld id="{D57F1E4F-1CFF-5643-939E-217C01CDF565}" type="slidenum">
               <a:rPr lang="en-US" smtClean="0"/>
               <a:pPr/>
-              <a:t>‹N›</a:t>
+              <a:t>‹n.›</a:t>
             </a:fld>
             <a:endParaRPr lang="en-US" dirty="0"/>
           </a:p>
@@ -7210,7 +7209,7 @@
             <a:fld id="{B61BEF0D-F0BB-DE4B-95CE-6DB70DBA9567}" type="datetimeFigureOut">
               <a:rPr lang="en-US" smtClean="0"/>
               <a:pPr/>
-              <a:t>6/19/2015</a:t>
+              <a:t>6/19/15</a:t>
             </a:fld>
             <a:endParaRPr lang="en-US" dirty="0"/>
           </a:p>
@@ -7287,7 +7286,7 @@
             <a:fld id="{D57F1E4F-1CFF-5643-939E-217C01CDF565}" type="slidenum">
               <a:rPr lang="en-US" smtClean="0"/>
               <a:pPr/>
-              <a:t>‹N›</a:t>
+              <a:t>‹n.›</a:t>
             </a:fld>
             <a:endParaRPr lang="en-US" dirty="0"/>
           </a:p>
@@ -7882,74 +7881,6 @@
             <p:ph type="title"/>
           </p:nvPr>
         </p:nvSpPr>
-        <p:spPr/>
-        <p:txBody>
-          <a:bodyPr/>
-          <a:lstStyle/>
-          <a:p>
-            <a:endParaRPr lang="it-IT" dirty="0"/>
-          </a:p>
-        </p:txBody>
-      </p:sp>
-      <p:sp>
-        <p:nvSpPr>
-          <p:cNvPr id="3" name="Segnaposto contenuto 2"/>
-          <p:cNvSpPr>
-            <a:spLocks noGrp="1"/>
-          </p:cNvSpPr>
-          <p:nvPr>
-            <p:ph idx="1"/>
-          </p:nvPr>
-        </p:nvSpPr>
-        <p:spPr/>
-        <p:txBody>
-          <a:bodyPr/>
-          <a:lstStyle/>
-          <a:p>
-            <a:endParaRPr lang="it-IT"/>
-          </a:p>
-        </p:txBody>
-      </p:sp>
-    </p:spTree>
-    <p:extLst>
-      <p:ext uri="{BB962C8B-B14F-4D97-AF65-F5344CB8AC3E}">
-        <p14:creationId xmlns:p14="http://schemas.microsoft.com/office/powerpoint/2010/main" val="4050661320"/>
-      </p:ext>
-    </p:extLst>
-  </p:cSld>
-  <p:clrMapOvr>
-    <a:masterClrMapping/>
-  </p:clrMapOvr>
-</p:sld>
-</file>
-
-<file path=ppt/slides/slide11.xml><?xml version="1.0" encoding="utf-8"?>
-<p:sld xmlns:a="http://schemas.openxmlformats.org/drawingml/2006/main" xmlns:r="http://schemas.openxmlformats.org/officeDocument/2006/relationships" xmlns:p="http://schemas.openxmlformats.org/presentationml/2006/main">
-  <p:cSld>
-    <p:spTree>
-      <p:nvGrpSpPr>
-        <p:cNvPr id="1" name=""/>
-        <p:cNvGrpSpPr/>
-        <p:nvPr/>
-      </p:nvGrpSpPr>
-      <p:grpSpPr>
-        <a:xfrm>
-          <a:off x="0" y="0"/>
-          <a:ext cx="0" cy="0"/>
-          <a:chOff x="0" y="0"/>
-          <a:chExt cx="0" cy="0"/>
-        </a:xfrm>
-      </p:grpSpPr>
-      <p:sp>
-        <p:nvSpPr>
-          <p:cNvPr id="2" name="Titolo 1"/>
-          <p:cNvSpPr>
-            <a:spLocks noGrp="1"/>
-          </p:cNvSpPr>
-          <p:nvPr>
-            <p:ph type="title"/>
-          </p:nvPr>
-        </p:nvSpPr>
         <p:spPr>
           <a:xfrm>
             <a:off x="2589212" y="2303448"/>
@@ -7996,7 +7927,7 @@
 </p:sld>
 </file>
 
-<file path=ppt/slides/slide12.xml><?xml version="1.0" encoding="utf-8"?>
+<file path=ppt/slides/slide11.xml><?xml version="1.0" encoding="utf-8"?>
 <p:sld xmlns:a="http://schemas.openxmlformats.org/drawingml/2006/main" xmlns:r="http://schemas.openxmlformats.org/officeDocument/2006/relationships" xmlns:p="http://schemas.openxmlformats.org/presentationml/2006/main">
   <p:cSld>
     <p:spTree>
@@ -8100,7 +8031,7 @@
 </p:sld>
 </file>
 
-<file path=ppt/slides/slide13.xml><?xml version="1.0" encoding="utf-8"?>
+<file path=ppt/slides/slide12.xml><?xml version="1.0" encoding="utf-8"?>
 <p:sld xmlns:a="http://schemas.openxmlformats.org/drawingml/2006/main" xmlns:r="http://schemas.openxmlformats.org/officeDocument/2006/relationships" xmlns:p="http://schemas.openxmlformats.org/presentationml/2006/main">
   <p:cSld>
     <p:spTree>
@@ -8220,6 +8151,79 @@
 </p:sld>
 </file>
 
+<file path=ppt/slides/slide13.xml><?xml version="1.0" encoding="utf-8"?>
+<p:sld xmlns:a="http://schemas.openxmlformats.org/drawingml/2006/main" xmlns:r="http://schemas.openxmlformats.org/officeDocument/2006/relationships" xmlns:p="http://schemas.openxmlformats.org/presentationml/2006/main">
+  <p:cSld>
+    <p:spTree>
+      <p:nvGrpSpPr>
+        <p:cNvPr id="1" name=""/>
+        <p:cNvGrpSpPr/>
+        <p:nvPr/>
+      </p:nvGrpSpPr>
+      <p:grpSpPr>
+        <a:xfrm>
+          <a:off x="0" y="0"/>
+          <a:ext cx="0" cy="0"/>
+          <a:chOff x="0" y="0"/>
+          <a:chExt cx="0" cy="0"/>
+        </a:xfrm>
+      </p:grpSpPr>
+      <p:sp>
+        <p:nvSpPr>
+          <p:cNvPr id="2" name="Titolo 1"/>
+          <p:cNvSpPr>
+            <a:spLocks noGrp="1"/>
+          </p:cNvSpPr>
+          <p:nvPr>
+            <p:ph type="title"/>
+          </p:nvPr>
+        </p:nvSpPr>
+        <p:spPr>
+          <a:xfrm>
+            <a:off x="2550576" y="2303448"/>
+            <a:ext cx="8915399" cy="1468800"/>
+          </a:xfrm>
+        </p:spPr>
+        <p:txBody>
+          <a:bodyPr/>
+          <a:lstStyle/>
+          <a:p>
+            <a:r>
+              <a:rPr lang="it-IT" dirty="0" smtClean="0">
+                <a:solidFill>
+                  <a:srgbClr val="2E5369"/>
+                </a:solidFill>
+              </a:rPr>
+              <a:t>Principi SOLID</a:t>
+            </a:r>
+            <a:endParaRPr lang="it-IT" dirty="0">
+              <a:solidFill>
+                <a:srgbClr val="2E5369"/>
+              </a:solidFill>
+            </a:endParaRPr>
+          </a:p>
+        </p:txBody>
+      </p:sp>
+    </p:spTree>
+    <p:extLst>
+      <p:ext uri="{BB962C8B-B14F-4D97-AF65-F5344CB8AC3E}">
+        <p14:creationId xmlns:p14="http://schemas.microsoft.com/office/powerpoint/2010/main" val="2651722085"/>
+      </p:ext>
+    </p:extLst>
+  </p:cSld>
+  <p:clrMapOvr>
+    <a:masterClrMapping/>
+  </p:clrMapOvr>
+  <p:timing>
+    <p:tnLst>
+      <p:par>
+        <p:cTn id="1" dur="indefinite" restart="never" nodeType="tmRoot"/>
+      </p:par>
+    </p:tnLst>
+  </p:timing>
+</p:sld>
+</file>
+
 <file path=ppt/slides/slide14.xml><?xml version="1.0" encoding="utf-8"?>
 <p:sld xmlns:a="http://schemas.openxmlformats.org/drawingml/2006/main" xmlns:r="http://schemas.openxmlformats.org/officeDocument/2006/relationships" xmlns:p="http://schemas.openxmlformats.org/presentationml/2006/main">
   <p:cSld>
@@ -8239,7 +8243,7 @@
       </p:grpSpPr>
       <p:sp>
         <p:nvSpPr>
-          <p:cNvPr id="2" name="Titolo 1"/>
+          <p:cNvPr id="10" name="Titolo 9"/>
           <p:cNvSpPr>
             <a:spLocks noGrp="1"/>
           </p:cNvSpPr>
@@ -8247,12 +8251,7 @@
             <p:ph type="title"/>
           </p:nvPr>
         </p:nvSpPr>
-        <p:spPr>
-          <a:xfrm>
-            <a:off x="2550576" y="2303448"/>
-            <a:ext cx="8915399" cy="1468800"/>
-          </a:xfrm>
-        </p:spPr>
+        <p:spPr/>
         <p:txBody>
           <a:bodyPr/>
           <a:lstStyle/>
@@ -8263,7 +8262,15 @@
                   <a:srgbClr val="2E5369"/>
                 </a:solidFill>
               </a:rPr>
-              <a:t>Principi SOLID</a:t>
+              <a:t>Principi </a:t>
+            </a:r>
+            <a:r>
+              <a:rPr lang="it-IT" dirty="0" smtClean="0">
+                <a:solidFill>
+                  <a:srgbClr val="2E5369"/>
+                </a:solidFill>
+              </a:rPr>
+              <a:t>SOLID</a:t>
             </a:r>
             <a:endParaRPr lang="it-IT" dirty="0">
               <a:solidFill>
@@ -8273,10 +8280,210 @@
           </a:p>
         </p:txBody>
       </p:sp>
+      <p:sp>
+        <p:nvSpPr>
+          <p:cNvPr id="11" name="Segnaposto contenuto 10"/>
+          <p:cNvSpPr>
+            <a:spLocks noGrp="1"/>
+          </p:cNvSpPr>
+          <p:nvPr>
+            <p:ph idx="1"/>
+          </p:nvPr>
+        </p:nvSpPr>
+        <p:spPr/>
+        <p:txBody>
+          <a:bodyPr>
+            <a:normAutofit lnSpcReduction="10000"/>
+          </a:bodyPr>
+          <a:lstStyle/>
+          <a:p>
+            <a:r>
+              <a:rPr lang="it-IT" b="1" dirty="0"/>
+              <a:t>Single </a:t>
+            </a:r>
+            <a:r>
+              <a:rPr lang="it-IT" b="1" dirty="0" err="1" smtClean="0"/>
+              <a:t>responsibility</a:t>
+            </a:r>
+            <a:r>
+              <a:rPr lang="it-IT" b="1" dirty="0" smtClean="0"/>
+              <a:t>: </a:t>
+            </a:r>
+            <a:r>
+              <a:rPr lang="it-IT" dirty="0"/>
+              <a:t>Una classe dovrebbe avere una sola ragione per cambiare</a:t>
+            </a:r>
+            <a:endParaRPr lang="it-IT" b="1" dirty="0" smtClean="0"/>
+          </a:p>
+          <a:p>
+            <a:r>
+              <a:rPr lang="it-IT" b="1" dirty="0"/>
+              <a:t>Open </a:t>
+            </a:r>
+            <a:r>
+              <a:rPr lang="it-IT" b="1" dirty="0" err="1" smtClean="0"/>
+              <a:t>close</a:t>
+            </a:r>
+            <a:r>
+              <a:rPr lang="it-IT" b="1" dirty="0" smtClean="0"/>
+              <a:t>: </a:t>
+            </a:r>
+            <a:r>
+              <a:rPr lang="it-IT" dirty="0"/>
+              <a:t>Le </a:t>
+            </a:r>
+            <a:r>
+              <a:rPr lang="it-IT" dirty="0" err="1"/>
+              <a:t>entita</a:t>
+            </a:r>
+            <a:r>
+              <a:rPr lang="it-IT" dirty="0"/>
+              <a:t> </a:t>
+            </a:r>
+            <a:r>
+              <a:rPr lang="it-IT" dirty="0" smtClean="0"/>
+              <a:t>dovrebbe </a:t>
+            </a:r>
+            <a:r>
+              <a:rPr lang="it-IT" dirty="0"/>
+              <a:t>essere </a:t>
+            </a:r>
+            <a:r>
+              <a:rPr lang="it-IT" dirty="0" smtClean="0"/>
+              <a:t>aperte </a:t>
+            </a:r>
+            <a:r>
+              <a:rPr lang="it-IT" dirty="0"/>
+              <a:t>per </a:t>
+            </a:r>
+            <a:r>
+              <a:rPr lang="it-IT" dirty="0" smtClean="0"/>
+              <a:t>le estensioni</a:t>
+            </a:r>
+            <a:r>
+              <a:rPr lang="it-IT" dirty="0"/>
+              <a:t>, ma </a:t>
+            </a:r>
+            <a:r>
+              <a:rPr lang="it-IT" dirty="0" smtClean="0"/>
+              <a:t>chiuse </a:t>
+            </a:r>
+            <a:r>
+              <a:rPr lang="it-IT" dirty="0"/>
+              <a:t>alle </a:t>
+            </a:r>
+            <a:r>
+              <a:rPr lang="it-IT" dirty="0" err="1"/>
+              <a:t>modificaioni</a:t>
+            </a:r>
+            <a:r>
+              <a:rPr lang="it-IT" dirty="0"/>
+              <a:t>.</a:t>
+            </a:r>
+            <a:endParaRPr lang="it-IT" b="1" dirty="0" smtClean="0"/>
+          </a:p>
+          <a:p>
+            <a:r>
+              <a:rPr lang="it-IT" b="1" dirty="0" err="1" smtClean="0"/>
+              <a:t>Liskov</a:t>
+            </a:r>
+            <a:r>
+              <a:rPr lang="it-IT" b="1" dirty="0" smtClean="0"/>
+              <a:t>: </a:t>
+            </a:r>
+            <a:r>
+              <a:rPr lang="it-IT" dirty="0" smtClean="0"/>
+              <a:t>I sottotipi </a:t>
+            </a:r>
+            <a:r>
+              <a:rPr lang="it-IT" dirty="0"/>
+              <a:t>dovrebbero essere sostituibili per i </a:t>
+            </a:r>
+            <a:r>
+              <a:rPr lang="it-IT" dirty="0" err="1" smtClean="0"/>
+              <a:t>supertipi</a:t>
+            </a:r>
+            <a:r>
+              <a:rPr lang="it-IT" dirty="0" smtClean="0"/>
+              <a:t>; </a:t>
+            </a:r>
+            <a:r>
+              <a:rPr lang="it-IT" dirty="0"/>
+              <a:t>le classi figlie non devono mai rompere la definizione delle classi genitrici</a:t>
+            </a:r>
+            <a:endParaRPr lang="it-IT" b="1" dirty="0" smtClean="0"/>
+          </a:p>
+          <a:p>
+            <a:r>
+              <a:rPr lang="it-IT" b="1" dirty="0" smtClean="0"/>
+              <a:t>Interface </a:t>
+            </a:r>
+            <a:r>
+              <a:rPr lang="it-IT" b="1" dirty="0" err="1" smtClean="0"/>
+              <a:t>segregation</a:t>
+            </a:r>
+            <a:r>
+              <a:rPr lang="it-IT" b="1" dirty="0" smtClean="0"/>
+              <a:t>: </a:t>
+            </a:r>
+            <a:r>
+              <a:rPr lang="it-IT" dirty="0" smtClean="0"/>
+              <a:t>I Client non dovrebbero essere costretti ad usare interfacce che non possono usare</a:t>
+            </a:r>
+            <a:endParaRPr lang="it-IT" b="1" dirty="0" smtClean="0"/>
+          </a:p>
+          <a:p>
+            <a:r>
+              <a:rPr lang="it-IT" b="1" dirty="0" err="1" smtClean="0"/>
+              <a:t>Dependency</a:t>
+            </a:r>
+            <a:r>
+              <a:rPr lang="it-IT" b="1" dirty="0" smtClean="0"/>
+              <a:t> </a:t>
+            </a:r>
+            <a:r>
+              <a:rPr lang="it-IT" b="1" dirty="0" err="1" smtClean="0"/>
+              <a:t>inversion</a:t>
+            </a:r>
+            <a:r>
+              <a:rPr lang="it-IT" b="1" dirty="0" smtClean="0"/>
+              <a:t>: </a:t>
+            </a:r>
+            <a:r>
+              <a:rPr lang="it-IT" dirty="0"/>
+              <a:t>Un modulo ad alto livello non dovrebbe dipendere </a:t>
+            </a:r>
+            <a:r>
+              <a:rPr lang="it-IT" dirty="0" smtClean="0"/>
+              <a:t>dai moduli </a:t>
+            </a:r>
+            <a:r>
+              <a:rPr lang="it-IT" dirty="0"/>
+              <a:t>a basso </a:t>
+            </a:r>
+            <a:r>
+              <a:rPr lang="it-IT" dirty="0" smtClean="0"/>
+              <a:t>livello; entrambi </a:t>
+            </a:r>
+            <a:r>
+              <a:rPr lang="it-IT" dirty="0"/>
+              <a:t>dovrebbero dipendere dalle </a:t>
+            </a:r>
+            <a:r>
+              <a:rPr lang="it-IT" dirty="0" smtClean="0"/>
+              <a:t>astrazioni. Le </a:t>
+            </a:r>
+            <a:r>
+              <a:rPr lang="it-IT" dirty="0"/>
+              <a:t>astrazioni non dovrebbe dipendere dai dettagli, sono i dettagli che devono dipendere dalle astrazioni.</a:t>
+            </a:r>
+          </a:p>
+        </p:txBody>
+      </p:sp>
     </p:spTree>
     <p:extLst>
       <p:ext uri="{BB962C8B-B14F-4D97-AF65-F5344CB8AC3E}">
-        <p14:creationId xmlns:p14="http://schemas.microsoft.com/office/powerpoint/2010/main" val="2651722085"/>
+        <p14:creationId xmlns:p14="http://schemas.microsoft.com/office/powerpoint/2010/main" val="3966660912"/>
       </p:ext>
     </p:extLst>
   </p:cSld>
@@ -8312,274 +8519,6 @@
       </p:grpSpPr>
       <p:sp>
         <p:nvSpPr>
-          <p:cNvPr id="10" name="Titolo 9"/>
-          <p:cNvSpPr>
-            <a:spLocks noGrp="1"/>
-          </p:cNvSpPr>
-          <p:nvPr>
-            <p:ph type="title"/>
-          </p:nvPr>
-        </p:nvSpPr>
-        <p:spPr/>
-        <p:txBody>
-          <a:bodyPr/>
-          <a:lstStyle/>
-          <a:p>
-            <a:r>
-              <a:rPr lang="it-IT" dirty="0" smtClean="0">
-                <a:solidFill>
-                  <a:srgbClr val="2E5369"/>
-                </a:solidFill>
-              </a:rPr>
-              <a:t>Legenda dei principi SOLID</a:t>
-            </a:r>
-            <a:endParaRPr lang="it-IT" dirty="0">
-              <a:solidFill>
-                <a:srgbClr val="2E5369"/>
-              </a:solidFill>
-            </a:endParaRPr>
-          </a:p>
-        </p:txBody>
-      </p:sp>
-      <p:sp>
-        <p:nvSpPr>
-          <p:cNvPr id="11" name="Segnaposto contenuto 10"/>
-          <p:cNvSpPr>
-            <a:spLocks noGrp="1"/>
-          </p:cNvSpPr>
-          <p:nvPr>
-            <p:ph idx="1"/>
-          </p:nvPr>
-        </p:nvSpPr>
-        <p:spPr/>
-        <p:txBody>
-          <a:bodyPr>
-            <a:normAutofit lnSpcReduction="10000"/>
-          </a:bodyPr>
-          <a:lstStyle/>
-          <a:p>
-            <a:r>
-              <a:rPr lang="it-IT" b="1" dirty="0"/>
-              <a:t>Single </a:t>
-            </a:r>
-            <a:r>
-              <a:rPr lang="it-IT" b="1" dirty="0" err="1" smtClean="0"/>
-              <a:t>responsibility</a:t>
-            </a:r>
-            <a:r>
-              <a:rPr lang="it-IT" b="1" dirty="0" smtClean="0"/>
-              <a:t>: </a:t>
-            </a:r>
-            <a:r>
-              <a:rPr lang="it-IT" dirty="0"/>
-              <a:t>Una classe dovrebbe avere una sola ragione per cambiare</a:t>
-            </a:r>
-            <a:endParaRPr lang="it-IT" b="1" dirty="0" smtClean="0"/>
-          </a:p>
-          <a:p>
-            <a:r>
-              <a:rPr lang="it-IT" b="1" dirty="0"/>
-              <a:t>Open </a:t>
-            </a:r>
-            <a:r>
-              <a:rPr lang="it-IT" b="1" dirty="0" err="1" smtClean="0"/>
-              <a:t>close</a:t>
-            </a:r>
-            <a:r>
-              <a:rPr lang="it-IT" b="1" dirty="0" smtClean="0"/>
-              <a:t>: </a:t>
-            </a:r>
-            <a:r>
-              <a:rPr lang="it-IT" dirty="0"/>
-              <a:t>Le </a:t>
-            </a:r>
-            <a:r>
-              <a:rPr lang="it-IT" dirty="0" err="1"/>
-              <a:t>entita</a:t>
-            </a:r>
-            <a:r>
-              <a:rPr lang="it-IT" dirty="0"/>
-              <a:t> </a:t>
-            </a:r>
-            <a:r>
-              <a:rPr lang="it-IT" dirty="0" smtClean="0"/>
-              <a:t>dovrebbe </a:t>
-            </a:r>
-            <a:r>
-              <a:rPr lang="it-IT" dirty="0"/>
-              <a:t>essere </a:t>
-            </a:r>
-            <a:r>
-              <a:rPr lang="it-IT" dirty="0" smtClean="0"/>
-              <a:t>aperte </a:t>
-            </a:r>
-            <a:r>
-              <a:rPr lang="it-IT" dirty="0"/>
-              <a:t>per </a:t>
-            </a:r>
-            <a:r>
-              <a:rPr lang="it-IT" dirty="0" smtClean="0"/>
-              <a:t>le estensioni</a:t>
-            </a:r>
-            <a:r>
-              <a:rPr lang="it-IT" dirty="0"/>
-              <a:t>, ma </a:t>
-            </a:r>
-            <a:r>
-              <a:rPr lang="it-IT" dirty="0" smtClean="0"/>
-              <a:t>chiuse </a:t>
-            </a:r>
-            <a:r>
-              <a:rPr lang="it-IT" dirty="0"/>
-              <a:t>alle </a:t>
-            </a:r>
-            <a:r>
-              <a:rPr lang="it-IT" dirty="0" err="1"/>
-              <a:t>modificaioni</a:t>
-            </a:r>
-            <a:r>
-              <a:rPr lang="it-IT" dirty="0"/>
-              <a:t>.</a:t>
-            </a:r>
-            <a:endParaRPr lang="it-IT" b="1" dirty="0" smtClean="0"/>
-          </a:p>
-          <a:p>
-            <a:r>
-              <a:rPr lang="it-IT" b="1" dirty="0" err="1" smtClean="0"/>
-              <a:t>Liskov</a:t>
-            </a:r>
-            <a:r>
-              <a:rPr lang="it-IT" b="1" dirty="0" smtClean="0"/>
-              <a:t>: </a:t>
-            </a:r>
-            <a:r>
-              <a:rPr lang="it-IT" dirty="0" smtClean="0"/>
-              <a:t>I sottotipi </a:t>
-            </a:r>
-            <a:r>
-              <a:rPr lang="it-IT" dirty="0"/>
-              <a:t>dovrebbero essere sostituibili per i </a:t>
-            </a:r>
-            <a:r>
-              <a:rPr lang="it-IT" dirty="0" err="1" smtClean="0"/>
-              <a:t>supertipi</a:t>
-            </a:r>
-            <a:r>
-              <a:rPr lang="it-IT" dirty="0" smtClean="0"/>
-              <a:t>; </a:t>
-            </a:r>
-            <a:r>
-              <a:rPr lang="it-IT" dirty="0"/>
-              <a:t>le classi figlie non devono mai rompere la definizione delle classi genitrici</a:t>
-            </a:r>
-            <a:endParaRPr lang="it-IT" b="1" dirty="0" smtClean="0"/>
-          </a:p>
-          <a:p>
-            <a:r>
-              <a:rPr lang="it-IT" b="1" dirty="0" smtClean="0"/>
-              <a:t>Interface </a:t>
-            </a:r>
-            <a:r>
-              <a:rPr lang="it-IT" b="1" dirty="0" err="1" smtClean="0"/>
-              <a:t>segregation</a:t>
-            </a:r>
-            <a:r>
-              <a:rPr lang="it-IT" b="1" dirty="0" smtClean="0"/>
-              <a:t>: </a:t>
-            </a:r>
-            <a:r>
-              <a:rPr lang="it-IT" dirty="0" smtClean="0"/>
-              <a:t>I Client non dovrebbero essere costretti ad usare interfacce che non possono usare</a:t>
-            </a:r>
-            <a:endParaRPr lang="it-IT" b="1" dirty="0" smtClean="0"/>
-          </a:p>
-          <a:p>
-            <a:r>
-              <a:rPr lang="it-IT" b="1" dirty="0" err="1" smtClean="0"/>
-              <a:t>Dependency</a:t>
-            </a:r>
-            <a:r>
-              <a:rPr lang="it-IT" b="1" dirty="0" smtClean="0"/>
-              <a:t> </a:t>
-            </a:r>
-            <a:r>
-              <a:rPr lang="it-IT" b="1" dirty="0" err="1" smtClean="0"/>
-              <a:t>inversion</a:t>
-            </a:r>
-            <a:r>
-              <a:rPr lang="it-IT" b="1" dirty="0" smtClean="0"/>
-              <a:t>: </a:t>
-            </a:r>
-            <a:r>
-              <a:rPr lang="it-IT" dirty="0"/>
-              <a:t>Un modulo ad alto livello non dovrebbe dipendere </a:t>
-            </a:r>
-            <a:r>
-              <a:rPr lang="it-IT" dirty="0" smtClean="0"/>
-              <a:t>dai moduli </a:t>
-            </a:r>
-            <a:r>
-              <a:rPr lang="it-IT" dirty="0"/>
-              <a:t>a basso </a:t>
-            </a:r>
-            <a:r>
-              <a:rPr lang="it-IT" dirty="0" smtClean="0"/>
-              <a:t>livello; entrambi </a:t>
-            </a:r>
-            <a:r>
-              <a:rPr lang="it-IT" dirty="0"/>
-              <a:t>dovrebbero dipendere dalle </a:t>
-            </a:r>
-            <a:r>
-              <a:rPr lang="it-IT" dirty="0" smtClean="0"/>
-              <a:t>astrazioni. Le </a:t>
-            </a:r>
-            <a:r>
-              <a:rPr lang="it-IT" dirty="0"/>
-              <a:t>astrazioni non dovrebbe dipendere dai dettagli, sono i dettagli che devono dipendere dalle astrazioni.</a:t>
-            </a:r>
-          </a:p>
-        </p:txBody>
-      </p:sp>
-    </p:spTree>
-    <p:extLst>
-      <p:ext uri="{BB962C8B-B14F-4D97-AF65-F5344CB8AC3E}">
-        <p14:creationId xmlns:p14="http://schemas.microsoft.com/office/powerpoint/2010/main" val="3966660912"/>
-      </p:ext>
-    </p:extLst>
-  </p:cSld>
-  <p:clrMapOvr>
-    <a:masterClrMapping/>
-  </p:clrMapOvr>
-  <p:timing>
-    <p:tnLst>
-      <p:par>
-        <p:cTn id="1" dur="indefinite" restart="never" nodeType="tmRoot"/>
-      </p:par>
-    </p:tnLst>
-  </p:timing>
-</p:sld>
-</file>
-
-<file path=ppt/slides/slide16.xml><?xml version="1.0" encoding="utf-8"?>
-<p:sld xmlns:a="http://schemas.openxmlformats.org/drawingml/2006/main" xmlns:r="http://schemas.openxmlformats.org/officeDocument/2006/relationships" xmlns:p="http://schemas.openxmlformats.org/presentationml/2006/main">
-  <p:cSld>
-    <p:spTree>
-      <p:nvGrpSpPr>
-        <p:cNvPr id="1" name=""/>
-        <p:cNvGrpSpPr/>
-        <p:nvPr/>
-      </p:nvGrpSpPr>
-      <p:grpSpPr>
-        <a:xfrm>
-          <a:off x="0" y="0"/>
-          <a:ext cx="0" cy="0"/>
-          <a:chOff x="0" y="0"/>
-          <a:chExt cx="0" cy="0"/>
-        </a:xfrm>
-      </p:grpSpPr>
-      <p:sp>
-        <p:nvSpPr>
           <p:cNvPr id="2" name="Titolo 1"/>
           <p:cNvSpPr>
             <a:spLocks noGrp="1"/>
@@ -8872,7 +8811,7 @@
 </p:sld>
 </file>
 
-<file path=ppt/slides/slide17.xml><?xml version="1.0" encoding="utf-8"?>
+<file path=ppt/slides/slide16.xml><?xml version="1.0" encoding="utf-8"?>
 <p:sld xmlns:a="http://schemas.openxmlformats.org/drawingml/2006/main" xmlns:r="http://schemas.openxmlformats.org/officeDocument/2006/relationships" xmlns:p="http://schemas.openxmlformats.org/presentationml/2006/main">
   <p:cSld>
     <p:spTree>
@@ -8985,6 +8924,200 @@
 </p:sld>
 </file>
 
+<file path=ppt/slides/slide17.xml><?xml version="1.0" encoding="utf-8"?>
+<p:sld xmlns:a="http://schemas.openxmlformats.org/drawingml/2006/main" xmlns:r="http://schemas.openxmlformats.org/officeDocument/2006/relationships" xmlns:p="http://schemas.openxmlformats.org/presentationml/2006/main">
+  <p:cSld>
+    <p:spTree>
+      <p:nvGrpSpPr>
+        <p:cNvPr id="1" name=""/>
+        <p:cNvGrpSpPr/>
+        <p:nvPr/>
+      </p:nvGrpSpPr>
+      <p:grpSpPr>
+        <a:xfrm>
+          <a:off x="0" y="0"/>
+          <a:ext cx="0" cy="0"/>
+          <a:chOff x="0" y="0"/>
+          <a:chExt cx="0" cy="0"/>
+        </a:xfrm>
+      </p:grpSpPr>
+      <p:sp>
+        <p:nvSpPr>
+          <p:cNvPr id="4" name="Titolo 3"/>
+          <p:cNvSpPr>
+            <a:spLocks noGrp="1"/>
+          </p:cNvSpPr>
+          <p:nvPr>
+            <p:ph type="title"/>
+          </p:nvPr>
+        </p:nvSpPr>
+        <p:spPr>
+          <a:xfrm>
+            <a:off x="2592924" y="624110"/>
+            <a:ext cx="8911687" cy="921356"/>
+          </a:xfrm>
+        </p:spPr>
+        <p:txBody>
+          <a:bodyPr>
+            <a:normAutofit fontScale="90000"/>
+          </a:bodyPr>
+          <a:lstStyle/>
+          <a:p>
+            <a:r>
+              <a:rPr lang="it-IT" sz="3100" dirty="0" smtClean="0">
+                <a:solidFill>
+                  <a:srgbClr val="2E5369"/>
+                </a:solidFill>
+              </a:rPr>
+              <a:t>Test effettuati </a:t>
+            </a:r>
+            <a:r>
+              <a:rPr lang="it-IT" dirty="0" smtClean="0">
+                <a:solidFill>
+                  <a:srgbClr val="2E5369"/>
+                </a:solidFill>
+              </a:rPr>
+              <a:t/>
+            </a:r>
+            <a:br>
+              <a:rPr lang="it-IT" dirty="0" smtClean="0">
+                <a:solidFill>
+                  <a:srgbClr val="2E5369"/>
+                </a:solidFill>
+              </a:rPr>
+            </a:br>
+            <a:endParaRPr lang="it-IT" dirty="0">
+              <a:solidFill>
+                <a:srgbClr val="2E5369"/>
+              </a:solidFill>
+            </a:endParaRPr>
+          </a:p>
+        </p:txBody>
+      </p:sp>
+      <p:sp>
+        <p:nvSpPr>
+          <p:cNvPr id="6" name="Segnaposto contenuto 5"/>
+          <p:cNvSpPr>
+            <a:spLocks noGrp="1"/>
+          </p:cNvSpPr>
+          <p:nvPr>
+            <p:ph sz="half" idx="1"/>
+          </p:nvPr>
+        </p:nvSpPr>
+        <p:spPr>
+          <a:xfrm>
+            <a:off x="2592923" y="2197994"/>
+            <a:ext cx="9599077" cy="3777622"/>
+          </a:xfrm>
+        </p:spPr>
+        <p:txBody>
+          <a:bodyPr>
+            <a:normAutofit/>
+          </a:bodyPr>
+          <a:lstStyle/>
+          <a:p>
+            <a:r>
+              <a:rPr lang="it-IT" b="1" dirty="0" smtClean="0"/>
+              <a:t>Unit Test</a:t>
+            </a:r>
+            <a:r>
+              <a:rPr lang="it-IT" dirty="0" smtClean="0"/>
+              <a:t>: gli sviluppatori delle applicazioni sono tenuti ad eseguire </a:t>
+            </a:r>
+            <a:r>
+              <a:rPr lang="it-IT" dirty="0"/>
+              <a:t>test di unità per assicurarsi che </a:t>
+            </a:r>
+            <a:r>
+              <a:rPr lang="it-IT" dirty="0" smtClean="0"/>
+              <a:t>le singole </a:t>
+            </a:r>
+            <a:r>
+              <a:rPr lang="it-IT" dirty="0"/>
+              <a:t>unità di sviluppo </a:t>
+            </a:r>
+            <a:r>
+              <a:rPr lang="it-IT" dirty="0" smtClean="0"/>
+              <a:t>assolvano </a:t>
+            </a:r>
+            <a:r>
+              <a:rPr lang="it-IT" dirty="0"/>
+              <a:t>le </a:t>
+            </a:r>
+            <a:r>
+              <a:rPr lang="it-IT" dirty="0" smtClean="0"/>
+              <a:t>loro </a:t>
+            </a:r>
+            <a:r>
+              <a:rPr lang="it-IT" dirty="0"/>
+              <a:t>funzioni seguendo i </a:t>
+            </a:r>
+            <a:r>
+              <a:rPr lang="it-IT" dirty="0" smtClean="0"/>
+              <a:t>requisiti.</a:t>
+            </a:r>
+          </a:p>
+          <a:p>
+            <a:r>
+              <a:rPr lang="it-IT" b="1" dirty="0" smtClean="0"/>
+              <a:t>Integration test: </a:t>
+            </a:r>
+            <a:r>
+              <a:rPr lang="it-IT" dirty="0" smtClean="0"/>
+              <a:t>avvenuto nella costruzione del sistema a partire dalle sue componenti per scoprire problemi che nascono dall’interazione tra esse.</a:t>
+            </a:r>
+          </a:p>
+          <a:p>
+            <a:r>
+              <a:rPr lang="it-IT" b="1" dirty="0" err="1" smtClean="0"/>
+              <a:t>Robustness</a:t>
+            </a:r>
+            <a:r>
+              <a:rPr lang="it-IT" b="1" dirty="0" smtClean="0"/>
+              <a:t> test: </a:t>
+            </a:r>
+            <a:r>
+              <a:rPr lang="it-IT" dirty="0" smtClean="0"/>
+              <a:t>si è testato il comportamento del sistema rispetto a ingressi non desiderati.</a:t>
+            </a:r>
+          </a:p>
+          <a:p>
+            <a:pPr marL="0" indent="0">
+              <a:buNone/>
+            </a:pPr>
+            <a:endParaRPr lang="it-IT" b="1" dirty="0" smtClean="0"/>
+          </a:p>
+          <a:p>
+            <a:pPr marL="0" indent="0" algn="r">
+              <a:buNone/>
+            </a:pPr>
+            <a:endParaRPr lang="it-IT" dirty="0" smtClean="0"/>
+          </a:p>
+          <a:p>
+            <a:endParaRPr lang="it-IT" dirty="0" smtClean="0"/>
+          </a:p>
+        </p:txBody>
+      </p:sp>
+    </p:spTree>
+    <p:extLst>
+      <p:ext uri="{BB962C8B-B14F-4D97-AF65-F5344CB8AC3E}">
+        <p14:creationId xmlns:p14="http://schemas.microsoft.com/office/powerpoint/2010/main" val="1040553838"/>
+      </p:ext>
+    </p:extLst>
+  </p:cSld>
+  <p:clrMapOvr>
+    <a:masterClrMapping/>
+  </p:clrMapOvr>
+  <p:timing>
+    <p:tnLst>
+      <p:par>
+        <p:cTn id="1" dur="indefinite" restart="never" nodeType="tmRoot"/>
+      </p:par>
+    </p:tnLst>
+  </p:timing>
+</p:sld>
+</file>
+
 <file path=ppt/slides/slide18.xml><?xml version="1.0" encoding="utf-8"?>
 <p:sld xmlns:a="http://schemas.openxmlformats.org/drawingml/2006/main" xmlns:r="http://schemas.openxmlformats.org/officeDocument/2006/relationships" xmlns:p="http://schemas.openxmlformats.org/presentationml/2006/main">
   <p:cSld>
@@ -9004,7 +9137,7 @@
       </p:grpSpPr>
       <p:sp>
         <p:nvSpPr>
-          <p:cNvPr id="4" name="Titolo 3"/>
+          <p:cNvPr id="2" name="Titolo 1"/>
           <p:cNvSpPr>
             <a:spLocks noGrp="1"/>
           </p:cNvSpPr>
@@ -9012,177 +9145,38 @@
             <p:ph type="title"/>
           </p:nvPr>
         </p:nvSpPr>
-        <p:spPr>
-          <a:xfrm>
-            <a:off x="2592924" y="624110"/>
-            <a:ext cx="8911687" cy="921356"/>
-          </a:xfrm>
-        </p:spPr>
-        <p:txBody>
-          <a:bodyPr>
-            <a:normAutofit fontScale="90000"/>
-          </a:bodyPr>
+        <p:spPr/>
+        <p:txBody>
+          <a:bodyPr/>
           <a:lstStyle/>
           <a:p>
-            <a:r>
-              <a:rPr lang="it-IT" sz="3100" dirty="0" smtClean="0">
-                <a:solidFill>
-                  <a:srgbClr val="2E5369"/>
-                </a:solidFill>
-              </a:rPr>
-              <a:t>Test effettuati </a:t>
-            </a:r>
-            <a:r>
-              <a:rPr lang="it-IT" dirty="0" smtClean="0">
-                <a:solidFill>
-                  <a:srgbClr val="2E5369"/>
-                </a:solidFill>
-              </a:rPr>
-              <a:t/>
-            </a:r>
-            <a:br>
-              <a:rPr lang="it-IT" dirty="0" smtClean="0">
-                <a:solidFill>
-                  <a:srgbClr val="2E5369"/>
-                </a:solidFill>
-              </a:rPr>
-            </a:br>
-            <a:endParaRPr lang="it-IT" dirty="0">
-              <a:solidFill>
-                <a:srgbClr val="2E5369"/>
-              </a:solidFill>
-            </a:endParaRPr>
-          </a:p>
-        </p:txBody>
-      </p:sp>
-      <p:sp>
-        <p:nvSpPr>
-          <p:cNvPr id="6" name="Segnaposto contenuto 5"/>
-          <p:cNvSpPr>
-            <a:spLocks noGrp="1"/>
-          </p:cNvSpPr>
-          <p:nvPr>
-            <p:ph sz="half" idx="1"/>
-          </p:nvPr>
-        </p:nvSpPr>
-        <p:spPr>
-          <a:xfrm>
-            <a:off x="2592923" y="2197994"/>
-            <a:ext cx="9599077" cy="3777622"/>
-          </a:xfrm>
-        </p:spPr>
-        <p:txBody>
-          <a:bodyPr>
-            <a:normAutofit/>
-          </a:bodyPr>
+            <a:endParaRPr lang="it-IT"/>
+          </a:p>
+        </p:txBody>
+      </p:sp>
+      <p:sp>
+        <p:nvSpPr>
+          <p:cNvPr id="3" name="Segnaposto contenuto 2"/>
+          <p:cNvSpPr>
+            <a:spLocks noGrp="1"/>
+          </p:cNvSpPr>
+          <p:nvPr>
+            <p:ph idx="1"/>
+          </p:nvPr>
+        </p:nvSpPr>
+        <p:spPr/>
+        <p:txBody>
+          <a:bodyPr/>
           <a:lstStyle/>
           <a:p>
-            <a:r>
-              <a:rPr lang="it-IT" b="1" dirty="0" smtClean="0"/>
-              <a:t>Unit Test</a:t>
-            </a:r>
-            <a:r>
-              <a:rPr lang="it-IT" dirty="0" smtClean="0"/>
-              <a:t>:</a:t>
-            </a:r>
-            <a:r>
-              <a:rPr lang="it-IT" dirty="0" smtClean="0"/>
-              <a:t> </a:t>
-            </a:r>
-            <a:r>
-              <a:rPr lang="it-IT" dirty="0" smtClean="0"/>
-              <a:t>gli sviluppatori delle applicazioni sono tenuti ad eseguire </a:t>
-            </a:r>
-            <a:r>
-              <a:rPr lang="it-IT" dirty="0"/>
-              <a:t>test di unità per assicurarsi che </a:t>
-            </a:r>
-            <a:r>
-              <a:rPr lang="it-IT" dirty="0" smtClean="0"/>
-              <a:t>le singole </a:t>
-            </a:r>
-            <a:r>
-              <a:rPr lang="it-IT" dirty="0"/>
-              <a:t>unità di sviluppo </a:t>
-            </a:r>
-            <a:r>
-              <a:rPr lang="it-IT" dirty="0" smtClean="0"/>
-              <a:t>assolvano </a:t>
-            </a:r>
-            <a:r>
-              <a:rPr lang="it-IT" dirty="0"/>
-              <a:t>le </a:t>
-            </a:r>
-            <a:r>
-              <a:rPr lang="it-IT" dirty="0" smtClean="0"/>
-              <a:t>loro </a:t>
-            </a:r>
-            <a:r>
-              <a:rPr lang="it-IT" dirty="0"/>
-              <a:t>funzioni seguendo i </a:t>
-            </a:r>
-            <a:r>
-              <a:rPr lang="it-IT" dirty="0" smtClean="0"/>
-              <a:t>requisiti</a:t>
-            </a:r>
-            <a:r>
-              <a:rPr lang="it-IT" dirty="0" smtClean="0"/>
-              <a:t>.</a:t>
-            </a:r>
-          </a:p>
-          <a:p>
-            <a:r>
-              <a:rPr lang="it-IT" b="1" dirty="0" smtClean="0"/>
-              <a:t>Integration test: </a:t>
-            </a:r>
-            <a:r>
-              <a:rPr lang="it-IT" dirty="0" smtClean="0"/>
-              <a:t>avvenuto nella costruzione del sistema a partire dall</a:t>
-            </a:r>
-            <a:r>
-              <a:rPr lang="it-IT" dirty="0" smtClean="0"/>
-              <a:t>e sue componenti per scoprire problemi che nascono dall’interazione tra esse.</a:t>
-            </a:r>
-          </a:p>
-          <a:p>
-            <a:r>
-              <a:rPr lang="it-IT" b="1" dirty="0" err="1" smtClean="0"/>
-              <a:t>Robustness</a:t>
-            </a:r>
-            <a:r>
-              <a:rPr lang="it-IT" b="1" dirty="0" smtClean="0"/>
-              <a:t> test: </a:t>
-            </a:r>
-            <a:r>
-              <a:rPr lang="it-IT" dirty="0" smtClean="0"/>
-              <a:t>si è</a:t>
-            </a:r>
-            <a:r>
-              <a:rPr lang="it-IT" dirty="0" smtClean="0"/>
-              <a:t> testato il comportamento del sistema rispetto a ingressi non desiderati.</a:t>
-            </a:r>
-          </a:p>
-          <a:p>
-            <a:pPr marL="0" indent="0">
-              <a:buNone/>
-            </a:pPr>
-            <a:endParaRPr lang="it-IT" b="1" dirty="0" smtClean="0"/>
-          </a:p>
-          <a:p>
-            <a:pPr marL="0" indent="0" algn="r">
-              <a:buNone/>
-            </a:pPr>
-            <a:endParaRPr lang="it-IT" dirty="0" smtClean="0"/>
-          </a:p>
-          <a:p>
-            <a:endParaRPr lang="it-IT" dirty="0" smtClean="0"/>
+            <a:endParaRPr lang="it-IT"/>
           </a:p>
         </p:txBody>
       </p:sp>
     </p:spTree>
     <p:extLst>
       <p:ext uri="{BB962C8B-B14F-4D97-AF65-F5344CB8AC3E}">
-        <p14:creationId xmlns:p14="http://schemas.microsoft.com/office/powerpoint/2010/main" val="1040553838"/>
+        <p14:creationId xmlns:p14="http://schemas.microsoft.com/office/powerpoint/2010/main" val="750477885"/>
       </p:ext>
     </p:extLst>
   </p:cSld>
@@ -9257,7 +9251,7 @@
     </p:spTree>
     <p:extLst>
       <p:ext uri="{BB962C8B-B14F-4D97-AF65-F5344CB8AC3E}">
-        <p14:creationId xmlns:p14="http://schemas.microsoft.com/office/powerpoint/2010/main" val="750477885"/>
+        <p14:creationId xmlns:p14="http://schemas.microsoft.com/office/powerpoint/2010/main" val="3429703679"/>
       </p:ext>
     </p:extLst>
   </p:cSld>
@@ -9339,81 +9333,6 @@
     <p:extLst>
       <p:ext uri="{BB962C8B-B14F-4D97-AF65-F5344CB8AC3E}">
         <p14:creationId xmlns:p14="http://schemas.microsoft.com/office/powerpoint/2010/main" val="2319141159"/>
-      </p:ext>
-    </p:extLst>
-  </p:cSld>
-  <p:clrMapOvr>
-    <a:masterClrMapping/>
-  </p:clrMapOvr>
-  <p:timing>
-    <p:tnLst>
-      <p:par>
-        <p:cTn id="1" dur="indefinite" restart="never" nodeType="tmRoot"/>
-      </p:par>
-    </p:tnLst>
-  </p:timing>
-</p:sld>
-</file>
-
-<file path=ppt/slides/slide20.xml><?xml version="1.0" encoding="utf-8"?>
-<p:sld xmlns:a="http://schemas.openxmlformats.org/drawingml/2006/main" xmlns:r="http://schemas.openxmlformats.org/officeDocument/2006/relationships" xmlns:p="http://schemas.openxmlformats.org/presentationml/2006/main">
-  <p:cSld>
-    <p:spTree>
-      <p:nvGrpSpPr>
-        <p:cNvPr id="1" name=""/>
-        <p:cNvGrpSpPr/>
-        <p:nvPr/>
-      </p:nvGrpSpPr>
-      <p:grpSpPr>
-        <a:xfrm>
-          <a:off x="0" y="0"/>
-          <a:ext cx="0" cy="0"/>
-          <a:chOff x="0" y="0"/>
-          <a:chExt cx="0" cy="0"/>
-        </a:xfrm>
-      </p:grpSpPr>
-      <p:sp>
-        <p:nvSpPr>
-          <p:cNvPr id="2" name="Titolo 1"/>
-          <p:cNvSpPr>
-            <a:spLocks noGrp="1"/>
-          </p:cNvSpPr>
-          <p:nvPr>
-            <p:ph type="title"/>
-          </p:nvPr>
-        </p:nvSpPr>
-        <p:spPr/>
-        <p:txBody>
-          <a:bodyPr/>
-          <a:lstStyle/>
-          <a:p>
-            <a:endParaRPr lang="it-IT"/>
-          </a:p>
-        </p:txBody>
-      </p:sp>
-      <p:sp>
-        <p:nvSpPr>
-          <p:cNvPr id="3" name="Segnaposto contenuto 2"/>
-          <p:cNvSpPr>
-            <a:spLocks noGrp="1"/>
-          </p:cNvSpPr>
-          <p:nvPr>
-            <p:ph idx="1"/>
-          </p:nvPr>
-        </p:nvSpPr>
-        <p:spPr/>
-        <p:txBody>
-          <a:bodyPr/>
-          <a:lstStyle/>
-          <a:p>
-            <a:endParaRPr lang="it-IT"/>
-          </a:p>
-        </p:txBody>
-      </p:sp>
-    </p:spTree>
-    <p:extLst>
-      <p:ext uri="{BB962C8B-B14F-4D97-AF65-F5344CB8AC3E}">
-        <p14:creationId xmlns:p14="http://schemas.microsoft.com/office/powerpoint/2010/main" val="3429703679"/>
       </p:ext>
     </p:extLst>
   </p:cSld>
